--- a/최종프로젝트(국회의원_분석)/프로젝트 데이터/기획서&발표자료/[프로젝트 안내서] 서비스산업B_(파이널 프로젝트).pptx
+++ b/최종프로젝트(국회의원_분석)/프로젝트 데이터/기획서&발표자료/[프로젝트 안내서] 서비스산업B_(파이널 프로젝트).pptx
@@ -242,7 +242,7 @@
           <a:p>
             <a:fld id="{CAAEDDFF-5538-4C8D-BAFD-AA936BEBF637}" type="datetimeFigureOut">
               <a:rPr lang="ko-KR" altLang="en-US" smtClean="0"/>
-              <a:t>2020-03-27</a:t>
+              <a:t>2020-04-30</a:t>
             </a:fld>
             <a:endParaRPr lang="ko-KR" altLang="en-US"/>
           </a:p>
@@ -407,7 +407,7 @@
           <a:p>
             <a:fld id="{06C9FA17-5191-4EB2-B9E3-2894C068CD4E}" type="datetimeFigureOut">
               <a:rPr lang="ko-KR" altLang="en-US" smtClean="0"/>
-              <a:t>2020-03-27</a:t>
+              <a:t>2020-04-30</a:t>
             </a:fld>
             <a:endParaRPr lang="ko-KR" altLang="en-US"/>
           </a:p>
@@ -1285,7 +1285,7 @@
             <a:fld id="{9B26CCDF-C5BC-41FC-A147-D1E46CD68326}" type="datetimeFigureOut">
               <a:rPr lang="ko-KR" altLang="en-US" smtClean="0"/>
               <a:pPr/>
-              <a:t>2020-03-27</a:t>
+              <a:t>2020-04-30</a:t>
             </a:fld>
             <a:endParaRPr lang="ko-KR" altLang="en-US"/>
           </a:p>
@@ -1450,7 +1450,7 @@
             <a:fld id="{9B26CCDF-C5BC-41FC-A147-D1E46CD68326}" type="datetimeFigureOut">
               <a:rPr lang="ko-KR" altLang="en-US" smtClean="0"/>
               <a:pPr/>
-              <a:t>2020-03-27</a:t>
+              <a:t>2020-04-30</a:t>
             </a:fld>
             <a:endParaRPr lang="ko-KR" altLang="en-US"/>
           </a:p>
@@ -1625,7 +1625,7 @@
             <a:fld id="{9B26CCDF-C5BC-41FC-A147-D1E46CD68326}" type="datetimeFigureOut">
               <a:rPr lang="ko-KR" altLang="en-US" smtClean="0"/>
               <a:pPr/>
-              <a:t>2020-03-27</a:t>
+              <a:t>2020-04-30</a:t>
             </a:fld>
             <a:endParaRPr lang="ko-KR" altLang="en-US"/>
           </a:p>
@@ -1790,7 +1790,7 @@
             <a:fld id="{9B26CCDF-C5BC-41FC-A147-D1E46CD68326}" type="datetimeFigureOut">
               <a:rPr lang="ko-KR" altLang="en-US" smtClean="0"/>
               <a:pPr/>
-              <a:t>2020-03-27</a:t>
+              <a:t>2020-04-30</a:t>
             </a:fld>
             <a:endParaRPr lang="ko-KR" altLang="en-US"/>
           </a:p>
@@ -2032,7 +2032,7 @@
             <a:fld id="{9B26CCDF-C5BC-41FC-A147-D1E46CD68326}" type="datetimeFigureOut">
               <a:rPr lang="ko-KR" altLang="en-US" smtClean="0"/>
               <a:pPr/>
-              <a:t>2020-03-27</a:t>
+              <a:t>2020-04-30</a:t>
             </a:fld>
             <a:endParaRPr lang="ko-KR" altLang="en-US"/>
           </a:p>
@@ -2314,7 +2314,7 @@
             <a:fld id="{9B26CCDF-C5BC-41FC-A147-D1E46CD68326}" type="datetimeFigureOut">
               <a:rPr lang="ko-KR" altLang="en-US" smtClean="0"/>
               <a:pPr/>
-              <a:t>2020-03-27</a:t>
+              <a:t>2020-04-30</a:t>
             </a:fld>
             <a:endParaRPr lang="ko-KR" altLang="en-US"/>
           </a:p>
@@ -2730,7 +2730,7 @@
             <a:fld id="{9B26CCDF-C5BC-41FC-A147-D1E46CD68326}" type="datetimeFigureOut">
               <a:rPr lang="ko-KR" altLang="en-US" smtClean="0"/>
               <a:pPr/>
-              <a:t>2020-03-27</a:t>
+              <a:t>2020-04-30</a:t>
             </a:fld>
             <a:endParaRPr lang="ko-KR" altLang="en-US"/>
           </a:p>
@@ -2844,7 +2844,7 @@
             <a:fld id="{9B26CCDF-C5BC-41FC-A147-D1E46CD68326}" type="datetimeFigureOut">
               <a:rPr lang="ko-KR" altLang="en-US" smtClean="0"/>
               <a:pPr/>
-              <a:t>2020-03-27</a:t>
+              <a:t>2020-04-30</a:t>
             </a:fld>
             <a:endParaRPr lang="ko-KR" altLang="en-US"/>
           </a:p>
@@ -2936,7 +2936,7 @@
             <a:fld id="{9B26CCDF-C5BC-41FC-A147-D1E46CD68326}" type="datetimeFigureOut">
               <a:rPr lang="ko-KR" altLang="en-US" smtClean="0"/>
               <a:pPr/>
-              <a:t>2020-03-27</a:t>
+              <a:t>2020-04-30</a:t>
             </a:fld>
             <a:endParaRPr lang="ko-KR" altLang="en-US"/>
           </a:p>
@@ -3208,7 +3208,7 @@
             <a:fld id="{9B26CCDF-C5BC-41FC-A147-D1E46CD68326}" type="datetimeFigureOut">
               <a:rPr lang="ko-KR" altLang="en-US" smtClean="0"/>
               <a:pPr/>
-              <a:t>2020-03-27</a:t>
+              <a:t>2020-04-30</a:t>
             </a:fld>
             <a:endParaRPr lang="ko-KR" altLang="en-US"/>
           </a:p>
@@ -3457,7 +3457,7 @@
             <a:fld id="{9B26CCDF-C5BC-41FC-A147-D1E46CD68326}" type="datetimeFigureOut">
               <a:rPr lang="ko-KR" altLang="en-US" smtClean="0"/>
               <a:pPr/>
-              <a:t>2020-03-27</a:t>
+              <a:t>2020-04-30</a:t>
             </a:fld>
             <a:endParaRPr lang="ko-KR" altLang="en-US"/>
           </a:p>
@@ -3665,7 +3665,7 @@
             <a:fld id="{9B26CCDF-C5BC-41FC-A147-D1E46CD68326}" type="datetimeFigureOut">
               <a:rPr lang="ko-KR" altLang="en-US" smtClean="0"/>
               <a:pPr/>
-              <a:t>2020-03-27</a:t>
+              <a:t>2020-04-30</a:t>
             </a:fld>
             <a:endParaRPr lang="ko-KR" altLang="en-US"/>
           </a:p>
@@ -4216,25 +4216,7 @@
                   <a:ea typeface="+mj-ea"/>
                   <a:cs typeface="Arial" panose="020B0604020202020204" pitchFamily="34" charset="0"/>
                 </a:rPr>
-                <a:t>차 </a:t>
-              </a:r>
-              <a:r>
-                <a:rPr lang="ko-KR" altLang="en-US" sz="4800" b="1" spc="-200" dirty="0" smtClean="0">
-                  <a:ln>
-                    <a:solidFill>
-                      <a:srgbClr val="4F81BD">
-                        <a:alpha val="0"/>
-                      </a:srgbClr>
-                    </a:solidFill>
-                  </a:ln>
-                  <a:solidFill>
-                    <a:srgbClr val="42427A"/>
-                  </a:solidFill>
-                  <a:latin typeface="+mj-ea"/>
-                  <a:ea typeface="+mj-ea"/>
-                  <a:cs typeface="Arial" panose="020B0604020202020204" pitchFamily="34" charset="0"/>
-                </a:rPr>
-                <a:t>산업혁명</a:t>
+                <a:t>차 산업혁명</a:t>
               </a:r>
               <a:endParaRPr lang="en-US" altLang="ko-KR" sz="4800" b="1" spc="-200" dirty="0">
                 <a:ln>
@@ -4355,7 +4337,7 @@
                 <a:defRPr/>
               </a:pPr>
               <a:r>
-                <a:rPr lang="ko-KR" altLang="en-US" sz="4800" b="1" spc="-200" dirty="0" smtClean="0">
+                <a:rPr lang="ko-KR" altLang="en-US" sz="4800" b="1" spc="-200" dirty="0">
                   <a:ln>
                     <a:solidFill>
                       <a:srgbClr val="4F81BD">
@@ -4426,28 +4408,28 @@
           <a:p>
             <a:pPr algn="ctr"/>
             <a:r>
-              <a:rPr lang="ko-KR" altLang="en-US" sz="2800" b="1" spc="-150" dirty="0" smtClean="0">
+              <a:rPr lang="ko-KR" altLang="en-US" sz="2800" b="1" spc="-150" dirty="0">
                 <a:latin typeface="+mj-ea"/>
                 <a:ea typeface="+mj-ea"/>
               </a:rPr>
               <a:t>서비스 산업 데이터를 활용한 </a:t>
             </a:r>
             <a:r>
-              <a:rPr lang="ko-KR" altLang="en-US" sz="2800" b="1" spc="-150" dirty="0" err="1" smtClean="0">
+              <a:rPr lang="ko-KR" altLang="en-US" sz="2800" b="1" spc="-150" dirty="0" err="1">
                 <a:latin typeface="+mj-ea"/>
                 <a:ea typeface="+mj-ea"/>
               </a:rPr>
               <a:t>머신러닝</a:t>
             </a:r>
             <a:r>
-              <a:rPr lang="ko-KR" altLang="en-US" sz="2800" b="1" spc="-150" dirty="0" smtClean="0">
+              <a:rPr lang="ko-KR" altLang="en-US" sz="2800" b="1" spc="-150" dirty="0">
                 <a:latin typeface="+mj-ea"/>
                 <a:ea typeface="+mj-ea"/>
               </a:rPr>
               <a:t> 분석</a:t>
             </a:r>
             <a:r>
-              <a:rPr lang="en-US" altLang="ko-KR" sz="2800" b="1" spc="-150" dirty="0" smtClean="0">
+              <a:rPr lang="en-US" altLang="ko-KR" sz="2800" b="1" spc="-150" dirty="0">
                 <a:latin typeface="+mj-ea"/>
                 <a:ea typeface="+mj-ea"/>
               </a:rPr>
@@ -4457,23 +4439,19 @@
           <a:p>
             <a:pPr algn="ctr"/>
             <a:r>
-              <a:rPr lang="ko-KR" altLang="en-US" sz="4000" b="1" spc="-150" dirty="0" err="1" smtClean="0">
+              <a:rPr lang="ko-KR" altLang="en-US" sz="4000" b="1" spc="-150" dirty="0" err="1">
                 <a:latin typeface="+mj-ea"/>
                 <a:ea typeface="+mj-ea"/>
               </a:rPr>
               <a:t>파이널</a:t>
             </a:r>
             <a:r>
-              <a:rPr lang="ko-KR" altLang="en-US" sz="4000" b="1" spc="-150" dirty="0" smtClean="0">
+              <a:rPr lang="ko-KR" altLang="en-US" sz="4000" b="1" spc="-150" dirty="0">
                 <a:latin typeface="+mj-ea"/>
                 <a:ea typeface="+mj-ea"/>
               </a:rPr>
               <a:t> 프로젝트 안내서</a:t>
             </a:r>
-            <a:endParaRPr lang="ko-KR" altLang="en-US" sz="4000" b="1" spc="-150" dirty="0">
-              <a:latin typeface="+mj-ea"/>
-              <a:ea typeface="+mj-ea"/>
-            </a:endParaRPr>
           </a:p>
         </p:txBody>
       </p:sp>
@@ -4550,13 +4528,6 @@
   <p:clrMapOvr>
     <a:masterClrMapping/>
   </p:clrMapOvr>
-  <p:timing>
-    <p:tnLst>
-      <p:par>
-        <p:cTn id="1" dur="indefinite" restart="never" nodeType="tmRoot"/>
-      </p:par>
-    </p:tnLst>
-  </p:timing>
 </p:sld>
 </file>
 
@@ -4633,7 +4604,7 @@
           </a:lstStyle>
           <a:p>
             <a:r>
-              <a:rPr lang="ko-KR" altLang="en-US" sz="3600" dirty="0" err="1" smtClean="0">
+              <a:rPr lang="ko-KR" altLang="en-US" sz="3600" dirty="0" err="1">
                 <a:solidFill>
                   <a:schemeClr val="tx1">
                     <a:lumMod val="75000"/>
@@ -4646,7 +4617,7 @@
               <a:t>파이널</a:t>
             </a:r>
             <a:r>
-              <a:rPr lang="ko-KR" altLang="en-US" sz="3600" dirty="0" smtClean="0">
+              <a:rPr lang="ko-KR" altLang="en-US" sz="3600" dirty="0">
                 <a:solidFill>
                   <a:schemeClr val="tx1">
                     <a:lumMod val="75000"/>
@@ -4658,16 +4629,6 @@
               </a:rPr>
               <a:t> 프로젝트 소개</a:t>
             </a:r>
-            <a:endParaRPr lang="ko-KR" altLang="en-US" sz="3600" dirty="0">
-              <a:solidFill>
-                <a:schemeClr val="tx1">
-                  <a:lumMod val="75000"/>
-                  <a:lumOff val="25000"/>
-                </a:schemeClr>
-              </a:solidFill>
-              <a:latin typeface="맑은 고딕" panose="020B0503020000020004" pitchFamily="50" charset="-127"/>
-              <a:ea typeface="맑은 고딕" panose="020B0503020000020004" pitchFamily="50" charset="-127"/>
-            </a:endParaRPr>
           </a:p>
         </p:txBody>
       </p:sp>
@@ -4824,7 +4785,7 @@
               </a:lnSpc>
             </a:pPr>
             <a:r>
-              <a:rPr lang="en-US" altLang="ko-KR" sz="1400" b="1" dirty="0" smtClean="0">
+              <a:rPr lang="en-US" altLang="ko-KR" sz="1400" b="1" dirty="0">
                 <a:ln>
                   <a:solidFill>
                     <a:prstClr val="black">
@@ -4841,7 +4802,7 @@
               <a:t>1. </a:t>
             </a:r>
             <a:r>
-              <a:rPr lang="ko-KR" altLang="en-US" sz="1400" b="1" dirty="0" smtClean="0">
+              <a:rPr lang="ko-KR" altLang="en-US" sz="1400" b="1" dirty="0">
                 <a:ln>
                   <a:solidFill>
                     <a:prstClr val="black">
@@ -4857,7 +4818,7 @@
               </a:rPr>
               <a:t>프로젝트기반 훈련의 정의</a:t>
             </a:r>
-            <a:endParaRPr lang="en-US" altLang="ko-KR" sz="1400" b="1" dirty="0" smtClean="0">
+            <a:endParaRPr lang="en-US" altLang="ko-KR" sz="1400" b="1" dirty="0">
               <a:ln>
                 <a:solidFill>
                   <a:prstClr val="black">
@@ -4890,24 +4851,10 @@
                 <a:latin typeface="맑은 고딕" panose="020B0503020000020004" pitchFamily="50" charset="-127"/>
                 <a:ea typeface="맑은 고딕" panose="020B0503020000020004" pitchFamily="50" charset="-127"/>
               </a:rPr>
-              <a:t> </a:t>
-            </a:r>
-            <a:r>
-              <a:rPr lang="en-US" altLang="ko-KR" sz="1200" b="1" spc="-50" dirty="0" smtClean="0">
-                <a:ln>
-                  <a:solidFill>
-                    <a:schemeClr val="tx1">
-                      <a:alpha val="0"/>
-                    </a:schemeClr>
-                  </a:solidFill>
-                </a:ln>
-                <a:latin typeface="맑은 고딕" panose="020B0503020000020004" pitchFamily="50" charset="-127"/>
-                <a:ea typeface="맑은 고딕" panose="020B0503020000020004" pitchFamily="50" charset="-127"/>
-              </a:rPr>
-              <a:t>   - 4</a:t>
-            </a:r>
-            <a:r>
-              <a:rPr lang="ko-KR" altLang="en-US" sz="1200" b="1" spc="-50" dirty="0" err="1" smtClean="0">
+              <a:t>    - 4</a:t>
+            </a:r>
+            <a:r>
+              <a:rPr lang="ko-KR" altLang="en-US" sz="1200" b="1" spc="-50" dirty="0" err="1">
                 <a:ln>
                   <a:solidFill>
                     <a:schemeClr val="tx1">
@@ -4921,7 +4868,7 @@
               <a:t>차산업혁명</a:t>
             </a:r>
             <a:r>
-              <a:rPr lang="ko-KR" altLang="en-US" sz="1200" b="1" spc="-50" dirty="0" smtClean="0">
+              <a:rPr lang="ko-KR" altLang="en-US" sz="1200" b="1" spc="-50" dirty="0">
                 <a:ln>
                   <a:solidFill>
                     <a:schemeClr val="tx1">
@@ -4935,7 +4882,7 @@
               <a:t> 선도인력양성 교육은 프로젝트 기반 훈련으로</a:t>
             </a:r>
             <a:r>
-              <a:rPr lang="en-US" altLang="ko-KR" sz="1200" b="1" spc="-50" dirty="0" smtClean="0">
+              <a:rPr lang="en-US" altLang="ko-KR" sz="1200" b="1" spc="-50" dirty="0">
                 <a:ln>
                   <a:solidFill>
                     <a:schemeClr val="tx1">
@@ -4949,7 +4896,7 @@
               <a:t>, </a:t>
             </a:r>
             <a:r>
-              <a:rPr lang="ko-KR" altLang="en-US" sz="1200" b="1" spc="-50" dirty="0" smtClean="0">
+              <a:rPr lang="ko-KR" altLang="en-US" sz="1200" b="1" spc="-50" dirty="0">
                 <a:ln>
                   <a:solidFill>
                     <a:schemeClr val="tx1">
@@ -4962,7 +4909,7 @@
               </a:rPr>
               <a:t>핵심 분야에 대한 기본 기술을 습득하고</a:t>
             </a:r>
-            <a:endParaRPr lang="en-US" altLang="ko-KR" sz="1200" b="1" spc="-50" dirty="0" smtClean="0">
+            <a:endParaRPr lang="en-US" altLang="ko-KR" sz="1200" b="1" spc="-50" dirty="0">
               <a:ln>
                 <a:solidFill>
                   <a:schemeClr val="tx1">
@@ -4981,7 +4928,7 @@
               </a:lnSpc>
             </a:pPr>
             <a:r>
-              <a:rPr lang="en-US" altLang="ko-KR" sz="1200" b="1" spc="-50" dirty="0" smtClean="0">
+              <a:rPr lang="en-US" altLang="ko-KR" sz="1200" b="1" spc="-50" dirty="0">
                 <a:ln>
                   <a:solidFill>
                     <a:schemeClr val="tx1">
@@ -4995,20 +4942,6 @@
               <a:t>  </a:t>
             </a:r>
             <a:r>
-              <a:rPr lang="ko-KR" altLang="en-US" sz="1200" b="1" spc="-50" dirty="0" smtClean="0">
-                <a:ln>
-                  <a:solidFill>
-                    <a:schemeClr val="tx1">
-                      <a:alpha val="0"/>
-                    </a:schemeClr>
-                  </a:solidFill>
-                </a:ln>
-                <a:latin typeface="맑은 고딕" panose="020B0503020000020004" pitchFamily="50" charset="-127"/>
-                <a:ea typeface="맑은 고딕" panose="020B0503020000020004" pitchFamily="50" charset="-127"/>
-              </a:rPr>
-              <a:t>훈련의 마지막 단계에서 현장 </a:t>
-            </a:r>
-            <a:r>
               <a:rPr lang="ko-KR" altLang="en-US" sz="1200" b="1" spc="-50" dirty="0">
                 <a:ln>
                   <a:solidFill>
@@ -5020,24 +4953,10 @@
                 <a:latin typeface="맑은 고딕" panose="020B0503020000020004" pitchFamily="50" charset="-127"/>
                 <a:ea typeface="맑은 고딕" panose="020B0503020000020004" pitchFamily="50" charset="-127"/>
               </a:rPr>
-              <a:t>중</a:t>
-            </a:r>
-            <a:r>
-              <a:rPr lang="ko-KR" altLang="en-US" sz="1200" b="1" spc="-50" dirty="0" smtClean="0">
-                <a:ln>
-                  <a:solidFill>
-                    <a:schemeClr val="tx1">
-                      <a:alpha val="0"/>
-                    </a:schemeClr>
-                  </a:solidFill>
-                </a:ln>
-                <a:latin typeface="맑은 고딕" panose="020B0503020000020004" pitchFamily="50" charset="-127"/>
-                <a:ea typeface="맑은 고딕" panose="020B0503020000020004" pitchFamily="50" charset="-127"/>
-              </a:rPr>
-              <a:t>심의 프로젝트를 수행합니다</a:t>
-            </a:r>
-            <a:r>
-              <a:rPr lang="en-US" altLang="ko-KR" sz="1200" b="1" spc="-50" dirty="0" smtClean="0">
+              <a:t>훈련의 마지막 단계에서 현장 중심의 프로젝트를 수행합니다</a:t>
+            </a:r>
+            <a:r>
+              <a:rPr lang="en-US" altLang="ko-KR" sz="1200" b="1" spc="-50" dirty="0">
                 <a:ln>
                   <a:solidFill>
                     <a:schemeClr val="tx1">
@@ -5051,7 +4970,7 @@
               <a:t>.</a:t>
             </a:r>
             <a:r>
-              <a:rPr lang="ko-KR" altLang="en-US" sz="1200" b="1" spc="-50" dirty="0" smtClean="0">
+              <a:rPr lang="ko-KR" altLang="en-US" sz="1200" b="1" spc="-50" dirty="0">
                 <a:ln>
                   <a:solidFill>
                     <a:schemeClr val="tx1">
@@ -5065,7 +4984,7 @@
               <a:t> 프로젝트 </a:t>
             </a:r>
             <a:r>
-              <a:rPr lang="ko-KR" altLang="en-US" sz="1200" b="1" spc="-50" dirty="0" err="1" smtClean="0">
+              <a:rPr lang="ko-KR" altLang="en-US" sz="1200" b="1" spc="-50" dirty="0" err="1">
                 <a:ln>
                   <a:solidFill>
                     <a:schemeClr val="tx1">
@@ -5079,7 +4998,7 @@
               <a:t>멘토링을</a:t>
             </a:r>
             <a:r>
-              <a:rPr lang="ko-KR" altLang="en-US" sz="1200" b="1" spc="-50" dirty="0" smtClean="0">
+              <a:rPr lang="ko-KR" altLang="en-US" sz="1200" b="1" spc="-50" dirty="0">
                 <a:ln>
                   <a:solidFill>
                     <a:schemeClr val="tx1">
@@ -5093,7 +5012,7 @@
               <a:t> 병행하여</a:t>
             </a:r>
             <a:r>
-              <a:rPr lang="en-US" altLang="ko-KR" sz="1200" b="1" spc="-50" dirty="0" smtClean="0">
+              <a:rPr lang="en-US" altLang="ko-KR" sz="1200" b="1" spc="-50" dirty="0">
                 <a:ln>
                   <a:solidFill>
                     <a:schemeClr val="tx1">
@@ -5107,7 +5026,7 @@
               <a:t> </a:t>
             </a:r>
             <a:r>
-              <a:rPr lang="ko-KR" altLang="en-US" sz="1200" b="1" spc="-50" dirty="0" smtClean="0">
+              <a:rPr lang="ko-KR" altLang="en-US" sz="1200" b="1" spc="-50" dirty="0">
                 <a:ln>
                   <a:solidFill>
                     <a:schemeClr val="tx1">
@@ -5120,7 +5039,7 @@
               </a:rPr>
               <a:t>현업 수준의 </a:t>
             </a:r>
-            <a:endParaRPr lang="en-US" altLang="ko-KR" sz="1200" b="1" spc="-50" dirty="0" smtClean="0">
+            <a:endParaRPr lang="en-US" altLang="ko-KR" sz="1200" b="1" spc="-50" dirty="0">
               <a:ln>
                 <a:solidFill>
                   <a:schemeClr val="tx1">
@@ -5139,7 +5058,7 @@
               </a:lnSpc>
             </a:pPr>
             <a:r>
-              <a:rPr lang="en-US" altLang="ko-KR" sz="1200" b="1" spc="-50" dirty="0" smtClean="0">
+              <a:rPr lang="en-US" altLang="ko-KR" sz="1200" b="1" spc="-50" dirty="0">
                 <a:ln>
                   <a:solidFill>
                     <a:schemeClr val="tx1">
@@ -5153,7 +5072,7 @@
               <a:t>  </a:t>
             </a:r>
             <a:r>
-              <a:rPr lang="ko-KR" altLang="en-US" sz="1200" b="1" spc="-50" dirty="0" smtClean="0">
+              <a:rPr lang="ko-KR" altLang="en-US" sz="1200" b="1" spc="-50" dirty="0">
                 <a:ln>
                   <a:solidFill>
                     <a:schemeClr val="tx1">
@@ -5167,7 +5086,7 @@
               <a:t>결과물을 도출하며 실제 업무와 유사한 성격의 프로젝트를 통해 이론지식을 문제 해결에 적용합니다</a:t>
             </a:r>
             <a:r>
-              <a:rPr lang="en-US" altLang="ko-KR" sz="1200" b="1" spc="-50" dirty="0" smtClean="0">
+              <a:rPr lang="en-US" altLang="ko-KR" sz="1200" b="1" spc="-50" dirty="0">
                 <a:ln>
                   <a:solidFill>
                     <a:schemeClr val="tx1">
@@ -5181,7 +5100,7 @@
               <a:t>. </a:t>
             </a:r>
             <a:br>
-              <a:rPr lang="en-US" altLang="ko-KR" sz="1200" b="1" spc="-50" dirty="0" smtClean="0">
+              <a:rPr lang="en-US" altLang="ko-KR" sz="1200" b="1" spc="-50" dirty="0">
                 <a:ln>
                   <a:solidFill>
                     <a:schemeClr val="tx1">
@@ -5193,7 +5112,7 @@
                 <a:ea typeface="맑은 고딕" panose="020B0503020000020004" pitchFamily="50" charset="-127"/>
               </a:rPr>
             </a:br>
-            <a:endParaRPr lang="en-US" altLang="ko-KR" sz="700" b="1" spc="-50" dirty="0" smtClean="0">
+            <a:endParaRPr lang="en-US" altLang="ko-KR" sz="700" b="1" spc="-50" dirty="0">
               <a:ln>
                 <a:solidFill>
                   <a:schemeClr val="tx1">
@@ -5212,7 +5131,7 @@
               </a:lnSpc>
             </a:pPr>
             <a:r>
-              <a:rPr lang="en-US" altLang="ko-KR" sz="1400" b="1" dirty="0" smtClean="0">
+              <a:rPr lang="en-US" altLang="ko-KR" sz="1400" b="1" dirty="0">
                 <a:ln>
                   <a:solidFill>
                     <a:prstClr val="black">
@@ -5229,7 +5148,7 @@
               <a:t>2. </a:t>
             </a:r>
             <a:r>
-              <a:rPr lang="ko-KR" altLang="en-US" sz="1400" b="1" dirty="0" smtClean="0">
+              <a:rPr lang="ko-KR" altLang="en-US" sz="1400" b="1" dirty="0">
                 <a:ln>
                   <a:solidFill>
                     <a:prstClr val="black">
@@ -5245,7 +5164,7 @@
               </a:rPr>
               <a:t>프로젝트기반 훈련의 목적</a:t>
             </a:r>
-            <a:endParaRPr lang="en-US" altLang="ko-KR" sz="1400" b="1" dirty="0" smtClean="0">
+            <a:endParaRPr lang="en-US" altLang="ko-KR" sz="1400" b="1" dirty="0">
               <a:ln>
                 <a:solidFill>
                   <a:prstClr val="black">
@@ -5267,7 +5186,7 @@
               </a:lnSpc>
             </a:pPr>
             <a:r>
-              <a:rPr lang="en-US" altLang="ko-KR" sz="1200" b="1" spc="-50" dirty="0" smtClean="0">
+              <a:rPr lang="en-US" altLang="ko-KR" sz="1200" b="1" spc="-50" dirty="0">
                 <a:ln>
                   <a:solidFill>
                     <a:prstClr val="black">
@@ -5284,7 +5203,7 @@
               <a:t>   - </a:t>
             </a:r>
             <a:r>
-              <a:rPr lang="ko-KR" altLang="en-US" sz="1200" b="1" spc="-50" dirty="0" smtClean="0">
+              <a:rPr lang="ko-KR" altLang="en-US" sz="1200" b="1" spc="-50" dirty="0">
                 <a:ln>
                   <a:solidFill>
                     <a:prstClr val="black">
@@ -5301,7 +5220,7 @@
               <a:t>프로젝트 주제 및 과제를 기획하고</a:t>
             </a:r>
             <a:r>
-              <a:rPr lang="en-US" altLang="ko-KR" sz="1200" b="1" spc="-50" dirty="0" smtClean="0">
+              <a:rPr lang="en-US" altLang="ko-KR" sz="1200" b="1" spc="-50" dirty="0">
                 <a:ln>
                   <a:solidFill>
                     <a:prstClr val="black">
@@ -5318,7 +5237,7 @@
               <a:t>, </a:t>
             </a:r>
             <a:r>
-              <a:rPr lang="ko-KR" altLang="en-US" sz="1200" b="1" spc="-50" dirty="0" smtClean="0">
+              <a:rPr lang="ko-KR" altLang="en-US" sz="1200" b="1" spc="-50" dirty="0">
                 <a:ln>
                   <a:solidFill>
                     <a:prstClr val="black">
@@ -5335,7 +5254,7 @@
               <a:t>교육생 주도하에</a:t>
             </a:r>
             <a:r>
-              <a:rPr lang="en-US" altLang="ko-KR" sz="1200" b="1" spc="-50" dirty="0" smtClean="0">
+              <a:rPr lang="en-US" altLang="ko-KR" sz="1200" b="1" spc="-50" dirty="0">
                 <a:ln>
                   <a:solidFill>
                     <a:prstClr val="black">
@@ -5352,7 +5271,7 @@
               <a:t> </a:t>
             </a:r>
             <a:r>
-              <a:rPr lang="ko-KR" altLang="en-US" sz="1200" b="1" spc="-50" dirty="0" smtClean="0">
+              <a:rPr lang="ko-KR" altLang="en-US" sz="1200" b="1" spc="-50" dirty="0">
                 <a:ln>
                   <a:solidFill>
                     <a:prstClr val="black">
@@ -5368,7 +5287,7 @@
               </a:rPr>
               <a:t>개발 및 산출물을 만들어가는 과업을 수행하면서</a:t>
             </a:r>
-            <a:endParaRPr lang="en-US" altLang="ko-KR" sz="1200" b="1" spc="-50" dirty="0" smtClean="0">
+            <a:endParaRPr lang="en-US" altLang="ko-KR" sz="1200" b="1" spc="-50" dirty="0">
               <a:ln>
                 <a:solidFill>
                   <a:prstClr val="black">
@@ -5404,27 +5323,10 @@
                 <a:latin typeface="맑은 고딕" panose="020B0503020000020004" pitchFamily="50" charset="-127"/>
                 <a:ea typeface="맑은 고딕" panose="020B0503020000020004" pitchFamily="50" charset="-127"/>
               </a:rPr>
-              <a:t> </a:t>
-            </a:r>
-            <a:r>
-              <a:rPr lang="en-US" altLang="ko-KR" sz="1200" b="1" spc="-50" dirty="0" smtClean="0">
-                <a:ln>
-                  <a:solidFill>
-                    <a:prstClr val="black">
-                      <a:alpha val="0"/>
-                    </a:prstClr>
-                  </a:solidFill>
-                </a:ln>
-                <a:solidFill>
-                  <a:prstClr val="black"/>
-                </a:solidFill>
-                <a:latin typeface="맑은 고딕" panose="020B0503020000020004" pitchFamily="50" charset="-127"/>
-                <a:ea typeface="맑은 고딕" panose="020B0503020000020004" pitchFamily="50" charset="-127"/>
-              </a:rPr>
-              <a:t>    </a:t>
-            </a:r>
-            <a:r>
-              <a:rPr lang="ko-KR" altLang="en-US" sz="1200" b="1" spc="-50" dirty="0" smtClean="0">
+              <a:t>     </a:t>
+            </a:r>
+            <a:r>
+              <a:rPr lang="ko-KR" altLang="en-US" sz="1200" b="1" spc="-50" dirty="0">
                 <a:ln>
                   <a:solidFill>
                     <a:prstClr val="black">
@@ -5441,7 +5343,7 @@
               <a:t>자주적 과업 수행능력을 배양하고</a:t>
             </a:r>
             <a:r>
-              <a:rPr lang="en-US" altLang="ko-KR" sz="1200" b="1" spc="-50" dirty="0" smtClean="0">
+              <a:rPr lang="en-US" altLang="ko-KR" sz="1200" b="1" spc="-50" dirty="0">
                 <a:ln>
                   <a:solidFill>
                     <a:prstClr val="black">
@@ -5458,7 +5360,7 @@
               <a:t>, </a:t>
             </a:r>
             <a:r>
-              <a:rPr lang="ko-KR" altLang="en-US" sz="1200" b="1" spc="-50" dirty="0" smtClean="0">
+              <a:rPr lang="ko-KR" altLang="en-US" sz="1200" b="1" spc="-50" dirty="0">
                 <a:ln>
                   <a:solidFill>
                     <a:prstClr val="black">
@@ -5475,7 +5377,7 @@
               <a:t>종합적 실무 적용 능력을 강화합니다</a:t>
             </a:r>
             <a:r>
-              <a:rPr lang="en-US" altLang="ko-KR" sz="1200" b="1" spc="-50" dirty="0" smtClean="0">
+              <a:rPr lang="en-US" altLang="ko-KR" sz="1200" b="1" spc="-50" dirty="0">
                 <a:ln>
                   <a:solidFill>
                     <a:prstClr val="black">
@@ -5498,7 +5400,7 @@
                 <a:spcPct val="150000"/>
               </a:lnSpc>
             </a:pPr>
-            <a:endParaRPr lang="en-US" altLang="ko-KR" sz="800" b="1" spc="-50" dirty="0" smtClean="0">
+            <a:endParaRPr lang="en-US" altLang="ko-KR" sz="800" b="1" spc="-50" dirty="0">
               <a:ln>
                 <a:solidFill>
                   <a:schemeClr val="tx1">
@@ -5517,7 +5419,7 @@
               </a:lnSpc>
             </a:pPr>
             <a:r>
-              <a:rPr lang="en-US" altLang="ko-KR" sz="1400" b="1" dirty="0" smtClean="0">
+              <a:rPr lang="en-US" altLang="ko-KR" sz="1400" b="1" dirty="0">
                 <a:ln>
                   <a:solidFill>
                     <a:schemeClr val="tx1">
@@ -5534,7 +5436,7 @@
               <a:t>3. </a:t>
             </a:r>
             <a:r>
-              <a:rPr lang="ko-KR" altLang="en-US" sz="1400" b="1" dirty="0" smtClean="0">
+              <a:rPr lang="ko-KR" altLang="en-US" sz="1400" b="1" dirty="0">
                 <a:ln>
                   <a:solidFill>
                     <a:schemeClr val="tx1">
@@ -5550,7 +5452,7 @@
               </a:rPr>
               <a:t>팀 구성</a:t>
             </a:r>
-            <a:endParaRPr lang="en-US" altLang="ko-KR" sz="1400" b="1" dirty="0" smtClean="0">
+            <a:endParaRPr lang="en-US" altLang="ko-KR" sz="1400" b="1" dirty="0">
               <a:ln>
                 <a:solidFill>
                   <a:schemeClr val="tx1">
@@ -5572,7 +5474,7 @@
               </a:lnSpc>
             </a:pPr>
             <a:r>
-              <a:rPr lang="ko-KR" altLang="en-US" sz="1200" b="1" spc="-50" dirty="0" smtClean="0">
+              <a:rPr lang="ko-KR" altLang="en-US" sz="1200" b="1" spc="-50" dirty="0">
                 <a:ln>
                   <a:solidFill>
                     <a:schemeClr val="tx1">
@@ -5586,7 +5488,7 @@
               <a:t>   </a:t>
             </a:r>
             <a:r>
-              <a:rPr lang="en-US" altLang="ko-KR" sz="1200" b="1" spc="-50" dirty="0" smtClean="0">
+              <a:rPr lang="en-US" altLang="ko-KR" sz="1200" b="1" spc="-50" dirty="0">
                 <a:ln>
                   <a:solidFill>
                     <a:schemeClr val="tx1">
@@ -5600,7 +5502,7 @@
               <a:t>- </a:t>
             </a:r>
             <a:r>
-              <a:rPr lang="ko-KR" altLang="en-US" sz="1200" b="1" spc="-50" dirty="0" smtClean="0">
+              <a:rPr lang="ko-KR" altLang="en-US" sz="1200" b="1" spc="-50" dirty="0">
                 <a:ln>
                   <a:solidFill>
                     <a:schemeClr val="tx1">
@@ -5624,23 +5526,10 @@
                 </a:ln>
                 <a:latin typeface="맑은 고딕" panose="020B0503020000020004" pitchFamily="50" charset="-127"/>
               </a:rPr>
-              <a:t>다양한 세부기술을 </a:t>
-            </a:r>
-            <a:r>
-              <a:rPr lang="ko-KR" altLang="en-US" sz="1200" b="1" spc="-50" dirty="0" smtClean="0">
-                <a:ln>
-                  <a:solidFill>
-                    <a:schemeClr val="tx1">
-                      <a:alpha val="0"/>
-                    </a:schemeClr>
-                  </a:solidFill>
-                </a:ln>
-                <a:latin typeface="맑은 고딕" panose="020B0503020000020004" pitchFamily="50" charset="-127"/>
-              </a:rPr>
-              <a:t>구현할 수 있도록 </a:t>
-            </a:r>
-            <a:r>
-              <a:rPr lang="ko-KR" altLang="en-US" sz="1200" b="1" spc="-50" dirty="0" smtClean="0">
+              <a:t>다양한 세부기술을 구현할 수 있도록 </a:t>
+            </a:r>
+            <a:r>
+              <a:rPr lang="ko-KR" altLang="en-US" sz="1200" b="1" spc="-50" dirty="0">
                 <a:ln>
                   <a:solidFill>
                     <a:schemeClr val="tx1">
@@ -5654,7 +5543,7 @@
               <a:t>초반 </a:t>
             </a:r>
             <a:r>
-              <a:rPr lang="ko-KR" altLang="en-US" sz="1200" b="1" spc="-50" dirty="0" err="1" smtClean="0">
+              <a:rPr lang="ko-KR" altLang="en-US" sz="1200" b="1" spc="-50" dirty="0" err="1">
                 <a:ln>
                   <a:solidFill>
                     <a:schemeClr val="tx1">
@@ -5668,7 +5557,7 @@
               <a:t>멘토링</a:t>
             </a:r>
             <a:r>
-              <a:rPr lang="ko-KR" altLang="en-US" sz="1200" b="1" spc="-50" dirty="0" smtClean="0">
+              <a:rPr lang="ko-KR" altLang="en-US" sz="1200" b="1" spc="-50" dirty="0">
                 <a:ln>
                   <a:solidFill>
                     <a:schemeClr val="tx1">
@@ -5682,7 +5571,7 @@
               <a:t> 및 강사와의 면담을 통해 적절히 구성합니다</a:t>
             </a:r>
             <a:r>
-              <a:rPr lang="en-US" altLang="ko-KR" sz="1200" b="1" spc="-50" dirty="0" smtClean="0">
+              <a:rPr lang="en-US" altLang="ko-KR" sz="1200" b="1" spc="-50" dirty="0">
                 <a:ln>
                   <a:solidFill>
                     <a:schemeClr val="tx1">
@@ -5703,7 +5592,7 @@
               </a:lnSpc>
             </a:pPr>
             <a:r>
-              <a:rPr lang="en-US" altLang="ko-KR" sz="1200" b="1" spc="-50" dirty="0" smtClean="0">
+              <a:rPr lang="en-US" altLang="ko-KR" sz="1200" b="1" spc="-50" dirty="0">
                 <a:ln>
                   <a:solidFill>
                     <a:schemeClr val="tx1">
@@ -5717,7 +5606,7 @@
               <a:t>     </a:t>
             </a:r>
             <a:r>
-              <a:rPr lang="ko-KR" altLang="en-US" sz="1200" b="1" spc="-50" dirty="0" smtClean="0">
+              <a:rPr lang="ko-KR" altLang="en-US" sz="1200" b="1" spc="-50" dirty="0">
                 <a:ln>
                   <a:solidFill>
                     <a:schemeClr val="tx1">
@@ -5731,7 +5620,7 @@
               <a:t>팀 구성에 어려움이 있다면 강사와 매니저를 통하여 문의 바랍니다</a:t>
             </a:r>
             <a:r>
-              <a:rPr lang="en-US" altLang="ko-KR" sz="1200" b="1" spc="-50" dirty="0" smtClean="0">
+              <a:rPr lang="en-US" altLang="ko-KR" sz="1200" b="1" spc="-50" dirty="0">
                 <a:ln>
                   <a:solidFill>
                     <a:schemeClr val="tx1">
@@ -5772,7 +5661,7 @@
               </a:lnSpc>
             </a:pPr>
             <a:r>
-              <a:rPr lang="en-US" altLang="ko-KR" sz="1400" b="1" dirty="0" smtClean="0">
+              <a:rPr lang="en-US" altLang="ko-KR" sz="1400" b="1" dirty="0">
                 <a:ln>
                   <a:solidFill>
                     <a:schemeClr val="tx1">
@@ -5789,7 +5678,7 @@
               <a:t>4. </a:t>
             </a:r>
             <a:r>
-              <a:rPr lang="ko-KR" altLang="en-US" sz="1400" b="1" dirty="0" smtClean="0">
+              <a:rPr lang="ko-KR" altLang="en-US" sz="1400" b="1" dirty="0">
                 <a:ln>
                   <a:solidFill>
                     <a:schemeClr val="tx1">
@@ -5806,7 +5695,7 @@
               <a:t>우수 </a:t>
             </a:r>
             <a:r>
-              <a:rPr lang="ko-KR" altLang="en-US" sz="1400" b="1" dirty="0" err="1" smtClean="0">
+              <a:rPr lang="ko-KR" altLang="en-US" sz="1400" b="1" dirty="0" err="1">
                 <a:ln>
                   <a:solidFill>
                     <a:schemeClr val="tx1">
@@ -5823,7 +5712,7 @@
               <a:t>파이널</a:t>
             </a:r>
             <a:r>
-              <a:rPr lang="ko-KR" altLang="en-US" sz="1400" b="1" dirty="0" smtClean="0">
+              <a:rPr lang="ko-KR" altLang="en-US" sz="1400" b="1" dirty="0">
                 <a:ln>
                   <a:solidFill>
                     <a:schemeClr val="tx1">
@@ -5839,7 +5728,7 @@
               </a:rPr>
               <a:t> 프로젝트 선발 및 발표</a:t>
             </a:r>
-            <a:endParaRPr lang="en-US" altLang="ko-KR" sz="1400" b="1" dirty="0" smtClean="0">
+            <a:endParaRPr lang="en-US" altLang="ko-KR" sz="1400" b="1" dirty="0">
               <a:ln>
                 <a:solidFill>
                   <a:schemeClr val="tx1">
@@ -5871,23 +5760,10 @@
                 </a:ln>
                 <a:latin typeface="맑은 고딕" panose="020B0503020000020004" pitchFamily="50" charset="-127"/>
               </a:rPr>
-              <a:t> </a:t>
-            </a:r>
-            <a:r>
-              <a:rPr lang="ko-KR" altLang="en-US" sz="1200" b="1" spc="-50" dirty="0" smtClean="0">
-                <a:ln>
-                  <a:solidFill>
-                    <a:schemeClr val="tx1">
-                      <a:alpha val="0"/>
-                    </a:schemeClr>
-                  </a:solidFill>
-                </a:ln>
-                <a:latin typeface="맑은 고딕" panose="020B0503020000020004" pitchFamily="50" charset="-127"/>
-              </a:rPr>
-              <a:t>  </a:t>
-            </a:r>
-            <a:r>
-              <a:rPr lang="en-US" altLang="ko-KR" sz="1200" b="1" spc="-50" dirty="0" smtClean="0">
+              <a:t>   </a:t>
+            </a:r>
+            <a:r>
+              <a:rPr lang="en-US" altLang="ko-KR" sz="1200" b="1" spc="-50" dirty="0">
                 <a:ln>
                   <a:solidFill>
                     <a:schemeClr val="tx1">
@@ -6011,7 +5887,7 @@
               <a:t>각 반별 우수 프로젝트로 선정된 한 팀은 프로젝트 우수상을 수상합니다</a:t>
             </a:r>
             <a:r>
-              <a:rPr lang="en-US" altLang="ko-KR" sz="1200" b="1" spc="-50" dirty="0" smtClean="0">
+              <a:rPr lang="en-US" altLang="ko-KR" sz="1200" b="1" spc="-50" dirty="0">
                 <a:ln>
                   <a:solidFill>
                     <a:schemeClr val="tx1">
@@ -6049,7 +5925,7 @@
               </a:lnSpc>
             </a:pPr>
             <a:r>
-              <a:rPr lang="en-US" altLang="ko-KR" sz="1400" b="1" dirty="0" smtClean="0">
+              <a:rPr lang="en-US" altLang="ko-KR" sz="1400" b="1" dirty="0">
                 <a:ln>
                   <a:solidFill>
                     <a:schemeClr val="tx1">
@@ -6065,7 +5941,7 @@
               <a:t>5. </a:t>
             </a:r>
             <a:r>
-              <a:rPr lang="ko-KR" altLang="en-US" sz="1400" b="1" dirty="0" smtClean="0">
+              <a:rPr lang="ko-KR" altLang="en-US" sz="1400" b="1" dirty="0">
                 <a:ln>
                   <a:solidFill>
                     <a:schemeClr val="tx1">
@@ -6080,7 +5956,7 @@
               </a:rPr>
               <a:t>프로젝트 경진대회</a:t>
             </a:r>
-            <a:endParaRPr lang="en-US" altLang="ko-KR" sz="1400" b="1" dirty="0" smtClean="0">
+            <a:endParaRPr lang="en-US" altLang="ko-KR" sz="1400" b="1" dirty="0">
               <a:ln>
                 <a:solidFill>
                   <a:schemeClr val="tx1">
@@ -6111,23 +5987,10 @@
                 </a:ln>
                 <a:latin typeface="맑은 고딕" panose="020B0503020000020004" pitchFamily="50" charset="-127"/>
               </a:rPr>
-              <a:t> </a:t>
-            </a:r>
-            <a:r>
-              <a:rPr lang="ko-KR" altLang="en-US" sz="1200" b="1" spc="-50" dirty="0" smtClean="0">
-                <a:ln>
-                  <a:solidFill>
-                    <a:schemeClr val="tx1">
-                      <a:alpha val="0"/>
-                    </a:schemeClr>
-                  </a:solidFill>
-                </a:ln>
-                <a:latin typeface="맑은 고딕" panose="020B0503020000020004" pitchFamily="50" charset="-127"/>
-              </a:rPr>
-              <a:t>  </a:t>
-            </a:r>
-            <a:r>
-              <a:rPr lang="en-US" altLang="ko-KR" sz="1200" b="1" spc="-50" dirty="0" smtClean="0">
+              <a:t>   </a:t>
+            </a:r>
+            <a:r>
+              <a:rPr lang="en-US" altLang="ko-KR" sz="1200" b="1" spc="-50" dirty="0">
                 <a:ln>
                   <a:solidFill>
                     <a:schemeClr val="tx1">
@@ -6228,13 +6091,6 @@
   <p:clrMapOvr>
     <a:masterClrMapping/>
   </p:clrMapOvr>
-  <p:timing>
-    <p:tnLst>
-      <p:par>
-        <p:cTn id="1" dur="indefinite" restart="never" nodeType="tmRoot"/>
-      </p:par>
-    </p:tnLst>
-  </p:timing>
 </p:sld>
 </file>
 
@@ -6285,26 +6141,38 @@
                 <a:gridCol w="914981">
                   <a:extLst>
                     <a:ext uri="{9D8B030D-6E8A-4147-A177-3AD203B41FA5}">
-                      <a16:colId xmlns:a16="http://schemas.microsoft.com/office/drawing/2014/main" xmlns="" val="20000"/>
+                      <a16:colId xmlns:a16="http://schemas.microsoft.com/office/drawing/2014/main" val="20000"/>
                     </a:ext>
                   </a:extLst>
                 </a:gridCol>
                 <a:gridCol w="1872208">
                   <a:extLst>
                     <a:ext uri="{9D8B030D-6E8A-4147-A177-3AD203B41FA5}">
-                      <a16:colId xmlns:a16="http://schemas.microsoft.com/office/drawing/2014/main" xmlns="" val="20001"/>
+                      <a16:colId xmlns:a16="http://schemas.microsoft.com/office/drawing/2014/main" val="20001"/>
                     </a:ext>
                   </a:extLst>
                 </a:gridCol>
                 <a:gridCol w="2736304">
                   <a:extLst>
                     <a:ext uri="{9D8B030D-6E8A-4147-A177-3AD203B41FA5}">
-                      <a16:colId xmlns:a16="http://schemas.microsoft.com/office/drawing/2014/main" xmlns="" val="20002"/>
+                      <a16:colId xmlns:a16="http://schemas.microsoft.com/office/drawing/2014/main" val="20002"/>
                     </a:ext>
                   </a:extLst>
                 </a:gridCol>
-                <a:gridCol w="1656184"/>
-                <a:gridCol w="1368151"/>
+                <a:gridCol w="1656184">
+                  <a:extLst>
+                    <a:ext uri="{9D8B030D-6E8A-4147-A177-3AD203B41FA5}">
+                      <a16:colId xmlns:a16="http://schemas.microsoft.com/office/drawing/2014/main" val="20003"/>
+                    </a:ext>
+                  </a:extLst>
+                </a:gridCol>
+                <a:gridCol w="1368151">
+                  <a:extLst>
+                    <a:ext uri="{9D8B030D-6E8A-4147-A177-3AD203B41FA5}">
+                      <a16:colId xmlns:a16="http://schemas.microsoft.com/office/drawing/2014/main" val="20004"/>
+                    </a:ext>
+                  </a:extLst>
+                </a:gridCol>
               </a:tblGrid>
               <a:tr h="356050">
                 <a:tc>
@@ -6554,7 +6422,7 @@
                     <a:p>
                       <a:pPr marL="0" algn="ctr" defTabSz="914400" rtl="0" eaLnBrk="1" latinLnBrk="1" hangingPunct="1"/>
                       <a:r>
-                        <a:rPr lang="ko-KR" altLang="en-US" sz="1600" b="1" kern="1200" dirty="0" smtClean="0">
+                        <a:rPr lang="ko-KR" altLang="en-US" sz="1600" b="1" kern="1200" dirty="0">
                           <a:ln>
                             <a:solidFill>
                               <a:schemeClr val="bg1">
@@ -6571,21 +6439,6 @@
                         </a:rPr>
                         <a:t>산출물</a:t>
                       </a:r>
-                      <a:endParaRPr lang="ko-KR" altLang="en-US" sz="1600" b="1" kern="1200" dirty="0">
-                        <a:ln>
-                          <a:solidFill>
-                            <a:schemeClr val="bg1">
-                              <a:alpha val="0"/>
-                            </a:schemeClr>
-                          </a:solidFill>
-                        </a:ln>
-                        <a:solidFill>
-                          <a:schemeClr val="bg1"/>
-                        </a:solidFill>
-                        <a:latin typeface="맑은 고딕" panose="020B0503020000020004" pitchFamily="50" charset="-127"/>
-                        <a:ea typeface="맑은 고딕" panose="020B0503020000020004" pitchFamily="50" charset="-127"/>
-                        <a:cs typeface="+mn-cs"/>
-                      </a:endParaRPr>
                     </a:p>
                   </a:txBody>
                   <a:tcPr marL="83042" marR="83042" marT="41521" marB="41521" anchor="ctr">
@@ -6649,7 +6502,7 @@
                     <a:p>
                       <a:pPr marL="0" algn="ctr" defTabSz="914400" rtl="0" eaLnBrk="1" latinLnBrk="1" hangingPunct="1"/>
                       <a:r>
-                        <a:rPr lang="ko-KR" altLang="en-US" sz="1600" b="1" kern="1200" dirty="0" smtClean="0">
+                        <a:rPr lang="ko-KR" altLang="en-US" sz="1600" b="1" kern="1200" dirty="0">
                           <a:ln>
                             <a:solidFill>
                               <a:schemeClr val="bg1">
@@ -6666,21 +6519,6 @@
                         </a:rPr>
                         <a:t>진행 주체</a:t>
                       </a:r>
-                      <a:endParaRPr lang="ko-KR" altLang="en-US" sz="1600" b="1" kern="1200" dirty="0">
-                        <a:ln>
-                          <a:solidFill>
-                            <a:schemeClr val="bg1">
-                              <a:alpha val="0"/>
-                            </a:schemeClr>
-                          </a:solidFill>
-                        </a:ln>
-                        <a:solidFill>
-                          <a:schemeClr val="bg1"/>
-                        </a:solidFill>
-                        <a:latin typeface="맑은 고딕" panose="020B0503020000020004" pitchFamily="50" charset="-127"/>
-                        <a:ea typeface="맑은 고딕" panose="020B0503020000020004" pitchFamily="50" charset="-127"/>
-                        <a:cs typeface="+mn-cs"/>
-                      </a:endParaRPr>
                     </a:p>
                   </a:txBody>
                   <a:tcPr marL="83042" marR="83042" marT="41521" marB="41521" anchor="ctr">
@@ -6741,7 +6579,7 @@
                 </a:tc>
                 <a:extLst>
                   <a:ext uri="{0D108BD9-81ED-4DB2-BD59-A6C34878D82A}">
-                    <a16:rowId xmlns:a16="http://schemas.microsoft.com/office/drawing/2014/main" xmlns="" val="10000"/>
+                    <a16:rowId xmlns:a16="http://schemas.microsoft.com/office/drawing/2014/main" val="10000"/>
                   </a:ext>
                 </a:extLst>
               </a:tr>
@@ -6753,7 +6591,7 @@
                     <a:p>
                       <a:pPr algn="ctr" latinLnBrk="1"/>
                       <a:r>
-                        <a:rPr lang="en-US" altLang="ko-KR" sz="1400" b="1" kern="1200" spc="-100" baseline="0" dirty="0" smtClean="0">
+                        <a:rPr lang="en-US" altLang="ko-KR" sz="1400" b="1" kern="1200" spc="-100" baseline="0" dirty="0">
                           <a:ln>
                             <a:solidFill>
                               <a:schemeClr val="tx1">
@@ -6771,7 +6609,7 @@
                         <a:t>PJT </a:t>
                       </a:r>
                       <a:r>
-                        <a:rPr lang="ko-KR" altLang="en-US" sz="1400" b="1" kern="1200" spc="-100" baseline="0" dirty="0" smtClean="0">
+                        <a:rPr lang="ko-KR" altLang="en-US" sz="1400" b="1" kern="1200" spc="-100" baseline="0" dirty="0">
                           <a:ln>
                             <a:solidFill>
                               <a:schemeClr val="tx1">
@@ -6886,7 +6724,7 @@
                         <a:defRPr/>
                       </a:pPr>
                       <a:r>
-                        <a:rPr lang="en-US" altLang="ko-KR" sz="1200" b="1" kern="1200" spc="-100" baseline="0" dirty="0" smtClean="0">
+                        <a:rPr lang="en-US" altLang="ko-KR" sz="1200" b="1" kern="1200" spc="-100" baseline="0" dirty="0">
                           <a:ln>
                             <a:solidFill>
                               <a:schemeClr val="tx1">
@@ -6904,7 +6742,7 @@
                         <a:t>3/25(</a:t>
                       </a:r>
                       <a:r>
-                        <a:rPr lang="ko-KR" altLang="en-US" sz="1200" b="1" kern="1200" spc="-100" baseline="0" dirty="0" smtClean="0">
+                        <a:rPr lang="ko-KR" altLang="en-US" sz="1200" b="1" kern="1200" spc="-100" baseline="0" dirty="0">
                           <a:ln>
                             <a:solidFill>
                               <a:schemeClr val="tx1">
@@ -6922,7 +6760,7 @@
                         <a:t>수</a:t>
                       </a:r>
                       <a:r>
-                        <a:rPr lang="en-US" altLang="ko-KR" sz="1200" b="1" kern="1200" spc="-100" baseline="0" dirty="0" smtClean="0">
+                        <a:rPr lang="en-US" altLang="ko-KR" sz="1200" b="1" kern="1200" spc="-100" baseline="0" dirty="0">
                           <a:ln>
                             <a:solidFill>
                               <a:schemeClr val="tx1">
@@ -6940,7 +6778,7 @@
                         <a:t>) ~ 3/28(</a:t>
                       </a:r>
                       <a:r>
-                        <a:rPr lang="ko-KR" altLang="en-US" sz="1200" b="1" kern="1200" spc="-100" baseline="0" dirty="0" smtClean="0">
+                        <a:rPr lang="ko-KR" altLang="en-US" sz="1200" b="1" kern="1200" spc="-100" baseline="0" dirty="0">
                           <a:ln>
                             <a:solidFill>
                               <a:schemeClr val="tx1">
@@ -6958,7 +6796,7 @@
                         <a:t>토</a:t>
                       </a:r>
                       <a:r>
-                        <a:rPr lang="en-US" altLang="ko-KR" sz="1200" b="1" kern="1200" spc="-100" baseline="0" dirty="0" smtClean="0">
+                        <a:rPr lang="en-US" altLang="ko-KR" sz="1200" b="1" kern="1200" spc="-100" baseline="0" dirty="0">
                           <a:ln>
                             <a:solidFill>
                               <a:schemeClr val="tx1">
@@ -6975,7 +6813,7 @@
                         </a:rPr>
                         <a:t>)</a:t>
                       </a:r>
-                      <a:endParaRPr lang="ko-KR" altLang="en-US" sz="1200" b="1" kern="1200" spc="-100" baseline="0" dirty="0" smtClean="0">
+                      <a:endParaRPr lang="ko-KR" altLang="en-US" sz="1200" b="1" kern="1200" spc="-100" baseline="0" dirty="0">
                         <a:ln>
                           <a:solidFill>
                             <a:schemeClr val="tx1">
@@ -7060,7 +6898,7 @@
                     <a:p>
                       <a:pPr algn="l" latinLnBrk="1"/>
                       <a:r>
-                        <a:rPr lang="ko-KR" altLang="en-US" sz="1200" b="1" spc="-100" baseline="0" dirty="0" smtClean="0">
+                        <a:rPr lang="ko-KR" altLang="en-US" sz="1200" b="1" spc="-100" baseline="0" dirty="0">
                           <a:ln>
                             <a:solidFill>
                               <a:schemeClr val="tx1">
@@ -7073,17 +6911,6 @@
                         </a:rPr>
                         <a:t>프로젝트 기획</a:t>
                       </a:r>
-                      <a:endParaRPr lang="ko-KR" altLang="en-US" sz="1200" b="1" spc="-100" baseline="0" dirty="0">
-                        <a:ln>
-                          <a:solidFill>
-                            <a:schemeClr val="tx1">
-                              <a:alpha val="0"/>
-                            </a:schemeClr>
-                          </a:solidFill>
-                        </a:ln>
-                        <a:latin typeface="+mn-ea"/>
-                        <a:ea typeface="+mn-ea"/>
-                      </a:endParaRPr>
                     </a:p>
                   </a:txBody>
                   <a:tcPr marL="83042" marR="83042" marT="41521" marB="41521" anchor="ctr">
@@ -7300,6 +7127,11 @@
                     </a:solidFill>
                   </a:tcPr>
                 </a:tc>
+                <a:extLst>
+                  <a:ext uri="{0D108BD9-81ED-4DB2-BD59-A6C34878D82A}">
+                    <a16:rowId xmlns:a16="http://schemas.microsoft.com/office/drawing/2014/main" val="10001"/>
+                  </a:ext>
+                </a:extLst>
               </a:tr>
               <a:tr h="306000">
                 <a:tc vMerge="1">
@@ -7403,7 +7235,7 @@
                         <a:defRPr/>
                       </a:pPr>
                       <a:r>
-                        <a:rPr lang="en-US" altLang="ko-KR" sz="1200" b="0" kern="1200" spc="-100" baseline="0" dirty="0" smtClean="0">
+                        <a:rPr lang="en-US" altLang="ko-KR" sz="1200" b="0" kern="1200" spc="-100" baseline="0" dirty="0">
                           <a:ln>
                             <a:solidFill>
                               <a:schemeClr val="tx1">
@@ -7421,7 +7253,7 @@
                         <a:t>3/25(</a:t>
                       </a:r>
                       <a:r>
-                        <a:rPr lang="ko-KR" altLang="en-US" sz="1200" b="0" kern="1200" spc="-100" baseline="0" dirty="0" smtClean="0">
+                        <a:rPr lang="ko-KR" altLang="en-US" sz="1200" b="0" kern="1200" spc="-100" baseline="0" dirty="0">
                           <a:ln>
                             <a:solidFill>
                               <a:schemeClr val="tx1">
@@ -7439,7 +7271,7 @@
                         <a:t>수</a:t>
                       </a:r>
                       <a:r>
-                        <a:rPr lang="en-US" altLang="ko-KR" sz="1200" b="0" kern="1200" spc="-100" baseline="0" dirty="0" smtClean="0">
+                        <a:rPr lang="en-US" altLang="ko-KR" sz="1200" b="0" kern="1200" spc="-100" baseline="0" dirty="0">
                           <a:ln>
                             <a:solidFill>
                               <a:schemeClr val="tx1">
@@ -7457,7 +7289,7 @@
                         <a:t>) ~ 3/27(</a:t>
                       </a:r>
                       <a:r>
-                        <a:rPr lang="ko-KR" altLang="en-US" sz="1200" b="0" kern="1200" spc="-100" baseline="0" dirty="0" smtClean="0">
+                        <a:rPr lang="ko-KR" altLang="en-US" sz="1200" b="0" kern="1200" spc="-100" baseline="0" dirty="0">
                           <a:ln>
                             <a:solidFill>
                               <a:schemeClr val="tx1">
@@ -7475,7 +7307,7 @@
                         <a:t>금</a:t>
                       </a:r>
                       <a:r>
-                        <a:rPr lang="en-US" altLang="ko-KR" sz="1200" b="0" kern="1200" spc="-100" baseline="0" dirty="0" smtClean="0">
+                        <a:rPr lang="en-US" altLang="ko-KR" sz="1200" b="0" kern="1200" spc="-100" baseline="0" dirty="0">
                           <a:ln>
                             <a:solidFill>
                               <a:schemeClr val="tx1">
@@ -7492,7 +7324,7 @@
                         </a:rPr>
                         <a:t>)</a:t>
                       </a:r>
-                      <a:endParaRPr lang="ko-KR" altLang="en-US" sz="1200" b="0" kern="1200" spc="-100" baseline="0" dirty="0" smtClean="0">
+                      <a:endParaRPr lang="ko-KR" altLang="en-US" sz="1200" b="0" kern="1200" spc="-100" baseline="0" dirty="0">
                         <a:ln>
                           <a:solidFill>
                             <a:schemeClr val="tx1">
@@ -7590,7 +7422,7 @@
                         <a:defRPr/>
                       </a:pPr>
                       <a:r>
-                        <a:rPr lang="ko-KR" altLang="en-US" sz="1200" b="1" spc="-100" baseline="0" dirty="0" err="1" smtClean="0">
+                        <a:rPr lang="ko-KR" altLang="en-US" sz="1200" b="1" spc="-100" baseline="0" dirty="0" err="1">
                           <a:ln>
                             <a:solidFill>
                               <a:schemeClr val="tx1">
@@ -7604,7 +7436,7 @@
                         <a:t>파이널</a:t>
                       </a:r>
                       <a:r>
-                        <a:rPr lang="ko-KR" altLang="en-US" sz="1200" b="1" spc="-100" baseline="0" dirty="0" smtClean="0">
+                        <a:rPr lang="ko-KR" altLang="en-US" sz="1200" b="1" spc="-100" baseline="0" dirty="0">
                           <a:ln>
                             <a:solidFill>
                               <a:schemeClr val="tx1">
@@ -7684,7 +7516,7 @@
                     <a:p>
                       <a:pPr algn="ctr" latinLnBrk="1"/>
                       <a:r>
-                        <a:rPr lang="en-US" altLang="ko-KR" sz="1200" b="1" dirty="0" smtClean="0">
+                        <a:rPr lang="en-US" altLang="ko-KR" sz="1200" b="1" dirty="0">
                           <a:latin typeface="+mn-ea"/>
                           <a:ea typeface="+mn-ea"/>
                         </a:rPr>
@@ -7761,7 +7593,7 @@
                     <a:p>
                       <a:pPr algn="ctr" latinLnBrk="1"/>
                       <a:r>
-                        <a:rPr lang="ko-KR" altLang="en-US" sz="1200" b="1" spc="-100" baseline="0" dirty="0" smtClean="0">
+                        <a:rPr lang="ko-KR" altLang="en-US" sz="1200" b="1" spc="-100" baseline="0" dirty="0">
                           <a:ln>
                             <a:solidFill>
                               <a:schemeClr val="tx1">
@@ -7774,17 +7606,6 @@
                         </a:rPr>
                         <a:t>박태정 강사님</a:t>
                       </a:r>
-                      <a:endParaRPr lang="ko-KR" altLang="en-US" sz="1200" b="1" spc="-100" baseline="0" dirty="0">
-                        <a:ln>
-                          <a:solidFill>
-                            <a:schemeClr val="tx1">
-                              <a:alpha val="0"/>
-                            </a:schemeClr>
-                          </a:solidFill>
-                        </a:ln>
-                        <a:latin typeface="+mn-ea"/>
-                        <a:ea typeface="+mn-ea"/>
-                      </a:endParaRPr>
                     </a:p>
                   </a:txBody>
                   <a:tcPr marL="83042" marR="83042" marT="41521" marB="41521" anchor="ctr">
@@ -7845,6 +7666,11 @@
                     </a:solidFill>
                   </a:tcPr>
                 </a:tc>
+                <a:extLst>
+                  <a:ext uri="{0D108BD9-81ED-4DB2-BD59-A6C34878D82A}">
+                    <a16:rowId xmlns:a16="http://schemas.microsoft.com/office/drawing/2014/main" val="10003"/>
+                  </a:ext>
+                </a:extLst>
               </a:tr>
               <a:tr h="315841">
                 <a:tc vMerge="1">
@@ -7937,7 +7763,7 @@
                         <a:defRPr/>
                       </a:pPr>
                       <a:r>
-                        <a:rPr lang="en-US" altLang="ko-KR" sz="1200" b="0" kern="1200" spc="-100" baseline="0" dirty="0" smtClean="0">
+                        <a:rPr lang="en-US" altLang="ko-KR" sz="1200" b="0" kern="1200" spc="-100" baseline="0" dirty="0">
                           <a:ln>
                             <a:solidFill>
                               <a:schemeClr val="tx1">
@@ -7955,7 +7781,7 @@
                         <a:t>3/28(</a:t>
                       </a:r>
                       <a:r>
-                        <a:rPr lang="ko-KR" altLang="en-US" sz="1200" b="0" kern="1200" spc="-100" baseline="0" dirty="0" smtClean="0">
+                        <a:rPr lang="ko-KR" altLang="en-US" sz="1200" b="0" kern="1200" spc="-100" baseline="0" dirty="0">
                           <a:ln>
                             <a:solidFill>
                               <a:schemeClr val="tx1">
@@ -7973,7 +7799,7 @@
                         <a:t>토</a:t>
                       </a:r>
                       <a:r>
-                        <a:rPr lang="en-US" altLang="ko-KR" sz="1200" b="0" kern="1200" spc="-100" baseline="0" dirty="0" smtClean="0">
+                        <a:rPr lang="en-US" altLang="ko-KR" sz="1200" b="0" kern="1200" spc="-100" baseline="0" dirty="0">
                           <a:ln>
                             <a:solidFill>
                               <a:schemeClr val="tx1">
@@ -8010,7 +7836,7 @@
                         <a:defRPr/>
                       </a:pPr>
                       <a:r>
-                        <a:rPr lang="en-US" altLang="ko-KR" sz="1050" b="1" kern="1200" spc="-100" baseline="0" dirty="0" smtClean="0">
+                        <a:rPr lang="en-US" altLang="ko-KR" sz="1050" b="1" kern="1200" spc="-100" baseline="0" dirty="0">
                           <a:ln>
                             <a:solidFill>
                               <a:schemeClr val="tx1">
@@ -8028,7 +7854,7 @@
                         <a:t>※ </a:t>
                       </a:r>
                       <a:r>
-                        <a:rPr lang="ko-KR" altLang="en-US" sz="1050" b="1" kern="1200" spc="-100" baseline="0" dirty="0" smtClean="0">
+                        <a:rPr lang="ko-KR" altLang="en-US" sz="1050" b="1" kern="1200" spc="-100" baseline="0" dirty="0">
                           <a:ln>
                             <a:solidFill>
                               <a:schemeClr val="tx1">
@@ -8046,7 +7872,7 @@
                         <a:t>프로젝트 </a:t>
                       </a:r>
                       <a:r>
-                        <a:rPr lang="ko-KR" altLang="en-US" sz="1050" b="1" kern="1200" spc="-100" baseline="0" dirty="0" err="1" smtClean="0">
+                        <a:rPr lang="ko-KR" altLang="en-US" sz="1050" b="1" kern="1200" spc="-100" baseline="0" dirty="0" err="1">
                           <a:ln>
                             <a:solidFill>
                               <a:schemeClr val="tx1">
@@ -8064,7 +7890,7 @@
                         <a:t>멘토링</a:t>
                       </a:r>
                       <a:r>
-                        <a:rPr lang="ko-KR" altLang="en-US" sz="1050" b="1" kern="1200" spc="-100" baseline="0" dirty="0" smtClean="0">
+                        <a:rPr lang="ko-KR" altLang="en-US" sz="1050" b="1" kern="1200" spc="-100" baseline="0" dirty="0">
                           <a:ln>
                             <a:solidFill>
                               <a:schemeClr val="tx1">
@@ -8082,7 +7908,7 @@
                         <a:t> </a:t>
                       </a:r>
                       <a:r>
-                        <a:rPr lang="en-US" altLang="ko-KR" sz="1050" b="1" kern="1200" spc="-100" baseline="0" dirty="0" smtClean="0">
+                        <a:rPr lang="en-US" altLang="ko-KR" sz="1050" b="1" kern="1200" spc="-100" baseline="0" dirty="0">
                           <a:ln>
                             <a:solidFill>
                               <a:schemeClr val="tx1">
@@ -8099,7 +7925,7 @@
                         </a:rPr>
                         <a:t>※</a:t>
                       </a:r>
-                      <a:endParaRPr lang="ko-KR" altLang="en-US" sz="1050" b="1" kern="1200" spc="-100" baseline="0" dirty="0" smtClean="0">
+                      <a:endParaRPr lang="ko-KR" altLang="en-US" sz="1050" b="1" kern="1200" spc="-100" baseline="0" dirty="0">
                         <a:ln>
                           <a:solidFill>
                             <a:schemeClr val="tx1">
@@ -8178,7 +8004,7 @@
                     <a:p>
                       <a:pPr marL="0" algn="l" defTabSz="914400" rtl="0" eaLnBrk="1" latinLnBrk="1" hangingPunct="1"/>
                       <a:r>
-                        <a:rPr lang="ko-KR" altLang="en-US" sz="1200" b="0" kern="1200" spc="-100" baseline="0" dirty="0" err="1" smtClean="0">
+                        <a:rPr lang="ko-KR" altLang="en-US" sz="1200" b="0" kern="1200" spc="-100" baseline="0" dirty="0" err="1">
                           <a:ln>
                             <a:solidFill>
                               <a:schemeClr val="tx1">
@@ -8194,24 +8020,6 @@
                           <a:cs typeface="+mn-cs"/>
                         </a:rPr>
                         <a:t>멘토</a:t>
-                      </a:r>
-                      <a:r>
-                        <a:rPr lang="ko-KR" altLang="en-US" sz="1200" b="0" kern="1200" spc="-100" baseline="0" dirty="0" smtClean="0">
-                          <a:ln>
-                            <a:solidFill>
-                              <a:schemeClr val="tx1">
-                                <a:alpha val="0"/>
-                              </a:schemeClr>
-                            </a:solidFill>
-                          </a:ln>
-                          <a:solidFill>
-                            <a:schemeClr val="tx1"/>
-                          </a:solidFill>
-                          <a:latin typeface="+mn-ea"/>
-                          <a:ea typeface="+mn-ea"/>
-                          <a:cs typeface="+mn-cs"/>
-                        </a:rPr>
-                        <a:t> </a:t>
                       </a:r>
                       <a:r>
                         <a:rPr lang="ko-KR" altLang="en-US" sz="1200" b="0" kern="1200" spc="-100" baseline="0" dirty="0">
@@ -8229,7 +8037,7 @@
                           <a:ea typeface="+mn-ea"/>
                           <a:cs typeface="+mn-cs"/>
                         </a:rPr>
-                        <a:t>소개</a:t>
+                        <a:t> 소개</a:t>
                       </a:r>
                       <a:r>
                         <a:rPr lang="en-US" altLang="ko-KR" sz="1200" b="0" kern="1200" spc="-100" baseline="0" dirty="0">
@@ -8268,7 +8076,7 @@
                         <a:t>및 </a:t>
                       </a:r>
                       <a:r>
-                        <a:rPr lang="ko-KR" altLang="en-US" sz="1200" b="0" kern="1200" spc="-100" baseline="0" dirty="0" err="1" smtClean="0">
+                        <a:rPr lang="ko-KR" altLang="en-US" sz="1200" b="0" kern="1200" spc="-100" baseline="0" dirty="0" err="1">
                           <a:ln>
                             <a:solidFill>
                               <a:schemeClr val="tx1">
@@ -8284,24 +8092,6 @@
                           <a:cs typeface="+mn-cs"/>
                         </a:rPr>
                         <a:t>팀별</a:t>
-                      </a:r>
-                      <a:r>
-                        <a:rPr lang="ko-KR" altLang="en-US" sz="1200" b="0" kern="1200" spc="-100" baseline="0" dirty="0" smtClean="0">
-                          <a:ln>
-                            <a:solidFill>
-                              <a:schemeClr val="tx1">
-                                <a:alpha val="0"/>
-                              </a:schemeClr>
-                            </a:solidFill>
-                          </a:ln>
-                          <a:solidFill>
-                            <a:schemeClr val="tx1"/>
-                          </a:solidFill>
-                          <a:latin typeface="+mn-ea"/>
-                          <a:ea typeface="+mn-ea"/>
-                          <a:cs typeface="+mn-cs"/>
-                        </a:rPr>
-                        <a:t> 프로젝트 </a:t>
                       </a:r>
                       <a:r>
                         <a:rPr lang="ko-KR" altLang="en-US" sz="1200" b="0" kern="1200" spc="-100" baseline="0" dirty="0">
@@ -8319,7 +8109,7 @@
                           <a:ea typeface="+mn-ea"/>
                           <a:cs typeface="+mn-cs"/>
                         </a:rPr>
-                        <a:t>주제 검토</a:t>
+                        <a:t> 프로젝트 주제 검토</a:t>
                       </a:r>
                     </a:p>
                   </a:txBody>
@@ -8385,7 +8175,7 @@
                     <a:p>
                       <a:pPr algn="ctr" latinLnBrk="1"/>
                       <a:r>
-                        <a:rPr lang="ko-KR" altLang="en-US" sz="1100" b="0" kern="1200" spc="-100" baseline="0" dirty="0" err="1" smtClean="0">
+                        <a:rPr lang="ko-KR" altLang="en-US" sz="1100" b="0" kern="1200" spc="-100" baseline="0" dirty="0" err="1">
                           <a:ln>
                             <a:solidFill>
                               <a:schemeClr val="tx1">
@@ -8403,7 +8193,7 @@
                         <a:t>기획안</a:t>
                       </a:r>
                       <a:r>
-                        <a:rPr lang="en-US" altLang="ko-KR" sz="1100" b="0" kern="1200" spc="-100" baseline="0" dirty="0" smtClean="0">
+                        <a:rPr lang="en-US" altLang="ko-KR" sz="1100" b="0" kern="1200" spc="-100" baseline="0" dirty="0">
                           <a:ln>
                             <a:solidFill>
                               <a:schemeClr val="tx1">
@@ -8421,7 +8211,7 @@
                         <a:t>,</a:t>
                       </a:r>
                       <a:r>
-                        <a:rPr lang="ko-KR" altLang="en-US" sz="1100" b="0" kern="1200" spc="-100" baseline="0" dirty="0" smtClean="0">
+                        <a:rPr lang="ko-KR" altLang="en-US" sz="1100" b="0" kern="1200" spc="-100" baseline="0" dirty="0">
                           <a:ln>
                             <a:solidFill>
                               <a:schemeClr val="tx1">
@@ -8439,7 +8229,7 @@
                         <a:t> </a:t>
                       </a:r>
                       <a:r>
-                        <a:rPr lang="en-US" altLang="ko-KR" sz="1100" b="0" kern="1200" spc="-100" baseline="0" dirty="0" smtClean="0">
+                        <a:rPr lang="en-US" altLang="ko-KR" sz="1100" b="0" kern="1200" spc="-100" baseline="0" dirty="0">
                           <a:ln>
                             <a:solidFill>
                               <a:schemeClr val="tx1">
@@ -8535,7 +8325,7 @@
                     <a:p>
                       <a:pPr algn="ctr" latinLnBrk="1"/>
                       <a:r>
-                        <a:rPr lang="ko-KR" altLang="en-US" sz="1200" b="1" spc="-100" baseline="0" dirty="0" smtClean="0">
+                        <a:rPr lang="ko-KR" altLang="en-US" sz="1200" b="1" spc="-100" baseline="0" dirty="0">
                           <a:ln>
                             <a:solidFill>
                               <a:schemeClr val="tx1">
@@ -8549,7 +8339,7 @@
                         <a:t>박인근 </a:t>
                       </a:r>
                       <a:r>
-                        <a:rPr lang="ko-KR" altLang="en-US" sz="1200" b="1" spc="-100" baseline="0" dirty="0" err="1" smtClean="0">
+                        <a:rPr lang="ko-KR" altLang="en-US" sz="1200" b="1" spc="-100" baseline="0" dirty="0" err="1">
                           <a:ln>
                             <a:solidFill>
                               <a:schemeClr val="tx1">
@@ -8562,7 +8352,7 @@
                         </a:rPr>
                         <a:t>멘토님</a:t>
                       </a:r>
-                      <a:endParaRPr lang="en-US" altLang="ko-KR" sz="1200" b="1" spc="-100" baseline="0" dirty="0" smtClean="0">
+                      <a:endParaRPr lang="en-US" altLang="ko-KR" sz="1200" b="1" spc="-100" baseline="0" dirty="0">
                         <a:ln>
                           <a:solidFill>
                             <a:schemeClr val="tx1">
@@ -8577,7 +8367,7 @@
                     <a:p>
                       <a:pPr algn="ctr" latinLnBrk="1"/>
                       <a:r>
-                        <a:rPr lang="ko-KR" altLang="en-US" sz="1200" b="1" spc="-100" baseline="0" dirty="0" err="1" smtClean="0">
+                        <a:rPr lang="ko-KR" altLang="en-US" sz="1200" b="1" spc="-100" baseline="0" dirty="0" err="1">
                           <a:ln>
                             <a:solidFill>
                               <a:schemeClr val="tx1">
@@ -8591,7 +8381,7 @@
                         <a:t>홍지후</a:t>
                       </a:r>
                       <a:r>
-                        <a:rPr lang="ko-KR" altLang="en-US" sz="1200" b="1" spc="-100" baseline="0" dirty="0" smtClean="0">
+                        <a:rPr lang="ko-KR" altLang="en-US" sz="1200" b="1" spc="-100" baseline="0" dirty="0">
                           <a:ln>
                             <a:solidFill>
                               <a:schemeClr val="tx1">
@@ -8605,7 +8395,7 @@
                         <a:t> </a:t>
                       </a:r>
                       <a:r>
-                        <a:rPr lang="ko-KR" altLang="en-US" sz="1200" b="1" spc="-100" baseline="0" dirty="0" err="1" smtClean="0">
+                        <a:rPr lang="ko-KR" altLang="en-US" sz="1200" b="1" spc="-100" baseline="0" dirty="0" err="1">
                           <a:ln>
                             <a:solidFill>
                               <a:schemeClr val="tx1">
@@ -8618,7 +8408,7 @@
                         </a:rPr>
                         <a:t>멘토님</a:t>
                       </a:r>
-                      <a:endParaRPr lang="en-US" altLang="ko-KR" sz="1200" b="1" spc="-100" baseline="0" dirty="0" smtClean="0">
+                      <a:endParaRPr lang="en-US" altLang="ko-KR" sz="1200" b="1" spc="-100" baseline="0" dirty="0">
                         <a:ln>
                           <a:solidFill>
                             <a:schemeClr val="tx1">
@@ -8633,7 +8423,7 @@
                     <a:p>
                       <a:pPr algn="ctr" latinLnBrk="1"/>
                       <a:r>
-                        <a:rPr lang="ko-KR" altLang="en-US" sz="1200" b="1" spc="-100" baseline="0" dirty="0" smtClean="0">
+                        <a:rPr lang="ko-KR" altLang="en-US" sz="1200" b="1" spc="-100" baseline="0" dirty="0">
                           <a:ln>
                             <a:solidFill>
                               <a:schemeClr val="tx1">
@@ -8647,7 +8437,7 @@
                         <a:t>윤석용 </a:t>
                       </a:r>
                       <a:r>
-                        <a:rPr lang="ko-KR" altLang="en-US" sz="1200" b="1" spc="-100" baseline="0" dirty="0" err="1" smtClean="0">
+                        <a:rPr lang="ko-KR" altLang="en-US" sz="1200" b="1" spc="-100" baseline="0" dirty="0" err="1">
                           <a:ln>
                             <a:solidFill>
                               <a:schemeClr val="tx1">
@@ -8733,7 +8523,7 @@
                 </a:tc>
                 <a:extLst>
                   <a:ext uri="{0D108BD9-81ED-4DB2-BD59-A6C34878D82A}">
-                    <a16:rowId xmlns:a16="http://schemas.microsoft.com/office/drawing/2014/main" xmlns="" val="10002"/>
+                    <a16:rowId xmlns:a16="http://schemas.microsoft.com/office/drawing/2014/main" val="10002"/>
                   </a:ext>
                 </a:extLst>
               </a:tr>
@@ -8771,7 +8561,7 @@
                         <a:tabLst/>
                         <a:defRPr/>
                       </a:pPr>
-                      <a:endParaRPr lang="ko-KR" altLang="en-US" sz="1200" b="0" kern="1200" spc="-100" baseline="0" dirty="0" smtClean="0">
+                      <a:endParaRPr lang="ko-KR" altLang="en-US" sz="1200" b="0" kern="1200" spc="-100" baseline="0" dirty="0">
                         <a:ln>
                           <a:solidFill>
                             <a:schemeClr val="tx1">
@@ -8850,7 +8640,7 @@
                     <a:p>
                       <a:pPr marL="0" algn="l" defTabSz="914400" rtl="0" eaLnBrk="1" latinLnBrk="1" hangingPunct="1"/>
                       <a:r>
-                        <a:rPr lang="ko-KR" altLang="en-US" sz="1200" b="0" kern="1200" spc="-100" baseline="0" dirty="0" smtClean="0">
+                        <a:rPr lang="ko-KR" altLang="en-US" sz="1200" b="0" kern="1200" spc="-100" baseline="0" dirty="0">
                           <a:ln>
                             <a:solidFill>
                               <a:schemeClr val="tx1">
@@ -8868,7 +8658,7 @@
                         <a:t>프로젝트 </a:t>
                       </a:r>
                       <a:r>
-                        <a:rPr lang="ko-KR" altLang="en-US" sz="1200" b="0" kern="1200" spc="-100" baseline="0" dirty="0" err="1" smtClean="0">
+                        <a:rPr lang="ko-KR" altLang="en-US" sz="1200" b="0" kern="1200" spc="-100" baseline="0" dirty="0" err="1">
                           <a:ln>
                             <a:solidFill>
                               <a:schemeClr val="tx1">
@@ -8886,7 +8676,7 @@
                         <a:t>기획안</a:t>
                       </a:r>
                       <a:r>
-                        <a:rPr lang="ko-KR" altLang="en-US" sz="1200" b="0" kern="1200" spc="-100" baseline="0" dirty="0" smtClean="0">
+                        <a:rPr lang="ko-KR" altLang="en-US" sz="1200" b="0" kern="1200" spc="-100" baseline="0" dirty="0">
                           <a:ln>
                             <a:solidFill>
                               <a:schemeClr val="tx1">
@@ -8904,7 +8694,7 @@
                         <a:t> 및 </a:t>
                       </a:r>
                       <a:r>
-                        <a:rPr lang="en-US" altLang="ko-KR" sz="1200" b="0" kern="1200" spc="-100" baseline="0" dirty="0" smtClean="0">
+                        <a:rPr lang="en-US" altLang="ko-KR" sz="1200" b="0" kern="1200" spc="-100" baseline="0" dirty="0">
                           <a:ln>
                             <a:solidFill>
                               <a:schemeClr val="tx1">
@@ -8922,7 +8712,7 @@
                         <a:t>WBS</a:t>
                       </a:r>
                       <a:r>
-                        <a:rPr lang="ko-KR" altLang="en-US" sz="1200" b="0" kern="1200" spc="-100" baseline="0" dirty="0" smtClean="0">
+                        <a:rPr lang="ko-KR" altLang="en-US" sz="1200" b="0" kern="1200" spc="-100" baseline="0" dirty="0">
                           <a:ln>
                             <a:solidFill>
                               <a:schemeClr val="tx1">
@@ -8940,7 +8730,7 @@
                         <a:t> 작성</a:t>
                       </a:r>
                       <a:r>
-                        <a:rPr lang="en-US" altLang="ko-KR" sz="1200" b="0" kern="1200" spc="-100" baseline="0" dirty="0" smtClean="0">
+                        <a:rPr lang="en-US" altLang="ko-KR" sz="1200" b="0" kern="1200" spc="-100" baseline="0" dirty="0">
                           <a:ln>
                             <a:solidFill>
                               <a:schemeClr val="tx1">
@@ -8958,7 +8748,7 @@
                         <a:t>, </a:t>
                       </a:r>
                       <a:r>
-                        <a:rPr lang="ko-KR" altLang="en-US" sz="1200" b="0" kern="1200" spc="-100" baseline="0" dirty="0" smtClean="0">
+                        <a:rPr lang="ko-KR" altLang="en-US" sz="1200" b="0" kern="1200" spc="-100" baseline="0" dirty="0">
                           <a:ln>
                             <a:solidFill>
                               <a:schemeClr val="tx1">
@@ -8975,7 +8765,7 @@
                         </a:rPr>
                         <a:t>발표</a:t>
                       </a:r>
-                      <a:endParaRPr lang="en-US" altLang="ko-KR" sz="1200" b="0" kern="1200" spc="-100" baseline="0" dirty="0" smtClean="0">
+                      <a:endParaRPr lang="en-US" altLang="ko-KR" sz="1200" b="0" kern="1200" spc="-100" baseline="0" dirty="0">
                         <a:ln>
                           <a:solidFill>
                             <a:schemeClr val="tx1">
@@ -9227,6 +9017,11 @@
                     </a:lnBlToTr>
                   </a:tcPr>
                 </a:tc>
+                <a:extLst>
+                  <a:ext uri="{0D108BD9-81ED-4DB2-BD59-A6C34878D82A}">
+                    <a16:rowId xmlns:a16="http://schemas.microsoft.com/office/drawing/2014/main" val="10006"/>
+                  </a:ext>
+                </a:extLst>
               </a:tr>
               <a:tr h="306000">
                 <a:tc rowSpan="7">
@@ -9236,7 +9031,7 @@
                     <a:p>
                       <a:pPr algn="ctr" latinLnBrk="1"/>
                       <a:r>
-                        <a:rPr lang="en-US" altLang="ko-KR" sz="1400" b="1" kern="1200" spc="-100" baseline="0" dirty="0" smtClean="0">
+                        <a:rPr lang="en-US" altLang="ko-KR" sz="1400" b="1" kern="1200" spc="-100" baseline="0" dirty="0">
                           <a:ln>
                             <a:solidFill>
                               <a:schemeClr val="tx1">
@@ -9254,7 +9049,7 @@
                         <a:t>PJT </a:t>
                       </a:r>
                       <a:r>
-                        <a:rPr lang="ko-KR" altLang="en-US" sz="1400" b="1" kern="1200" spc="-100" baseline="0" dirty="0" smtClean="0">
+                        <a:rPr lang="ko-KR" altLang="en-US" sz="1400" b="1" kern="1200" spc="-100" baseline="0" dirty="0">
                           <a:ln>
                             <a:solidFill>
                               <a:schemeClr val="tx1">
@@ -9356,7 +9151,7 @@
                         <a:buNone/>
                       </a:pPr>
                       <a:r>
-                        <a:rPr lang="en-US" altLang="ko-KR" sz="1200" b="1" kern="1200" spc="-100" baseline="0" dirty="0" smtClean="0">
+                        <a:rPr lang="en-US" altLang="ko-KR" sz="1200" b="1" kern="1200" spc="-100" baseline="0" dirty="0">
                           <a:ln>
                             <a:solidFill>
                               <a:schemeClr val="tx1">
@@ -9374,7 +9169,7 @@
                         <a:t>3/30(</a:t>
                       </a:r>
                       <a:r>
-                        <a:rPr lang="ko-KR" altLang="en-US" sz="1200" b="1" kern="1200" spc="-100" baseline="0" dirty="0" smtClean="0">
+                        <a:rPr lang="ko-KR" altLang="en-US" sz="1200" b="1" kern="1200" spc="-100" baseline="0" dirty="0">
                           <a:ln>
                             <a:solidFill>
                               <a:schemeClr val="tx1">
@@ -9392,7 +9187,7 @@
                         <a:t>월</a:t>
                       </a:r>
                       <a:r>
-                        <a:rPr lang="en-US" altLang="ko-KR" sz="1200" b="1" kern="1200" spc="-100" baseline="0" dirty="0" smtClean="0">
+                        <a:rPr lang="en-US" altLang="ko-KR" sz="1200" b="1" kern="1200" spc="-100" baseline="0" dirty="0">
                           <a:ln>
                             <a:solidFill>
                               <a:schemeClr val="tx1">
@@ -9410,7 +9205,7 @@
                         <a:t>)  ~ 4/27(</a:t>
                       </a:r>
                       <a:r>
-                        <a:rPr lang="ko-KR" altLang="en-US" sz="1200" b="1" kern="1200" spc="-100" baseline="0" dirty="0" smtClean="0">
+                        <a:rPr lang="ko-KR" altLang="en-US" sz="1200" b="1" kern="1200" spc="-100" baseline="0" dirty="0">
                           <a:ln>
                             <a:solidFill>
                               <a:schemeClr val="tx1">
@@ -9428,7 +9223,7 @@
                         <a:t>월</a:t>
                       </a:r>
                       <a:r>
-                        <a:rPr lang="en-US" altLang="ko-KR" sz="1200" b="1" kern="1200" spc="-100" baseline="0" dirty="0" smtClean="0">
+                        <a:rPr lang="en-US" altLang="ko-KR" sz="1200" b="1" kern="1200" spc="-100" baseline="0" dirty="0">
                           <a:ln>
                             <a:solidFill>
                               <a:schemeClr val="tx1">
@@ -9769,7 +9564,7 @@
                 </a:tc>
                 <a:extLst>
                   <a:ext uri="{0D108BD9-81ED-4DB2-BD59-A6C34878D82A}">
-                    <a16:rowId xmlns:a16="http://schemas.microsoft.com/office/drawing/2014/main" xmlns="" val="10004"/>
+                    <a16:rowId xmlns:a16="http://schemas.microsoft.com/office/drawing/2014/main" val="10004"/>
                   </a:ext>
                 </a:extLst>
               </a:tr>
@@ -9808,7 +9603,7 @@
                         <a:defRPr/>
                       </a:pPr>
                       <a:r>
-                        <a:rPr lang="en-US" altLang="ko-KR" sz="1200" b="0" kern="1200" spc="-100" baseline="0" dirty="0" smtClean="0">
+                        <a:rPr lang="en-US" altLang="ko-KR" sz="1200" b="0" kern="1200" spc="-100" baseline="0" dirty="0">
                           <a:ln>
                             <a:solidFill>
                               <a:schemeClr val="tx1">
@@ -9826,7 +9621,7 @@
                         <a:t>3/30(</a:t>
                       </a:r>
                       <a:r>
-                        <a:rPr lang="ko-KR" altLang="en-US" sz="1200" b="0" kern="1200" spc="-100" baseline="0" dirty="0" smtClean="0">
+                        <a:rPr lang="ko-KR" altLang="en-US" sz="1200" b="0" kern="1200" spc="-100" baseline="0" dirty="0">
                           <a:ln>
                             <a:solidFill>
                               <a:schemeClr val="tx1">
@@ -9844,7 +9639,7 @@
                         <a:t>월</a:t>
                       </a:r>
                       <a:r>
-                        <a:rPr lang="en-US" altLang="ko-KR" sz="1200" b="0" kern="1200" spc="-100" baseline="0" dirty="0" smtClean="0">
+                        <a:rPr lang="en-US" altLang="ko-KR" sz="1200" b="0" kern="1200" spc="-100" baseline="0" dirty="0">
                           <a:ln>
                             <a:solidFill>
                               <a:schemeClr val="tx1">
@@ -9862,7 +9657,7 @@
                         <a:t>) ~ 4/3(</a:t>
                       </a:r>
                       <a:r>
-                        <a:rPr lang="ko-KR" altLang="en-US" sz="1200" b="0" kern="1200" spc="-100" baseline="0" dirty="0" smtClean="0">
+                        <a:rPr lang="ko-KR" altLang="en-US" sz="1200" b="0" kern="1200" spc="-100" baseline="0" dirty="0">
                           <a:ln>
                             <a:solidFill>
                               <a:schemeClr val="tx1">
@@ -9880,7 +9675,7 @@
                         <a:t>금</a:t>
                       </a:r>
                       <a:r>
-                        <a:rPr lang="en-US" altLang="ko-KR" sz="1200" b="0" kern="1200" spc="-100" baseline="0" dirty="0" smtClean="0">
+                        <a:rPr lang="en-US" altLang="ko-KR" sz="1200" b="0" kern="1200" spc="-100" baseline="0" dirty="0">
                           <a:ln>
                             <a:solidFill>
                               <a:schemeClr val="tx1">
@@ -10073,34 +9868,34 @@
                         <a:defRPr/>
                       </a:pPr>
                       <a:r>
-                        <a:rPr lang="ko-KR" altLang="en-US" sz="1100" b="0" dirty="0" smtClean="0">
+                        <a:rPr lang="ko-KR" altLang="en-US" sz="1100" b="0" dirty="0">
                           <a:latin typeface="+mn-ea"/>
                           <a:ea typeface="+mn-ea"/>
                         </a:rPr>
                         <a:t>주간일지 </a:t>
                       </a:r>
                       <a:r>
-                        <a:rPr lang="en-US" altLang="ko-KR" sz="1100" b="0" dirty="0" smtClean="0">
+                        <a:rPr lang="en-US" altLang="ko-KR" sz="1100" b="0" dirty="0">
                           <a:latin typeface="+mn-ea"/>
                           <a:ea typeface="+mn-ea"/>
                         </a:rPr>
                         <a:t>(</a:t>
                       </a:r>
                       <a:r>
-                        <a:rPr lang="ko-KR" altLang="en-US" sz="1100" b="0" dirty="0" smtClean="0">
+                        <a:rPr lang="ko-KR" altLang="en-US" sz="1100" b="0" dirty="0">
                           <a:latin typeface="+mn-ea"/>
                           <a:ea typeface="+mn-ea"/>
                         </a:rPr>
                         <a:t>매주</a:t>
                       </a:r>
                       <a:r>
-                        <a:rPr lang="en-US" altLang="ko-KR" sz="1100" b="0" dirty="0" smtClean="0">
+                        <a:rPr lang="en-US" altLang="ko-KR" sz="1100" b="0" dirty="0">
                           <a:latin typeface="+mn-ea"/>
                           <a:ea typeface="+mn-ea"/>
                         </a:rPr>
                         <a:t>)</a:t>
                       </a:r>
-                      <a:endParaRPr lang="ko-KR" altLang="en-US" sz="1100" b="0" dirty="0" smtClean="0">
+                      <a:endParaRPr lang="ko-KR" altLang="en-US" sz="1100" b="0" dirty="0">
                         <a:latin typeface="+mn-ea"/>
                         <a:ea typeface="+mn-ea"/>
                       </a:endParaRPr>
@@ -10184,7 +9979,7 @@
                         <a:defRPr/>
                       </a:pPr>
                       <a:r>
-                        <a:rPr lang="ko-KR" altLang="en-US" sz="1200" b="1" spc="-100" baseline="0" dirty="0" smtClean="0">
+                        <a:rPr lang="ko-KR" altLang="en-US" sz="1200" b="1" spc="-100" baseline="0" dirty="0">
                           <a:ln>
                             <a:solidFill>
                               <a:schemeClr val="tx1">
@@ -10259,7 +10054,7 @@
                 </a:tc>
                 <a:extLst>
                   <a:ext uri="{0D108BD9-81ED-4DB2-BD59-A6C34878D82A}">
-                    <a16:rowId xmlns:a16="http://schemas.microsoft.com/office/drawing/2014/main" xmlns="" val="10005"/>
+                    <a16:rowId xmlns:a16="http://schemas.microsoft.com/office/drawing/2014/main" val="10005"/>
                   </a:ext>
                 </a:extLst>
               </a:tr>
@@ -10298,7 +10093,7 @@
                         <a:defRPr/>
                       </a:pPr>
                       <a:r>
-                        <a:rPr lang="en-US" altLang="ko-KR" sz="1200" b="0" kern="1200" spc="-100" baseline="0" dirty="0" smtClean="0">
+                        <a:rPr lang="en-US" altLang="ko-KR" sz="1200" b="0" kern="1200" spc="-100" baseline="0" dirty="0">
                           <a:ln>
                             <a:solidFill>
                               <a:schemeClr val="tx1">
@@ -10316,7 +10111,7 @@
                         <a:t>4/4(</a:t>
                       </a:r>
                       <a:r>
-                        <a:rPr lang="ko-KR" altLang="en-US" sz="1200" b="0" kern="1200" spc="-100" baseline="0" dirty="0" smtClean="0">
+                        <a:rPr lang="ko-KR" altLang="en-US" sz="1200" b="0" kern="1200" spc="-100" baseline="0" dirty="0">
                           <a:ln>
                             <a:solidFill>
                               <a:schemeClr val="tx1">
@@ -10334,7 +10129,7 @@
                         <a:t>토</a:t>
                       </a:r>
                       <a:r>
-                        <a:rPr lang="en-US" altLang="ko-KR" sz="1200" b="0" kern="1200" spc="-100" baseline="0" dirty="0" smtClean="0">
+                        <a:rPr lang="en-US" altLang="ko-KR" sz="1200" b="0" kern="1200" spc="-100" baseline="0" dirty="0">
                           <a:ln>
                             <a:solidFill>
                               <a:schemeClr val="tx1">
@@ -10371,7 +10166,7 @@
                         <a:defRPr/>
                       </a:pPr>
                       <a:r>
-                        <a:rPr lang="en-US" altLang="ko-KR" sz="1050" b="1" kern="1200" spc="-100" baseline="0" dirty="0" smtClean="0">
+                        <a:rPr lang="en-US" altLang="ko-KR" sz="1050" b="1" kern="1200" spc="-100" baseline="0" dirty="0">
                           <a:ln>
                             <a:solidFill>
                               <a:schemeClr val="tx1">
@@ -10389,7 +10184,7 @@
                         <a:t>※ </a:t>
                       </a:r>
                       <a:r>
-                        <a:rPr lang="ko-KR" altLang="en-US" sz="1050" b="1" kern="1200" spc="-100" baseline="0" dirty="0" smtClean="0">
+                        <a:rPr lang="ko-KR" altLang="en-US" sz="1050" b="1" kern="1200" spc="-100" baseline="0" dirty="0">
                           <a:ln>
                             <a:solidFill>
                               <a:schemeClr val="tx1">
@@ -10407,7 +10202,7 @@
                         <a:t>프로젝트 </a:t>
                       </a:r>
                       <a:r>
-                        <a:rPr lang="ko-KR" altLang="en-US" sz="1050" b="1" kern="1200" spc="-100" baseline="0" dirty="0" err="1" smtClean="0">
+                        <a:rPr lang="ko-KR" altLang="en-US" sz="1050" b="1" kern="1200" spc="-100" baseline="0" dirty="0" err="1">
                           <a:ln>
                             <a:solidFill>
                               <a:schemeClr val="tx1">
@@ -10425,7 +10220,7 @@
                         <a:t>멘토링</a:t>
                       </a:r>
                       <a:r>
-                        <a:rPr lang="ko-KR" altLang="en-US" sz="1050" b="1" kern="1200" spc="-100" baseline="0" dirty="0" smtClean="0">
+                        <a:rPr lang="ko-KR" altLang="en-US" sz="1050" b="1" kern="1200" spc="-100" baseline="0" dirty="0">
                           <a:ln>
                             <a:solidFill>
                               <a:schemeClr val="tx1">
@@ -10443,7 +10238,7 @@
                         <a:t> </a:t>
                       </a:r>
                       <a:r>
-                        <a:rPr lang="en-US" altLang="ko-KR" sz="1050" b="1" kern="1200" spc="-100" baseline="0" dirty="0" smtClean="0">
+                        <a:rPr lang="en-US" altLang="ko-KR" sz="1050" b="1" kern="1200" spc="-100" baseline="0" dirty="0">
                           <a:ln>
                             <a:solidFill>
                               <a:schemeClr val="tx1">
@@ -10539,7 +10334,7 @@
                     <a:p>
                       <a:pPr marL="0" algn="l" defTabSz="914400" rtl="0" eaLnBrk="1" latinLnBrk="1" hangingPunct="1"/>
                       <a:r>
-                        <a:rPr lang="ko-KR" altLang="en-US" sz="1200" b="0" kern="1200" spc="-100" baseline="0" dirty="0" err="1" smtClean="0">
+                        <a:rPr lang="ko-KR" altLang="en-US" sz="1200" b="0" kern="1200" spc="-100" baseline="0" dirty="0" err="1">
                           <a:ln>
                             <a:solidFill>
                               <a:schemeClr val="tx1">
@@ -10557,7 +10352,7 @@
                         <a:t>팀별</a:t>
                       </a:r>
                       <a:r>
-                        <a:rPr lang="ko-KR" altLang="en-US" sz="1200" b="0" kern="1200" spc="-100" baseline="0" dirty="0" smtClean="0">
+                        <a:rPr lang="ko-KR" altLang="en-US" sz="1200" b="0" kern="1200" spc="-100" baseline="0" dirty="0">
                           <a:ln>
                             <a:solidFill>
                               <a:schemeClr val="tx1">
@@ -10574,7 +10369,7 @@
                         </a:rPr>
                         <a:t> 프로젝트 진척 현황 확인 및 피드백</a:t>
                       </a:r>
-                      <a:endParaRPr lang="en-US" altLang="ko-KR" sz="1200" b="0" kern="1200" spc="-100" baseline="0" dirty="0" smtClean="0">
+                      <a:endParaRPr lang="en-US" altLang="ko-KR" sz="1200" b="0" kern="1200" spc="-100" baseline="0" dirty="0">
                         <a:ln>
                           <a:solidFill>
                             <a:schemeClr val="tx1">
@@ -10653,7 +10448,7 @@
                     <a:p>
                       <a:pPr algn="ctr" latinLnBrk="1"/>
                       <a:r>
-                        <a:rPr lang="en-US" altLang="ko-KR" sz="1100" b="0" dirty="0" smtClean="0">
+                        <a:rPr lang="en-US" altLang="ko-KR" sz="1100" b="0" dirty="0">
                           <a:latin typeface="+mn-ea"/>
                           <a:ea typeface="+mn-ea"/>
                         </a:rPr>
@@ -10743,7 +10538,7 @@
                         <a:defRPr/>
                       </a:pPr>
                       <a:r>
-                        <a:rPr lang="ko-KR" altLang="en-US" sz="1200" b="1" spc="-100" baseline="0" dirty="0" smtClean="0">
+                        <a:rPr lang="ko-KR" altLang="en-US" sz="1200" b="1" spc="-100" baseline="0" dirty="0">
                           <a:ln>
                             <a:solidFill>
                               <a:schemeClr val="tx1">
@@ -10757,7 +10552,7 @@
                         <a:t>박인근 </a:t>
                       </a:r>
                       <a:r>
-                        <a:rPr lang="ko-KR" altLang="en-US" sz="1200" b="1" spc="-100" baseline="0" dirty="0" err="1" smtClean="0">
+                        <a:rPr lang="ko-KR" altLang="en-US" sz="1200" b="1" spc="-100" baseline="0" dirty="0" err="1">
                           <a:ln>
                             <a:solidFill>
                               <a:schemeClr val="tx1">
@@ -10770,7 +10565,7 @@
                         </a:rPr>
                         <a:t>멘토님</a:t>
                       </a:r>
-                      <a:endParaRPr lang="en-US" altLang="ko-KR" sz="1200" b="1" spc="-100" baseline="0" dirty="0" smtClean="0">
+                      <a:endParaRPr lang="en-US" altLang="ko-KR" sz="1200" b="1" spc="-100" baseline="0" dirty="0">
                         <a:ln>
                           <a:solidFill>
                             <a:schemeClr val="tx1">
@@ -10801,7 +10596,7 @@
                         <a:defRPr/>
                       </a:pPr>
                       <a:r>
-                        <a:rPr lang="ko-KR" altLang="en-US" sz="1200" b="1" spc="-100" baseline="0" dirty="0" err="1" smtClean="0">
+                        <a:rPr lang="ko-KR" altLang="en-US" sz="1200" b="1" spc="-100" baseline="0" dirty="0" err="1">
                           <a:ln>
                             <a:solidFill>
                               <a:schemeClr val="tx1">
@@ -10815,7 +10610,7 @@
                         <a:t>홍지후</a:t>
                       </a:r>
                       <a:r>
-                        <a:rPr lang="ko-KR" altLang="en-US" sz="1200" b="1" spc="-100" baseline="0" dirty="0" smtClean="0">
+                        <a:rPr lang="ko-KR" altLang="en-US" sz="1200" b="1" spc="-100" baseline="0" dirty="0">
                           <a:ln>
                             <a:solidFill>
                               <a:schemeClr val="tx1">
@@ -10829,7 +10624,7 @@
                         <a:t> </a:t>
                       </a:r>
                       <a:r>
-                        <a:rPr lang="ko-KR" altLang="en-US" sz="1200" b="1" spc="-100" baseline="0" dirty="0" err="1" smtClean="0">
+                        <a:rPr lang="ko-KR" altLang="en-US" sz="1200" b="1" spc="-100" baseline="0" dirty="0" err="1">
                           <a:ln>
                             <a:solidFill>
                               <a:schemeClr val="tx1">
@@ -10842,7 +10637,7 @@
                         </a:rPr>
                         <a:t>멘토님</a:t>
                       </a:r>
-                      <a:endParaRPr lang="ko-KR" altLang="en-US" sz="1200" b="1" spc="-100" baseline="0" dirty="0" smtClean="0">
+                      <a:endParaRPr lang="ko-KR" altLang="en-US" sz="1200" b="1" spc="-100" baseline="0" dirty="0">
                         <a:ln>
                           <a:solidFill>
                             <a:schemeClr val="tx1">
@@ -10913,6 +10708,11 @@
                     </a:solidFill>
                   </a:tcPr>
                 </a:tc>
+                <a:extLst>
+                  <a:ext uri="{0D108BD9-81ED-4DB2-BD59-A6C34878D82A}">
+                    <a16:rowId xmlns:a16="http://schemas.microsoft.com/office/drawing/2014/main" val="10008"/>
+                  </a:ext>
+                </a:extLst>
               </a:tr>
               <a:tr h="306000">
                 <a:tc vMerge="1">
@@ -10949,7 +10749,7 @@
                         <a:defRPr/>
                       </a:pPr>
                       <a:r>
-                        <a:rPr lang="en-US" altLang="ko-KR" sz="1200" b="0" kern="1200" spc="-100" baseline="0" dirty="0" smtClean="0">
+                        <a:rPr lang="en-US" altLang="ko-KR" sz="1200" b="0" kern="1200" spc="-100" baseline="0" dirty="0">
                           <a:ln>
                             <a:solidFill>
                               <a:schemeClr val="tx1">
@@ -10967,7 +10767,7 @@
                         <a:t>4/6(</a:t>
                       </a:r>
                       <a:r>
-                        <a:rPr lang="ko-KR" altLang="en-US" sz="1200" b="0" kern="1200" spc="-100" baseline="0" dirty="0" smtClean="0">
+                        <a:rPr lang="ko-KR" altLang="en-US" sz="1200" b="0" kern="1200" spc="-100" baseline="0" dirty="0">
                           <a:ln>
                             <a:solidFill>
                               <a:schemeClr val="tx1">
@@ -10985,7 +10785,7 @@
                         <a:t>월</a:t>
                       </a:r>
                       <a:r>
-                        <a:rPr lang="en-US" altLang="ko-KR" sz="1200" b="0" kern="1200" spc="-100" baseline="0" dirty="0" smtClean="0">
+                        <a:rPr lang="en-US" altLang="ko-KR" sz="1200" b="0" kern="1200" spc="-100" baseline="0" dirty="0">
                           <a:ln>
                             <a:solidFill>
                               <a:schemeClr val="tx1">
@@ -11003,7 +10803,7 @@
                         <a:t>) ~ 4/10(</a:t>
                       </a:r>
                       <a:r>
-                        <a:rPr lang="ko-KR" altLang="en-US" sz="1200" b="0" kern="1200" spc="-100" baseline="0" dirty="0" smtClean="0">
+                        <a:rPr lang="ko-KR" altLang="en-US" sz="1200" b="0" kern="1200" spc="-100" baseline="0" dirty="0">
                           <a:ln>
                             <a:solidFill>
                               <a:schemeClr val="tx1">
@@ -11021,7 +10821,7 @@
                         <a:t>금</a:t>
                       </a:r>
                       <a:r>
-                        <a:rPr lang="en-US" altLang="ko-KR" sz="1200" b="0" kern="1200" spc="-100" baseline="0" dirty="0" smtClean="0">
+                        <a:rPr lang="en-US" altLang="ko-KR" sz="1200" b="0" kern="1200" spc="-100" baseline="0" dirty="0">
                           <a:ln>
                             <a:solidFill>
                               <a:schemeClr val="tx1">
@@ -11133,7 +10933,7 @@
                         <a:defRPr/>
                       </a:pPr>
                       <a:r>
-                        <a:rPr lang="ko-KR" altLang="en-US" sz="1200" b="0" kern="1200" spc="-100" baseline="0" dirty="0" smtClean="0">
+                        <a:rPr lang="ko-KR" altLang="en-US" sz="1200" b="0" kern="1200" spc="-100" baseline="0" dirty="0">
                           <a:ln>
                             <a:solidFill>
                               <a:schemeClr val="tx1">
@@ -11230,34 +11030,34 @@
                         <a:defRPr/>
                       </a:pPr>
                       <a:r>
-                        <a:rPr lang="ko-KR" altLang="en-US" sz="1100" b="0" dirty="0" smtClean="0">
+                        <a:rPr lang="ko-KR" altLang="en-US" sz="1100" b="0" dirty="0">
                           <a:latin typeface="+mn-ea"/>
                           <a:ea typeface="+mn-ea"/>
                         </a:rPr>
                         <a:t>주간일지 </a:t>
                       </a:r>
                       <a:r>
-                        <a:rPr lang="en-US" altLang="ko-KR" sz="1100" b="0" dirty="0" smtClean="0">
+                        <a:rPr lang="en-US" altLang="ko-KR" sz="1100" b="0" dirty="0">
                           <a:latin typeface="+mn-ea"/>
                           <a:ea typeface="+mn-ea"/>
                         </a:rPr>
                         <a:t>(</a:t>
                       </a:r>
                       <a:r>
-                        <a:rPr lang="ko-KR" altLang="en-US" sz="1100" b="0" dirty="0" smtClean="0">
+                        <a:rPr lang="ko-KR" altLang="en-US" sz="1100" b="0" dirty="0">
                           <a:latin typeface="+mn-ea"/>
                           <a:ea typeface="+mn-ea"/>
                         </a:rPr>
                         <a:t>매주</a:t>
                       </a:r>
                       <a:r>
-                        <a:rPr lang="en-US" altLang="ko-KR" sz="1100" b="0" dirty="0" smtClean="0">
+                        <a:rPr lang="en-US" altLang="ko-KR" sz="1100" b="0" dirty="0">
                           <a:latin typeface="+mn-ea"/>
                           <a:ea typeface="+mn-ea"/>
                         </a:rPr>
                         <a:t>)</a:t>
                       </a:r>
-                      <a:endParaRPr lang="ko-KR" altLang="en-US" sz="1100" b="0" dirty="0" smtClean="0">
+                      <a:endParaRPr lang="ko-KR" altLang="en-US" sz="1100" b="0" dirty="0">
                         <a:latin typeface="+mn-ea"/>
                         <a:ea typeface="+mn-ea"/>
                       </a:endParaRPr>
@@ -11341,7 +11141,7 @@
                         <a:defRPr/>
                       </a:pPr>
                       <a:r>
-                        <a:rPr lang="ko-KR" altLang="en-US" sz="1100" b="1" spc="-100" baseline="0" dirty="0" smtClean="0">
+                        <a:rPr lang="ko-KR" altLang="en-US" sz="1100" b="1" spc="-100" baseline="0" dirty="0">
                           <a:ln>
                             <a:solidFill>
                               <a:schemeClr val="tx1">
@@ -11414,6 +11214,11 @@
                     </a:solidFill>
                   </a:tcPr>
                 </a:tc>
+                <a:extLst>
+                  <a:ext uri="{0D108BD9-81ED-4DB2-BD59-A6C34878D82A}">
+                    <a16:rowId xmlns:a16="http://schemas.microsoft.com/office/drawing/2014/main" val="10009"/>
+                  </a:ext>
+                </a:extLst>
               </a:tr>
               <a:tr h="212971">
                 <a:tc vMerge="1">
@@ -11450,7 +11255,7 @@
                         <a:defRPr/>
                       </a:pPr>
                       <a:r>
-                        <a:rPr lang="en-US" altLang="ko-KR" sz="1200" b="0" kern="1200" spc="-100" baseline="0" dirty="0" smtClean="0">
+                        <a:rPr lang="en-US" altLang="ko-KR" sz="1200" b="0" kern="1200" spc="-100" baseline="0" dirty="0">
                           <a:ln>
                             <a:solidFill>
                               <a:schemeClr val="tx1">
@@ -11468,7 +11273,7 @@
                         <a:t>4/11(</a:t>
                       </a:r>
                       <a:r>
-                        <a:rPr lang="ko-KR" altLang="en-US" sz="1200" b="0" kern="1200" spc="-100" baseline="0" dirty="0" smtClean="0">
+                        <a:rPr lang="ko-KR" altLang="en-US" sz="1200" b="0" kern="1200" spc="-100" baseline="0" dirty="0">
                           <a:ln>
                             <a:solidFill>
                               <a:schemeClr val="tx1">
@@ -11486,7 +11291,7 @@
                         <a:t>토</a:t>
                       </a:r>
                       <a:r>
-                        <a:rPr lang="en-US" altLang="ko-KR" sz="1200" b="0" kern="1200" spc="-100" baseline="0" dirty="0" smtClean="0">
+                        <a:rPr lang="en-US" altLang="ko-KR" sz="1200" b="0" kern="1200" spc="-100" baseline="0" dirty="0">
                           <a:ln>
                             <a:solidFill>
                               <a:schemeClr val="tx1">
@@ -11523,7 +11328,7 @@
                         <a:defRPr/>
                       </a:pPr>
                       <a:r>
-                        <a:rPr lang="en-US" altLang="ko-KR" sz="1050" b="1" kern="1200" spc="-100" baseline="0" smtClean="0">
+                        <a:rPr lang="en-US" altLang="ko-KR" sz="1050" b="1" kern="1200" spc="-100" baseline="0">
                           <a:ln>
                             <a:solidFill>
                               <a:schemeClr val="tx1">
@@ -11541,7 +11346,7 @@
                         <a:t>※ </a:t>
                       </a:r>
                       <a:r>
-                        <a:rPr lang="ko-KR" altLang="en-US" sz="1050" b="1" kern="1200" spc="-100" baseline="0" smtClean="0">
+                        <a:rPr lang="ko-KR" altLang="en-US" sz="1050" b="1" kern="1200" spc="-100" baseline="0">
                           <a:ln>
                             <a:solidFill>
                               <a:schemeClr val="tx1">
@@ -11559,7 +11364,7 @@
                         <a:t>프로젝트 멘토링 </a:t>
                       </a:r>
                       <a:r>
-                        <a:rPr lang="en-US" altLang="ko-KR" sz="1050" b="1" kern="1200" spc="-100" baseline="0" smtClean="0">
+                        <a:rPr lang="en-US" altLang="ko-KR" sz="1050" b="1" kern="1200" spc="-100" baseline="0">
                           <a:ln>
                             <a:solidFill>
                               <a:schemeClr val="tx1">
@@ -11655,7 +11460,7 @@
                     <a:p>
                       <a:pPr marL="0" algn="l" defTabSz="914400" rtl="0" eaLnBrk="1" latinLnBrk="1" hangingPunct="1"/>
                       <a:r>
-                        <a:rPr lang="ko-KR" altLang="en-US" sz="1200" b="0" kern="1200" spc="-100" baseline="0" dirty="0" err="1" smtClean="0">
+                        <a:rPr lang="ko-KR" altLang="en-US" sz="1200" b="0" kern="1200" spc="-100" baseline="0" dirty="0" err="1">
                           <a:ln>
                             <a:solidFill>
                               <a:schemeClr val="tx1">
@@ -11673,7 +11478,7 @@
                         <a:t>팀별</a:t>
                       </a:r>
                       <a:r>
-                        <a:rPr lang="ko-KR" altLang="en-US" sz="1200" b="0" kern="1200" spc="-100" baseline="0" dirty="0" smtClean="0">
+                        <a:rPr lang="ko-KR" altLang="en-US" sz="1200" b="0" kern="1200" spc="-100" baseline="0" dirty="0">
                           <a:ln>
                             <a:solidFill>
                               <a:schemeClr val="tx1">
@@ -11690,21 +11495,6 @@
                         </a:rPr>
                         <a:t> 프로젝트 진척 현황 확인 및 피드백</a:t>
                       </a:r>
-                      <a:endParaRPr lang="ko-KR" altLang="en-US" sz="1200" b="0" kern="1200" spc="-100" baseline="0" dirty="0">
-                        <a:ln>
-                          <a:solidFill>
-                            <a:schemeClr val="tx1">
-                              <a:alpha val="0"/>
-                            </a:schemeClr>
-                          </a:solidFill>
-                        </a:ln>
-                        <a:solidFill>
-                          <a:schemeClr val="tx1"/>
-                        </a:solidFill>
-                        <a:latin typeface="+mn-ea"/>
-                        <a:ea typeface="+mn-ea"/>
-                        <a:cs typeface="+mn-cs"/>
-                      </a:endParaRPr>
                     </a:p>
                   </a:txBody>
                   <a:tcPr marL="83042" marR="83042" marT="41521" marB="41521" anchor="ctr">
@@ -11769,7 +11559,7 @@
                     <a:p>
                       <a:pPr algn="ctr" latinLnBrk="1"/>
                       <a:r>
-                        <a:rPr lang="en-US" altLang="ko-KR" sz="1100" b="0" dirty="0" smtClean="0">
+                        <a:rPr lang="en-US" altLang="ko-KR" sz="1100" b="0" dirty="0">
                           <a:latin typeface="+mn-ea"/>
                           <a:ea typeface="+mn-ea"/>
                         </a:rPr>
@@ -11859,7 +11649,7 @@
                         <a:defRPr/>
                       </a:pPr>
                       <a:r>
-                        <a:rPr lang="ko-KR" altLang="en-US" sz="1100" b="1" spc="-100" baseline="0" dirty="0" smtClean="0">
+                        <a:rPr lang="ko-KR" altLang="en-US" sz="1100" b="1" spc="-100" baseline="0" dirty="0">
                           <a:ln>
                             <a:solidFill>
                               <a:schemeClr val="tx1">
@@ -11873,7 +11663,7 @@
                         <a:t>박인근 </a:t>
                       </a:r>
                       <a:r>
-                        <a:rPr lang="ko-KR" altLang="en-US" sz="1100" b="1" spc="-100" baseline="0" dirty="0" err="1" smtClean="0">
+                        <a:rPr lang="ko-KR" altLang="en-US" sz="1100" b="1" spc="-100" baseline="0" dirty="0" err="1">
                           <a:ln>
                             <a:solidFill>
                               <a:schemeClr val="tx1">
@@ -11886,7 +11676,7 @@
                         </a:rPr>
                         <a:t>멘토님</a:t>
                       </a:r>
-                      <a:endParaRPr lang="en-US" altLang="ko-KR" sz="1100" b="1" spc="-100" baseline="0" dirty="0" smtClean="0">
+                      <a:endParaRPr lang="en-US" altLang="ko-KR" sz="1100" b="1" spc="-100" baseline="0" dirty="0">
                         <a:ln>
                           <a:solidFill>
                             <a:schemeClr val="tx1">
@@ -11917,7 +11707,7 @@
                         <a:defRPr/>
                       </a:pPr>
                       <a:r>
-                        <a:rPr lang="ko-KR" altLang="en-US" sz="1100" b="1" spc="-100" baseline="0" dirty="0" smtClean="0">
+                        <a:rPr lang="ko-KR" altLang="en-US" sz="1100" b="1" spc="-100" baseline="0" dirty="0">
                           <a:ln>
                             <a:solidFill>
                               <a:schemeClr val="tx1">
@@ -11931,7 +11721,7 @@
                         <a:t>윤석용 </a:t>
                       </a:r>
                       <a:r>
-                        <a:rPr lang="ko-KR" altLang="en-US" sz="1100" b="1" spc="-100" baseline="0" dirty="0" err="1" smtClean="0">
+                        <a:rPr lang="ko-KR" altLang="en-US" sz="1100" b="1" spc="-100" baseline="0" dirty="0" err="1">
                           <a:ln>
                             <a:solidFill>
                               <a:schemeClr val="tx1">
@@ -11944,7 +11734,7 @@
                         </a:rPr>
                         <a:t>멘토님</a:t>
                       </a:r>
-                      <a:endParaRPr lang="ko-KR" altLang="en-US" sz="1100" b="1" spc="-100" baseline="0" dirty="0" smtClean="0">
+                      <a:endParaRPr lang="ko-KR" altLang="en-US" sz="1100" b="1" spc="-100" baseline="0" dirty="0">
                         <a:ln>
                           <a:solidFill>
                             <a:schemeClr val="tx1">
@@ -12015,6 +11805,11 @@
                     </a:solidFill>
                   </a:tcPr>
                 </a:tc>
+                <a:extLst>
+                  <a:ext uri="{0D108BD9-81ED-4DB2-BD59-A6C34878D82A}">
+                    <a16:rowId xmlns:a16="http://schemas.microsoft.com/office/drawing/2014/main" val="10010"/>
+                  </a:ext>
+                </a:extLst>
               </a:tr>
               <a:tr h="212971">
                 <a:tc vMerge="1">
@@ -12046,7 +11841,7 @@
                     <a:p>
                       <a:pPr marL="0" algn="l" defTabSz="914400" rtl="0" eaLnBrk="1" latinLnBrk="1" hangingPunct="1"/>
                       <a:r>
-                        <a:rPr lang="ko-KR" altLang="en-US" sz="1200" b="0" kern="1200" spc="-100" baseline="0" dirty="0" smtClean="0">
+                        <a:rPr lang="ko-KR" altLang="en-US" sz="1200" b="0" kern="1200" spc="-100" baseline="0" dirty="0">
                           <a:ln>
                             <a:solidFill>
                               <a:schemeClr val="tx1">
@@ -12063,21 +11858,6 @@
                         </a:rPr>
                         <a:t>프로젝트 중간 보고</a:t>
                       </a:r>
-                      <a:endParaRPr lang="ko-KR" altLang="en-US" sz="1200" b="0" kern="1200" spc="-100" baseline="0" dirty="0">
-                        <a:ln>
-                          <a:solidFill>
-                            <a:schemeClr val="tx1">
-                              <a:alpha val="0"/>
-                            </a:schemeClr>
-                          </a:solidFill>
-                        </a:ln>
-                        <a:solidFill>
-                          <a:schemeClr val="tx1"/>
-                        </a:solidFill>
-                        <a:latin typeface="+mn-ea"/>
-                        <a:ea typeface="+mn-ea"/>
-                        <a:cs typeface="+mn-cs"/>
-                      </a:endParaRPr>
                     </a:p>
                   </a:txBody>
                   <a:tcPr marL="83042" marR="83042" marT="41521" marB="41521" anchor="ctr">
@@ -12157,6 +11937,11 @@
                   </a:txBody>
                   <a:tcPr/>
                 </a:tc>
+                <a:extLst>
+                  <a:ext uri="{0D108BD9-81ED-4DB2-BD59-A6C34878D82A}">
+                    <a16:rowId xmlns:a16="http://schemas.microsoft.com/office/drawing/2014/main" val="10011"/>
+                  </a:ext>
+                </a:extLst>
               </a:tr>
               <a:tr h="306000">
                 <a:tc vMerge="1">
@@ -12193,7 +11978,7 @@
                         <a:defRPr/>
                       </a:pPr>
                       <a:r>
-                        <a:rPr lang="en-US" altLang="ko-KR" sz="1200" b="0" kern="1200" spc="-100" baseline="0" dirty="0" smtClean="0">
+                        <a:rPr lang="en-US" altLang="ko-KR" sz="1200" b="0" kern="1200" spc="-100" baseline="0" dirty="0">
                           <a:ln>
                             <a:solidFill>
                               <a:schemeClr val="tx1">
@@ -12211,7 +11996,7 @@
                         <a:t>4/13(</a:t>
                       </a:r>
                       <a:r>
-                        <a:rPr lang="ko-KR" altLang="en-US" sz="1200" b="0" kern="1200" spc="-100" baseline="0" dirty="0" smtClean="0">
+                        <a:rPr lang="ko-KR" altLang="en-US" sz="1200" b="0" kern="1200" spc="-100" baseline="0" dirty="0">
                           <a:ln>
                             <a:solidFill>
                               <a:schemeClr val="tx1">
@@ -12229,7 +12014,7 @@
                         <a:t>월</a:t>
                       </a:r>
                       <a:r>
-                        <a:rPr lang="en-US" altLang="ko-KR" sz="1200" b="0" kern="1200" spc="-100" baseline="0" dirty="0" smtClean="0">
+                        <a:rPr lang="en-US" altLang="ko-KR" sz="1200" b="0" kern="1200" spc="-100" baseline="0" dirty="0">
                           <a:ln>
                             <a:solidFill>
                               <a:schemeClr val="tx1">
@@ -12247,7 +12032,7 @@
                         <a:t>) ~ 4/27(</a:t>
                       </a:r>
                       <a:r>
-                        <a:rPr lang="ko-KR" altLang="en-US" sz="1200" b="0" kern="1200" spc="-100" baseline="0" dirty="0" smtClean="0">
+                        <a:rPr lang="ko-KR" altLang="en-US" sz="1200" b="0" kern="1200" spc="-100" baseline="0" dirty="0">
                           <a:ln>
                             <a:solidFill>
                               <a:schemeClr val="tx1">
@@ -12265,7 +12050,7 @@
                         <a:t>월</a:t>
                       </a:r>
                       <a:r>
-                        <a:rPr lang="en-US" altLang="ko-KR" sz="1200" b="0" kern="1200" spc="-100" baseline="0" dirty="0" smtClean="0">
+                        <a:rPr lang="en-US" altLang="ko-KR" sz="1200" b="0" kern="1200" spc="-100" baseline="0" dirty="0">
                           <a:ln>
                             <a:solidFill>
                               <a:schemeClr val="tx1">
@@ -12282,7 +12067,7 @@
                         </a:rPr>
                         <a:t>)</a:t>
                       </a:r>
-                      <a:endParaRPr lang="ko-KR" altLang="en-US" sz="1200" b="0" kern="1200" spc="-100" baseline="0" dirty="0" smtClean="0">
+                      <a:endParaRPr lang="ko-KR" altLang="en-US" sz="1200" b="0" kern="1200" spc="-100" baseline="0" dirty="0">
                         <a:ln>
                           <a:solidFill>
                             <a:schemeClr val="tx1">
@@ -12494,34 +12279,34 @@
                         <a:defRPr/>
                       </a:pPr>
                       <a:r>
-                        <a:rPr lang="ko-KR" altLang="en-US" sz="1100" b="0" dirty="0" smtClean="0">
+                        <a:rPr lang="ko-KR" altLang="en-US" sz="1100" b="0" dirty="0">
                           <a:latin typeface="+mn-ea"/>
                           <a:ea typeface="+mn-ea"/>
                         </a:rPr>
                         <a:t>주간일지 </a:t>
                       </a:r>
                       <a:r>
-                        <a:rPr lang="en-US" altLang="ko-KR" sz="1100" b="0" dirty="0" smtClean="0">
+                        <a:rPr lang="en-US" altLang="ko-KR" sz="1100" b="0" dirty="0">
                           <a:latin typeface="+mn-ea"/>
                           <a:ea typeface="+mn-ea"/>
                         </a:rPr>
                         <a:t>(</a:t>
                       </a:r>
                       <a:r>
-                        <a:rPr lang="ko-KR" altLang="en-US" sz="1100" b="0" dirty="0" smtClean="0">
+                        <a:rPr lang="ko-KR" altLang="en-US" sz="1100" b="0" dirty="0">
                           <a:latin typeface="+mn-ea"/>
                           <a:ea typeface="+mn-ea"/>
                         </a:rPr>
                         <a:t>매주</a:t>
                       </a:r>
                       <a:r>
-                        <a:rPr lang="en-US" altLang="ko-KR" sz="1100" b="0" dirty="0" smtClean="0">
+                        <a:rPr lang="en-US" altLang="ko-KR" sz="1100" b="0" dirty="0">
                           <a:latin typeface="+mn-ea"/>
                           <a:ea typeface="+mn-ea"/>
                         </a:rPr>
                         <a:t>)</a:t>
                       </a:r>
-                      <a:endParaRPr lang="ko-KR" altLang="en-US" sz="1100" b="0" dirty="0" smtClean="0">
+                      <a:endParaRPr lang="ko-KR" altLang="en-US" sz="1100" b="0" dirty="0">
                         <a:latin typeface="+mn-ea"/>
                         <a:ea typeface="+mn-ea"/>
                       </a:endParaRPr>
@@ -12605,7 +12390,7 @@
                         <a:defRPr/>
                       </a:pPr>
                       <a:r>
-                        <a:rPr lang="ko-KR" altLang="en-US" sz="1100" b="1" spc="-100" baseline="0" dirty="0" smtClean="0">
+                        <a:rPr lang="ko-KR" altLang="en-US" sz="1100" b="1" spc="-100" baseline="0" dirty="0">
                           <a:ln>
                             <a:solidFill>
                               <a:schemeClr val="tx1">
@@ -12680,7 +12465,7 @@
                 </a:tc>
                 <a:extLst>
                   <a:ext uri="{0D108BD9-81ED-4DB2-BD59-A6C34878D82A}">
-                    <a16:rowId xmlns:a16="http://schemas.microsoft.com/office/drawing/2014/main" xmlns="" val="10007"/>
+                    <a16:rowId xmlns:a16="http://schemas.microsoft.com/office/drawing/2014/main" val="10007"/>
                   </a:ext>
                 </a:extLst>
               </a:tr>
@@ -12692,7 +12477,7 @@
                     <a:p>
                       <a:pPr algn="ctr" latinLnBrk="1"/>
                       <a:r>
-                        <a:rPr lang="en-US" altLang="ko-KR" sz="1400" b="1" kern="1200" spc="-100" baseline="0" dirty="0" smtClean="0">
+                        <a:rPr lang="en-US" altLang="ko-KR" sz="1400" b="1" kern="1200" spc="-100" baseline="0" dirty="0">
                           <a:ln>
                             <a:solidFill>
                               <a:schemeClr val="tx1">
@@ -12710,7 +12495,7 @@
                         <a:t>PJT </a:t>
                       </a:r>
                       <a:r>
-                        <a:rPr lang="ko-KR" altLang="en-US" sz="1400" b="1" kern="1200" spc="-100" baseline="0" dirty="0" smtClean="0">
+                        <a:rPr lang="ko-KR" altLang="en-US" sz="1400" b="1" kern="1200" spc="-100" baseline="0" dirty="0">
                           <a:ln>
                             <a:solidFill>
                               <a:schemeClr val="tx1">
@@ -12809,7 +12594,7 @@
                     <a:p>
                       <a:pPr marL="0" algn="ctr" defTabSz="914400" rtl="0" eaLnBrk="1" latinLnBrk="1" hangingPunct="1"/>
                       <a:r>
-                        <a:rPr lang="en-US" altLang="ko-KR" sz="1200" b="1" kern="1200" spc="-100" baseline="0" dirty="0" smtClean="0">
+                        <a:rPr lang="en-US" altLang="ko-KR" sz="1200" b="1" kern="1200" spc="-100" baseline="0" dirty="0">
                           <a:ln>
                             <a:solidFill>
                               <a:schemeClr val="tx1">
@@ -12827,7 +12612,7 @@
                         <a:t>4/27(</a:t>
                       </a:r>
                       <a:r>
-                        <a:rPr lang="ko-KR" altLang="en-US" sz="1200" b="1" kern="1200" spc="-100" baseline="0" dirty="0" smtClean="0">
+                        <a:rPr lang="ko-KR" altLang="en-US" sz="1200" b="1" kern="1200" spc="-100" baseline="0" dirty="0">
                           <a:ln>
                             <a:solidFill>
                               <a:schemeClr val="tx1">
@@ -12845,7 +12630,7 @@
                         <a:t>월</a:t>
                       </a:r>
                       <a:r>
-                        <a:rPr lang="en-US" altLang="ko-KR" sz="1200" b="1" kern="1200" spc="-100" baseline="0" dirty="0" smtClean="0">
+                        <a:rPr lang="en-US" altLang="ko-KR" sz="1200" b="1" kern="1200" spc="-100" baseline="0" dirty="0">
                           <a:ln>
                             <a:solidFill>
                               <a:schemeClr val="tx1">
@@ -12863,7 +12648,7 @@
                         <a:t>) ~ 4/28(</a:t>
                       </a:r>
                       <a:r>
-                        <a:rPr lang="ko-KR" altLang="en-US" sz="1200" b="1" kern="1200" spc="-100" baseline="0" dirty="0" smtClean="0">
+                        <a:rPr lang="ko-KR" altLang="en-US" sz="1200" b="1" kern="1200" spc="-100" baseline="0" dirty="0">
                           <a:ln>
                             <a:solidFill>
                               <a:schemeClr val="tx1">
@@ -12881,7 +12666,7 @@
                         <a:t>화</a:t>
                       </a:r>
                       <a:r>
-                        <a:rPr lang="en-US" altLang="ko-KR" sz="1200" b="1" kern="1200" spc="-100" baseline="0" dirty="0" smtClean="0">
+                        <a:rPr lang="en-US" altLang="ko-KR" sz="1200" b="1" kern="1200" spc="-100" baseline="0" dirty="0">
                           <a:ln>
                             <a:solidFill>
                               <a:schemeClr val="tx1">
@@ -12983,7 +12768,7 @@
                     <a:p>
                       <a:pPr marL="0" algn="l" defTabSz="914400" rtl="0" eaLnBrk="1" latinLnBrk="1" hangingPunct="1"/>
                       <a:r>
-                        <a:rPr lang="ko-KR" altLang="en-US" sz="1200" b="1" kern="1200" spc="-100" baseline="0" dirty="0" smtClean="0">
+                        <a:rPr lang="ko-KR" altLang="en-US" sz="1200" b="1" kern="1200" spc="-100" baseline="0" dirty="0">
                           <a:ln>
                             <a:solidFill>
                               <a:schemeClr val="tx1">
@@ -13000,21 +12785,6 @@
                         </a:rPr>
                         <a:t>프로젝트 완료 및 결과 보고</a:t>
                       </a:r>
-                      <a:endParaRPr lang="ko-KR" altLang="en-US" sz="1200" b="1" kern="1200" spc="-100" baseline="0" dirty="0">
-                        <a:ln>
-                          <a:solidFill>
-                            <a:schemeClr val="tx1">
-                              <a:alpha val="0"/>
-                            </a:schemeClr>
-                          </a:solidFill>
-                        </a:ln>
-                        <a:solidFill>
-                          <a:schemeClr val="tx1"/>
-                        </a:solidFill>
-                        <a:latin typeface="+mn-ea"/>
-                        <a:ea typeface="+mn-ea"/>
-                        <a:cs typeface="+mn-cs"/>
-                      </a:endParaRPr>
                     </a:p>
                   </a:txBody>
                   <a:tcPr marL="83042" marR="83042" marT="41521" marB="41521" anchor="ctr">
@@ -13173,7 +12943,7 @@
                         <a:tabLst/>
                         <a:defRPr/>
                       </a:pPr>
-                      <a:endParaRPr lang="en-US" altLang="ko-KR" sz="1400" b="1" kern="1200" spc="-100" baseline="0" dirty="0" smtClean="0">
+                      <a:endParaRPr lang="en-US" altLang="ko-KR" sz="1400" b="1" kern="1200" spc="-100" baseline="0" dirty="0">
                         <a:ln>
                           <a:solidFill>
                             <a:schemeClr val="tx1">
@@ -13251,6 +13021,11 @@
                     </a:solidFill>
                   </a:tcPr>
                 </a:tc>
+                <a:extLst>
+                  <a:ext uri="{0D108BD9-81ED-4DB2-BD59-A6C34878D82A}">
+                    <a16:rowId xmlns:a16="http://schemas.microsoft.com/office/drawing/2014/main" val="10012"/>
+                  </a:ext>
+                </a:extLst>
               </a:tr>
               <a:tr h="306000">
                 <a:tc vMerge="1">
@@ -13344,7 +13119,7 @@
                         <a:defRPr/>
                       </a:pPr>
                       <a:r>
-                        <a:rPr lang="en-US" altLang="ko-KR" sz="1200" b="0" kern="1200" spc="-100" baseline="0" dirty="0" smtClean="0">
+                        <a:rPr lang="en-US" altLang="ko-KR" sz="1200" b="0" kern="1200" spc="-100" baseline="0" dirty="0">
                           <a:ln>
                             <a:solidFill>
                               <a:schemeClr val="tx1">
@@ -13362,7 +13137,7 @@
                         <a:t>4/27(</a:t>
                       </a:r>
                       <a:r>
-                        <a:rPr lang="ko-KR" altLang="en-US" sz="1200" b="0" kern="1200" spc="-100" baseline="0" dirty="0" smtClean="0">
+                        <a:rPr lang="ko-KR" altLang="en-US" sz="1200" b="0" kern="1200" spc="-100" baseline="0" dirty="0">
                           <a:ln>
                             <a:solidFill>
                               <a:schemeClr val="tx1">
@@ -13380,7 +13155,7 @@
                         <a:t>월</a:t>
                       </a:r>
                       <a:r>
-                        <a:rPr lang="en-US" altLang="ko-KR" sz="1200" b="0" kern="1200" spc="-100" baseline="0" dirty="0" smtClean="0">
+                        <a:rPr lang="en-US" altLang="ko-KR" sz="1200" b="0" kern="1200" spc="-100" baseline="0" dirty="0">
                           <a:ln>
                             <a:solidFill>
                               <a:schemeClr val="tx1">
@@ -13398,7 +13173,7 @@
                         <a:t>) ~ 4/28(</a:t>
                       </a:r>
                       <a:r>
-                        <a:rPr lang="ko-KR" altLang="en-US" sz="1200" b="0" kern="1200" spc="-100" baseline="0" dirty="0" smtClean="0">
+                        <a:rPr lang="ko-KR" altLang="en-US" sz="1200" b="0" kern="1200" spc="-100" baseline="0" dirty="0">
                           <a:ln>
                             <a:solidFill>
                               <a:schemeClr val="tx1">
@@ -13416,7 +13191,7 @@
                         <a:t>화</a:t>
                       </a:r>
                       <a:r>
-                        <a:rPr lang="en-US" altLang="ko-KR" sz="1200" b="0" kern="1200" spc="-100" baseline="0" dirty="0" smtClean="0">
+                        <a:rPr lang="en-US" altLang="ko-KR" sz="1200" b="0" kern="1200" spc="-100" baseline="0" dirty="0">
                           <a:ln>
                             <a:solidFill>
                               <a:schemeClr val="tx1">
@@ -13513,7 +13288,7 @@
                     <a:p>
                       <a:pPr marL="0" algn="l" defTabSz="914400" rtl="0" eaLnBrk="1" latinLnBrk="1" hangingPunct="1"/>
                       <a:r>
-                        <a:rPr lang="ko-KR" altLang="en-US" sz="1200" b="0" kern="1200" spc="-100" baseline="0" dirty="0" smtClean="0">
+                        <a:rPr lang="ko-KR" altLang="en-US" sz="1200" b="0" kern="1200" spc="-100" baseline="0" dirty="0">
                           <a:ln>
                             <a:solidFill>
                               <a:schemeClr val="tx1">
@@ -13530,21 +13305,6 @@
                         </a:rPr>
                         <a:t>프로젝트 시연 및 발표</a:t>
                       </a:r>
-                      <a:endParaRPr lang="ko-KR" altLang="en-US" sz="1200" b="0" kern="1200" spc="-100" baseline="0" dirty="0">
-                        <a:ln>
-                          <a:solidFill>
-                            <a:schemeClr val="tx1">
-                              <a:alpha val="0"/>
-                            </a:schemeClr>
-                          </a:solidFill>
-                        </a:ln>
-                        <a:solidFill>
-                          <a:schemeClr val="tx1"/>
-                        </a:solidFill>
-                        <a:latin typeface="+mn-ea"/>
-                        <a:ea typeface="+mn-ea"/>
-                        <a:cs typeface="+mn-cs"/>
-                      </a:endParaRPr>
                     </a:p>
                   </a:txBody>
                   <a:tcPr marL="83042" marR="83042" marT="41521" marB="41521" anchor="ctr">
@@ -13610,16 +13370,12 @@
                     <a:p>
                       <a:pPr algn="ctr" latinLnBrk="1"/>
                       <a:r>
-                        <a:rPr lang="ko-KR" altLang="en-US" sz="1100" dirty="0" smtClean="0">
+                        <a:rPr lang="ko-KR" altLang="en-US" sz="1100" dirty="0">
                           <a:latin typeface="+mn-ea"/>
                           <a:ea typeface="+mn-ea"/>
                         </a:rPr>
                         <a:t>결과 보고서 </a:t>
                       </a:r>
-                      <a:endParaRPr lang="ko-KR" altLang="en-US" sz="1100" dirty="0">
-                        <a:latin typeface="+mn-ea"/>
-                        <a:ea typeface="+mn-ea"/>
-                      </a:endParaRPr>
                     </a:p>
                   </a:txBody>
                   <a:tcPr marL="83042" marR="83042" marT="41521" marB="41521" anchor="ctr">
@@ -13699,7 +13455,7 @@
                         <a:defRPr/>
                       </a:pPr>
                       <a:r>
-                        <a:rPr lang="ko-KR" altLang="en-US" sz="1200" b="1" kern="1200" spc="-100" baseline="0" dirty="0" smtClean="0">
+                        <a:rPr lang="ko-KR" altLang="en-US" sz="1200" b="1" kern="1200" spc="-100" baseline="0" dirty="0">
                           <a:ln>
                             <a:solidFill>
                               <a:schemeClr val="tx1">
@@ -13716,7 +13472,7 @@
                         </a:rPr>
                         <a:t>박태정 강사님</a:t>
                       </a:r>
-                      <a:endParaRPr lang="en-US" altLang="ko-KR" sz="1200" b="1" kern="1200" spc="-100" baseline="0" dirty="0" smtClean="0">
+                      <a:endParaRPr lang="en-US" altLang="ko-KR" sz="1200" b="1" kern="1200" spc="-100" baseline="0" dirty="0">
                         <a:ln>
                           <a:solidFill>
                             <a:schemeClr val="tx1">
@@ -13751,7 +13507,7 @@
                         <a:defRPr/>
                       </a:pPr>
                       <a:r>
-                        <a:rPr lang="ko-KR" altLang="en-US" sz="1200" b="1" kern="1200" spc="-100" baseline="0" dirty="0" smtClean="0">
+                        <a:rPr lang="ko-KR" altLang="en-US" sz="1200" b="1" kern="1200" spc="-100" baseline="0" dirty="0">
                           <a:ln>
                             <a:solidFill>
                               <a:schemeClr val="tx1">
@@ -13769,7 +13525,7 @@
                         <a:t>박인근 </a:t>
                       </a:r>
                       <a:r>
-                        <a:rPr lang="ko-KR" altLang="en-US" sz="1200" b="1" kern="1200" spc="-100" baseline="0" dirty="0" err="1" smtClean="0">
+                        <a:rPr lang="ko-KR" altLang="en-US" sz="1200" b="1" kern="1200" spc="-100" baseline="0" dirty="0" err="1">
                           <a:ln>
                             <a:solidFill>
                               <a:schemeClr val="tx1">
@@ -13786,7 +13542,7 @@
                         </a:rPr>
                         <a:t>멘토님</a:t>
                       </a:r>
-                      <a:endParaRPr lang="en-US" altLang="ko-KR" sz="1200" b="1" kern="1200" spc="-100" baseline="0" dirty="0" smtClean="0">
+                      <a:endParaRPr lang="en-US" altLang="ko-KR" sz="1200" b="1" kern="1200" spc="-100" baseline="0" dirty="0">
                         <a:ln>
                           <a:solidFill>
                             <a:schemeClr val="tx1">
@@ -13861,6 +13617,11 @@
                     </a:solidFill>
                   </a:tcPr>
                 </a:tc>
+                <a:extLst>
+                  <a:ext uri="{0D108BD9-81ED-4DB2-BD59-A6C34878D82A}">
+                    <a16:rowId xmlns:a16="http://schemas.microsoft.com/office/drawing/2014/main" val="10013"/>
+                  </a:ext>
+                </a:extLst>
               </a:tr>
               <a:tr h="306000">
                 <a:tc vMerge="1">
@@ -13954,7 +13715,7 @@
                         <a:defRPr/>
                       </a:pPr>
                       <a:r>
-                        <a:rPr lang="en-US" altLang="ko-KR" sz="1200" b="0" kern="1200" spc="-100" baseline="0" dirty="0" smtClean="0">
+                        <a:rPr lang="en-US" altLang="ko-KR" sz="1200" b="0" kern="1200" spc="-100" baseline="0" dirty="0">
                           <a:ln>
                             <a:solidFill>
                               <a:schemeClr val="tx1">
@@ -13972,7 +13733,7 @@
                         <a:t>4/28(</a:t>
                       </a:r>
                       <a:r>
-                        <a:rPr lang="ko-KR" altLang="en-US" sz="1200" b="0" kern="1200" spc="-100" baseline="0" dirty="0" smtClean="0">
+                        <a:rPr lang="ko-KR" altLang="en-US" sz="1200" b="0" kern="1200" spc="-100" baseline="0" dirty="0">
                           <a:ln>
                             <a:solidFill>
                               <a:schemeClr val="tx1">
@@ -13990,7 +13751,7 @@
                         <a:t>화</a:t>
                       </a:r>
                       <a:r>
-                        <a:rPr lang="en-US" altLang="ko-KR" sz="1200" b="0" kern="1200" spc="-100" baseline="0" dirty="0" smtClean="0">
+                        <a:rPr lang="en-US" altLang="ko-KR" sz="1200" b="0" kern="1200" spc="-100" baseline="0" dirty="0">
                           <a:ln>
                             <a:solidFill>
                               <a:schemeClr val="tx1">
@@ -14099,7 +13860,7 @@
                         <a:defRPr/>
                       </a:pPr>
                       <a:r>
-                        <a:rPr lang="ko-KR" altLang="en-US" sz="1200" b="0" kern="1200" spc="-100" baseline="0" dirty="0" smtClean="0">
+                        <a:rPr lang="ko-KR" altLang="en-US" sz="1200" b="0" kern="1200" spc="-100" baseline="0" dirty="0">
                           <a:ln>
                             <a:solidFill>
                               <a:schemeClr val="tx1">
@@ -14117,7 +13878,7 @@
                         <a:t>시상</a:t>
                       </a:r>
                       <a:r>
-                        <a:rPr lang="en-US" altLang="ko-KR" sz="1200" b="0" kern="1200" spc="-100" baseline="70000" dirty="0" smtClean="0">
+                        <a:rPr lang="en-US" altLang="ko-KR" sz="1200" b="0" kern="1200" spc="-100" baseline="70000" dirty="0">
                           <a:ln>
                             <a:solidFill>
                               <a:schemeClr val="tx1">
@@ -14135,7 +13896,7 @@
                         <a:t>**</a:t>
                       </a:r>
                       <a:r>
-                        <a:rPr lang="ko-KR" altLang="en-US" sz="1200" b="0" kern="1200" spc="-100" baseline="0" dirty="0" smtClean="0">
+                        <a:rPr lang="ko-KR" altLang="en-US" sz="1200" b="0" kern="1200" spc="-100" baseline="0" dirty="0">
                           <a:ln>
                             <a:solidFill>
                               <a:schemeClr val="tx1">
@@ -14305,7 +14066,7 @@
                         <a:tabLst/>
                         <a:defRPr/>
                       </a:pPr>
-                      <a:endParaRPr lang="en-US" altLang="ko-KR" sz="1400" b="1" kern="1200" spc="-100" baseline="0" dirty="0" smtClean="0">
+                      <a:endParaRPr lang="en-US" altLang="ko-KR" sz="1400" b="1" kern="1200" spc="-100" baseline="0" dirty="0">
                         <a:ln>
                           <a:solidFill>
                             <a:schemeClr val="tx1">
@@ -14380,6 +14141,11 @@
                     </a:solidFill>
                   </a:tcPr>
                 </a:tc>
+                <a:extLst>
+                  <a:ext uri="{0D108BD9-81ED-4DB2-BD59-A6C34878D82A}">
+                    <a16:rowId xmlns:a16="http://schemas.microsoft.com/office/drawing/2014/main" val="10014"/>
+                  </a:ext>
+                </a:extLst>
               </a:tr>
             </a:tbl>
           </a:graphicData>
@@ -14441,7 +14207,7 @@
           </a:lstStyle>
           <a:p>
             <a:r>
-              <a:rPr lang="ko-KR" altLang="en-US" sz="3600" dirty="0" smtClean="0">
+              <a:rPr lang="ko-KR" altLang="en-US" sz="3600" dirty="0">
                 <a:solidFill>
                   <a:schemeClr val="tx1">
                     <a:lumMod val="75000"/>
@@ -14453,16 +14219,6 @@
               </a:rPr>
               <a:t>진행 일정</a:t>
             </a:r>
-            <a:endParaRPr lang="ko-KR" altLang="en-US" sz="3600" dirty="0">
-              <a:solidFill>
-                <a:schemeClr val="tx1">
-                  <a:lumMod val="75000"/>
-                  <a:lumOff val="25000"/>
-                </a:schemeClr>
-              </a:solidFill>
-              <a:latin typeface="맑은 고딕" panose="020B0503020000020004" pitchFamily="50" charset="-127"/>
-              <a:ea typeface="맑은 고딕" panose="020B0503020000020004" pitchFamily="50" charset="-127"/>
-            </a:endParaRPr>
           </a:p>
         </p:txBody>
       </p:sp>
@@ -14607,27 +14363,10 @@
                 <a:latin typeface="+mj-lt"/>
                 <a:ea typeface="삼성긴고딕OTF Regular" pitchFamily="34" charset="-127"/>
               </a:rPr>
-              <a:t>*</a:t>
-            </a:r>
-            <a:r>
-              <a:rPr lang="en-US" altLang="ko-KR" sz="1200" spc="-100" baseline="30000" dirty="0" smtClean="0">
-                <a:ln>
-                  <a:solidFill>
-                    <a:prstClr val="black">
-                      <a:alpha val="0"/>
-                    </a:prstClr>
-                  </a:solidFill>
-                </a:ln>
-                <a:solidFill>
-                  <a:srgbClr val="FF0000"/>
-                </a:solidFill>
-                <a:latin typeface="+mj-lt"/>
-                <a:ea typeface="삼성긴고딕OTF Regular" pitchFamily="34" charset="-127"/>
-              </a:rPr>
-              <a:t>  </a:t>
-            </a:r>
-            <a:r>
-              <a:rPr lang="ko-KR" altLang="en-US" sz="1000" dirty="0" smtClean="0">
+              <a:t>*  </a:t>
+            </a:r>
+            <a:r>
+              <a:rPr lang="ko-KR" altLang="en-US" sz="1000" dirty="0">
                 <a:solidFill>
                   <a:prstClr val="black"/>
                 </a:solidFill>
@@ -14637,7 +14376,7 @@
               <a:t>모든 산출물 기한 내 담당 매니저 메일로 제출</a:t>
             </a:r>
             <a:r>
-              <a:rPr lang="en-US" altLang="ko-KR" sz="1000" dirty="0" smtClean="0">
+              <a:rPr lang="en-US" altLang="ko-KR" sz="1000" dirty="0">
                 <a:solidFill>
                   <a:prstClr val="black"/>
                 </a:solidFill>
@@ -14656,7 +14395,7 @@
           </a:p>
           <a:p>
             <a:r>
-              <a:rPr lang="en-US" altLang="ko-KR" sz="1200" spc="-100" baseline="30000" dirty="0" smtClean="0">
+              <a:rPr lang="en-US" altLang="ko-KR" sz="1200" spc="-100" baseline="30000" dirty="0">
                 <a:ln>
                   <a:solidFill>
                     <a:prstClr val="black">
@@ -14673,28 +14412,28 @@
               <a:t>**</a:t>
             </a:r>
             <a:r>
-              <a:rPr lang="en-US" altLang="ko-KR" sz="950" dirty="0" smtClean="0">
+              <a:rPr lang="en-US" altLang="ko-KR" sz="950" dirty="0">
                 <a:latin typeface="맑은 고딕" panose="020B0503020000020004" pitchFamily="50" charset="-127"/>
                 <a:ea typeface="맑은 고딕" panose="020B0503020000020004" pitchFamily="50" charset="-127"/>
               </a:rPr>
               <a:t> [</a:t>
             </a:r>
             <a:r>
-              <a:rPr lang="ko-KR" altLang="en-US" sz="1000" dirty="0" smtClean="0">
+              <a:rPr lang="ko-KR" altLang="en-US" sz="1000" dirty="0">
                 <a:latin typeface="맑은 고딕" panose="020B0503020000020004" pitchFamily="50" charset="-127"/>
                 <a:ea typeface="맑은 고딕" panose="020B0503020000020004" pitchFamily="50" charset="-127"/>
               </a:rPr>
               <a:t>개인부문</a:t>
             </a:r>
             <a:r>
-              <a:rPr lang="en-US" altLang="ko-KR" sz="1000" dirty="0" smtClean="0">
+              <a:rPr lang="en-US" altLang="ko-KR" sz="1000" dirty="0">
                 <a:latin typeface="맑은 고딕" panose="020B0503020000020004" pitchFamily="50" charset="-127"/>
                 <a:ea typeface="맑은 고딕" panose="020B0503020000020004" pitchFamily="50" charset="-127"/>
               </a:rPr>
               <a:t> : </a:t>
             </a:r>
             <a:r>
-              <a:rPr lang="ko-KR" altLang="en-US" sz="1000" dirty="0" smtClean="0">
+              <a:rPr lang="ko-KR" altLang="en-US" sz="1000" dirty="0">
                 <a:latin typeface="맑은 고딕" panose="020B0503020000020004" pitchFamily="50" charset="-127"/>
                 <a:ea typeface="맑은 고딕" panose="020B0503020000020004" pitchFamily="50" charset="-127"/>
               </a:rPr>
@@ -14705,38 +14444,31 @@
                 <a:latin typeface="맑은 고딕" panose="020B0503020000020004" pitchFamily="50" charset="-127"/>
                 <a:ea typeface="맑은 고딕" panose="020B0503020000020004" pitchFamily="50" charset="-127"/>
               </a:rPr>
-              <a:t>]</a:t>
-            </a:r>
-            <a:r>
-              <a:rPr lang="en-US" altLang="ko-KR" sz="1000" dirty="0" smtClean="0">
-                <a:latin typeface="맑은 고딕" panose="020B0503020000020004" pitchFamily="50" charset="-127"/>
-                <a:ea typeface="맑은 고딕" panose="020B0503020000020004" pitchFamily="50" charset="-127"/>
-              </a:rPr>
-              <a:t> </a:t>
-            </a:r>
-            <a:r>
-              <a:rPr lang="ko-KR" altLang="en-US" sz="1000" dirty="0" smtClean="0">
+              <a:t>] </a:t>
+            </a:r>
+            <a:r>
+              <a:rPr lang="ko-KR" altLang="en-US" sz="1000" dirty="0">
                 <a:latin typeface="맑은 고딕" panose="020B0503020000020004" pitchFamily="50" charset="-127"/>
                 <a:ea typeface="맑은 고딕" panose="020B0503020000020004" pitchFamily="50" charset="-127"/>
               </a:rPr>
               <a:t>최우수상</a:t>
             </a:r>
             <a:r>
-              <a:rPr lang="en-US" altLang="ko-KR" sz="1000" dirty="0" smtClean="0">
+              <a:rPr lang="en-US" altLang="ko-KR" sz="1000" dirty="0">
                 <a:latin typeface="맑은 고딕" panose="020B0503020000020004" pitchFamily="50" charset="-127"/>
                 <a:ea typeface="맑은 고딕" panose="020B0503020000020004" pitchFamily="50" charset="-127"/>
               </a:rPr>
               <a:t>/</a:t>
             </a:r>
             <a:r>
-              <a:rPr lang="ko-KR" altLang="en-US" sz="1000" dirty="0" smtClean="0">
+              <a:rPr lang="ko-KR" altLang="en-US" sz="1000" dirty="0">
                 <a:latin typeface="맑은 고딕" panose="020B0503020000020004" pitchFamily="50" charset="-127"/>
                 <a:ea typeface="맑은 고딕" panose="020B0503020000020004" pitchFamily="50" charset="-127"/>
               </a:rPr>
               <a:t>우수상</a:t>
             </a:r>
             <a:r>
-              <a:rPr lang="en-US" altLang="ko-KR" sz="1000" dirty="0" smtClean="0">
+              <a:rPr lang="en-US" altLang="ko-KR" sz="1000" dirty="0">
                 <a:latin typeface="맑은 고딕" panose="020B0503020000020004" pitchFamily="50" charset="-127"/>
                 <a:ea typeface="맑은 고딕" panose="020B0503020000020004" pitchFamily="50" charset="-127"/>
               </a:rPr>
@@ -14749,17 +14481,10 @@
                 <a:latin typeface="맑은 고딕" panose="020B0503020000020004" pitchFamily="50" charset="-127"/>
                 <a:ea typeface="맑은 고딕" panose="020B0503020000020004" pitchFamily="50" charset="-127"/>
               </a:rPr>
-              <a:t> </a:t>
-            </a:r>
-            <a:r>
-              <a:rPr lang="en-US" altLang="ko-KR" sz="1000" dirty="0" smtClean="0">
-                <a:latin typeface="맑은 고딕" panose="020B0503020000020004" pitchFamily="50" charset="-127"/>
-                <a:ea typeface="맑은 고딕" panose="020B0503020000020004" pitchFamily="50" charset="-127"/>
-              </a:rPr>
-              <a:t> </a:t>
-            </a:r>
-            <a:r>
-              <a:rPr lang="en-US" altLang="ko-KR" sz="500" dirty="0" smtClean="0">
+              <a:t>  </a:t>
+            </a:r>
+            <a:r>
+              <a:rPr lang="en-US" altLang="ko-KR" sz="500" dirty="0">
                 <a:latin typeface="맑은 고딕" panose="020B0503020000020004" pitchFamily="50" charset="-127"/>
                 <a:ea typeface="맑은 고딕" panose="020B0503020000020004" pitchFamily="50" charset="-127"/>
               </a:rPr>
@@ -14773,21 +14498,21 @@
               <a:t>[</a:t>
             </a:r>
             <a:r>
-              <a:rPr lang="ko-KR" altLang="en-US" sz="1000" dirty="0" err="1" smtClean="0">
+              <a:rPr lang="ko-KR" altLang="en-US" sz="1000" dirty="0" err="1">
                 <a:latin typeface="맑은 고딕" panose="020B0503020000020004" pitchFamily="50" charset="-127"/>
                 <a:ea typeface="맑은 고딕" panose="020B0503020000020004" pitchFamily="50" charset="-127"/>
               </a:rPr>
               <a:t>팀부문</a:t>
             </a:r>
             <a:r>
-              <a:rPr lang="en-US" altLang="ko-KR" sz="1000" dirty="0" smtClean="0">
+              <a:rPr lang="en-US" altLang="ko-KR" sz="1000" dirty="0">
                 <a:latin typeface="맑은 고딕" panose="020B0503020000020004" pitchFamily="50" charset="-127"/>
                 <a:ea typeface="맑은 고딕" panose="020B0503020000020004" pitchFamily="50" charset="-127"/>
               </a:rPr>
               <a:t> : </a:t>
             </a:r>
             <a:r>
-              <a:rPr lang="ko-KR" altLang="en-US" sz="1000" dirty="0" err="1" smtClean="0">
+              <a:rPr lang="ko-KR" altLang="en-US" sz="1000" dirty="0" err="1">
                 <a:latin typeface="맑은 고딕" panose="020B0503020000020004" pitchFamily="50" charset="-127"/>
                 <a:ea typeface="맑은 고딕" panose="020B0503020000020004" pitchFamily="50" charset="-127"/>
               </a:rPr>
@@ -14798,23 +14523,16 @@
                 <a:latin typeface="맑은 고딕" panose="020B0503020000020004" pitchFamily="50" charset="-127"/>
                 <a:ea typeface="맑은 고딕" panose="020B0503020000020004" pitchFamily="50" charset="-127"/>
               </a:rPr>
-              <a:t>]</a:t>
-            </a:r>
-            <a:r>
-              <a:rPr lang="en-US" altLang="ko-KR" sz="1000" dirty="0" smtClean="0">
-                <a:latin typeface="맑은 고딕" panose="020B0503020000020004" pitchFamily="50" charset="-127"/>
-                <a:ea typeface="맑은 고딕" panose="020B0503020000020004" pitchFamily="50" charset="-127"/>
-              </a:rPr>
-              <a:t> </a:t>
-            </a:r>
-            <a:r>
-              <a:rPr lang="ko-KR" altLang="en-US" sz="1000" dirty="0" smtClean="0">
+              <a:t>] </a:t>
+            </a:r>
+            <a:r>
+              <a:rPr lang="ko-KR" altLang="en-US" sz="1000" dirty="0">
                 <a:latin typeface="맑은 고딕" panose="020B0503020000020004" pitchFamily="50" charset="-127"/>
                 <a:ea typeface="맑은 고딕" panose="020B0503020000020004" pitchFamily="50" charset="-127"/>
               </a:rPr>
               <a:t>프로젝트 우수상</a:t>
             </a:r>
-            <a:endParaRPr lang="en-US" altLang="ko-KR" sz="1000" dirty="0" smtClean="0">
+            <a:endParaRPr lang="en-US" altLang="ko-KR" sz="1000" dirty="0">
               <a:latin typeface="맑은 고딕" panose="020B0503020000020004" pitchFamily="50" charset="-127"/>
               <a:ea typeface="맑은 고딕" panose="020B0503020000020004" pitchFamily="50" charset="-127"/>
             </a:endParaRPr>
@@ -14848,13 +14566,6 @@
   <p:clrMapOvr>
     <a:masterClrMapping/>
   </p:clrMapOvr>
-  <p:timing>
-    <p:tnLst>
-      <p:par>
-        <p:cTn id="1" dur="indefinite" restart="never" nodeType="tmRoot"/>
-      </p:par>
-    </p:tnLst>
-  </p:timing>
 </p:sld>
 </file>
 
@@ -15034,7 +14745,7 @@
           </a:lstStyle>
           <a:p>
             <a:r>
-              <a:rPr lang="ko-KR" altLang="en-US" sz="3600" dirty="0" smtClean="0">
+              <a:rPr lang="ko-KR" altLang="en-US" sz="3600" dirty="0">
                 <a:solidFill>
                   <a:schemeClr val="tx1">
                     <a:lumMod val="75000"/>
@@ -15046,16 +14757,6 @@
               </a:rPr>
               <a:t>평가 상세</a:t>
             </a:r>
-            <a:endParaRPr lang="ko-KR" altLang="en-US" sz="3600" dirty="0">
-              <a:solidFill>
-                <a:schemeClr val="tx1">
-                  <a:lumMod val="75000"/>
-                  <a:lumOff val="25000"/>
-                </a:schemeClr>
-              </a:solidFill>
-              <a:latin typeface="맑은 고딕" panose="020B0503020000020004" pitchFamily="50" charset="-127"/>
-              <a:ea typeface="맑은 고딕" panose="020B0503020000020004" pitchFamily="50" charset="-127"/>
-            </a:endParaRPr>
           </a:p>
         </p:txBody>
       </p:sp>
@@ -15107,42 +14808,42 @@
                 <a:gridCol w="1367383">
                   <a:extLst>
                     <a:ext uri="{9D8B030D-6E8A-4147-A177-3AD203B41FA5}">
-                      <a16:colId xmlns:a16="http://schemas.microsoft.com/office/drawing/2014/main" xmlns="" val="20000"/>
+                      <a16:colId xmlns:a16="http://schemas.microsoft.com/office/drawing/2014/main" val="20000"/>
                     </a:ext>
                   </a:extLst>
                 </a:gridCol>
                 <a:gridCol w="1224136">
                   <a:extLst>
                     <a:ext uri="{9D8B030D-6E8A-4147-A177-3AD203B41FA5}">
-                      <a16:colId xmlns:a16="http://schemas.microsoft.com/office/drawing/2014/main" xmlns="" val="20001"/>
+                      <a16:colId xmlns:a16="http://schemas.microsoft.com/office/drawing/2014/main" val="20001"/>
                     </a:ext>
                   </a:extLst>
                 </a:gridCol>
                 <a:gridCol w="2952328">
                   <a:extLst>
                     <a:ext uri="{9D8B030D-6E8A-4147-A177-3AD203B41FA5}">
-                      <a16:colId xmlns:a16="http://schemas.microsoft.com/office/drawing/2014/main" xmlns="" val="20002"/>
+                      <a16:colId xmlns:a16="http://schemas.microsoft.com/office/drawing/2014/main" val="20002"/>
                     </a:ext>
                   </a:extLst>
                 </a:gridCol>
                 <a:gridCol w="912101">
                   <a:extLst>
                     <a:ext uri="{9D8B030D-6E8A-4147-A177-3AD203B41FA5}">
-                      <a16:colId xmlns:a16="http://schemas.microsoft.com/office/drawing/2014/main" xmlns="" val="20003"/>
+                      <a16:colId xmlns:a16="http://schemas.microsoft.com/office/drawing/2014/main" val="20003"/>
                     </a:ext>
                   </a:extLst>
                 </a:gridCol>
                 <a:gridCol w="840094">
                   <a:extLst>
                     <a:ext uri="{9D8B030D-6E8A-4147-A177-3AD203B41FA5}">
-                      <a16:colId xmlns:a16="http://schemas.microsoft.com/office/drawing/2014/main" xmlns="" val="20004"/>
+                      <a16:colId xmlns:a16="http://schemas.microsoft.com/office/drawing/2014/main" val="20004"/>
                     </a:ext>
                   </a:extLst>
                 </a:gridCol>
                 <a:gridCol w="840093">
                   <a:extLst>
                     <a:ext uri="{9D8B030D-6E8A-4147-A177-3AD203B41FA5}">
-                      <a16:colId xmlns:a16="http://schemas.microsoft.com/office/drawing/2014/main" xmlns="" val="20005"/>
+                      <a16:colId xmlns:a16="http://schemas.microsoft.com/office/drawing/2014/main" val="20005"/>
                     </a:ext>
                   </a:extLst>
                 </a:gridCol>
@@ -15586,7 +15287,7 @@
                 </a:tc>
                 <a:extLst>
                   <a:ext uri="{0D108BD9-81ED-4DB2-BD59-A6C34878D82A}">
-                    <a16:rowId xmlns:a16="http://schemas.microsoft.com/office/drawing/2014/main" xmlns="" val="10000"/>
+                    <a16:rowId xmlns:a16="http://schemas.microsoft.com/office/drawing/2014/main" val="10000"/>
                   </a:ext>
                 </a:extLst>
               </a:tr>
@@ -15801,7 +15502,7 @@
                     <a:p>
                       <a:pPr marL="0" algn="ctr" defTabSz="914400" rtl="0" eaLnBrk="1" fontAlgn="ctr" latinLnBrk="1" hangingPunct="1"/>
                       <a:r>
-                        <a:rPr lang="ko-KR" altLang="en-US" sz="1400" b="1" i="0" u="none" strike="noStrike" kern="1200" dirty="0" smtClean="0">
+                        <a:rPr lang="ko-KR" altLang="en-US" sz="1400" b="1" i="0" u="none" strike="noStrike" kern="1200" dirty="0">
                           <a:ln>
                             <a:solidFill>
                               <a:schemeClr val="tx1">
@@ -15880,7 +15581,7 @@
                 </a:tc>
                 <a:extLst>
                   <a:ext uri="{0D108BD9-81ED-4DB2-BD59-A6C34878D82A}">
-                    <a16:rowId xmlns:a16="http://schemas.microsoft.com/office/drawing/2014/main" xmlns="" val="10001"/>
+                    <a16:rowId xmlns:a16="http://schemas.microsoft.com/office/drawing/2014/main" val="10001"/>
                   </a:ext>
                 </a:extLst>
               </a:tr>
@@ -15892,7 +15593,7 @@
                     <a:p>
                       <a:pPr marL="0" algn="ctr" defTabSz="914400" rtl="0" eaLnBrk="1" fontAlgn="ctr" latinLnBrk="1" hangingPunct="1"/>
                       <a:r>
-                        <a:rPr lang="ko-KR" altLang="en-US" sz="1400" b="1" i="0" u="none" strike="noStrike" kern="1200" dirty="0" smtClean="0">
+                        <a:rPr lang="ko-KR" altLang="en-US" sz="1400" b="1" i="0" u="none" strike="noStrike" kern="1200" dirty="0">
                           <a:ln>
                             <a:solidFill>
                               <a:schemeClr val="tx1">
@@ -15909,7 +15610,7 @@
                         </a:rPr>
                         <a:t>교과 내용</a:t>
                       </a:r>
-                      <a:endParaRPr lang="en-US" altLang="ko-KR" sz="1400" b="1" i="0" u="none" strike="noStrike" kern="1200" dirty="0" smtClean="0">
+                      <a:endParaRPr lang="en-US" altLang="ko-KR" sz="1400" b="1" i="0" u="none" strike="noStrike" kern="1200" dirty="0">
                         <a:ln>
                           <a:solidFill>
                             <a:schemeClr val="tx1">
@@ -15928,7 +15629,7 @@
                     <a:p>
                       <a:pPr marL="0" algn="ctr" defTabSz="914400" rtl="0" eaLnBrk="1" fontAlgn="ctr" latinLnBrk="1" hangingPunct="1"/>
                       <a:r>
-                        <a:rPr lang="ko-KR" altLang="en-US" sz="1400" b="1" i="0" u="none" strike="noStrike" kern="1200" dirty="0" smtClean="0">
+                        <a:rPr lang="ko-KR" altLang="en-US" sz="1400" b="1" i="0" u="none" strike="noStrike" kern="1200" dirty="0">
                           <a:ln>
                             <a:solidFill>
                               <a:schemeClr val="tx1">
@@ -15945,21 +15646,6 @@
                         </a:rPr>
                         <a:t>반영도</a:t>
                       </a:r>
-                      <a:endParaRPr lang="ko-KR" altLang="en-US" sz="1400" b="1" i="0" u="none" strike="noStrike" kern="1200" dirty="0">
-                        <a:ln>
-                          <a:solidFill>
-                            <a:schemeClr val="tx1">
-                              <a:alpha val="0"/>
-                            </a:schemeClr>
-                          </a:solidFill>
-                        </a:ln>
-                        <a:solidFill>
-                          <a:srgbClr val="000000"/>
-                        </a:solidFill>
-                        <a:latin typeface="+mn-ea"/>
-                        <a:ea typeface="+mn-ea"/>
-                        <a:cs typeface="+mn-cs"/>
-                      </a:endParaRPr>
                     </a:p>
                   </a:txBody>
                   <a:tcPr marL="7178" marR="7178" marT="7178" marB="0" anchor="ctr">
@@ -16015,7 +15701,7 @@
                     <a:p>
                       <a:pPr marL="0" algn="ctr" defTabSz="914400" rtl="0" eaLnBrk="1" fontAlgn="ctr" latinLnBrk="1" hangingPunct="1"/>
                       <a:r>
-                        <a:rPr lang="en-US" altLang="ko-KR" sz="1400" b="1" i="0" u="none" strike="noStrike" kern="1200" dirty="0" smtClean="0">
+                        <a:rPr lang="en-US" altLang="ko-KR" sz="1400" b="1" i="0" u="none" strike="noStrike" kern="1200" dirty="0">
                           <a:ln>
                             <a:solidFill>
                               <a:schemeClr val="tx1">
@@ -16107,7 +15793,7 @@
                     <a:p>
                       <a:pPr marL="0" algn="ctr" defTabSz="914400" rtl="0" eaLnBrk="1" fontAlgn="ctr" latinLnBrk="1" hangingPunct="1"/>
                       <a:r>
-                        <a:rPr lang="ko-KR" altLang="en-US" sz="1400" b="1" i="0" u="none" strike="noStrike" kern="1200" dirty="0" smtClean="0">
+                        <a:rPr lang="ko-KR" altLang="en-US" sz="1400" b="1" i="0" u="none" strike="noStrike" kern="1200" dirty="0">
                           <a:ln>
                             <a:solidFill>
                               <a:schemeClr val="tx1">
@@ -16125,7 +15811,7 @@
                         <a:t>기술 이해도 </a:t>
                       </a:r>
                       <a:r>
-                        <a:rPr lang="en-US" altLang="ko-KR" sz="1400" b="1" i="0" u="none" strike="noStrike" kern="1200" dirty="0" smtClean="0">
+                        <a:rPr lang="en-US" altLang="ko-KR" sz="1400" b="1" i="0" u="none" strike="noStrike" kern="1200" dirty="0">
                           <a:ln>
                             <a:solidFill>
                               <a:schemeClr val="tx1">
@@ -16146,7 +15832,7 @@
                     <a:p>
                       <a:pPr marL="0" algn="ctr" defTabSz="914400" rtl="0" eaLnBrk="1" fontAlgn="ctr" latinLnBrk="1" hangingPunct="1"/>
                       <a:r>
-                        <a:rPr lang="ko-KR" altLang="en-US" sz="1400" b="1" i="0" u="none" strike="noStrike" kern="1200" dirty="0" smtClean="0">
+                        <a:rPr lang="ko-KR" altLang="en-US" sz="1400" b="1" i="0" u="none" strike="noStrike" kern="1200" dirty="0">
                           <a:ln>
                             <a:solidFill>
                               <a:schemeClr val="tx1">
@@ -16163,21 +15849,6 @@
                         </a:rPr>
                         <a:t>교과 내용 반영 수준 등</a:t>
                       </a:r>
-                      <a:endParaRPr lang="ko-KR" altLang="en-US" sz="1400" b="1" i="0" u="none" strike="noStrike" kern="1200" dirty="0">
-                        <a:ln>
-                          <a:solidFill>
-                            <a:schemeClr val="tx1">
-                              <a:alpha val="0"/>
-                            </a:schemeClr>
-                          </a:solidFill>
-                        </a:ln>
-                        <a:solidFill>
-                          <a:srgbClr val="000000"/>
-                        </a:solidFill>
-                        <a:latin typeface="+mn-ea"/>
-                        <a:ea typeface="+mn-ea"/>
-                        <a:cs typeface="+mn-cs"/>
-                      </a:endParaRPr>
                     </a:p>
                   </a:txBody>
                   <a:tcPr marL="7178" marR="7178" marT="7178" marB="0" anchor="ctr">
@@ -16238,7 +15909,7 @@
                         <a:buNone/>
                       </a:pPr>
                       <a:r>
-                        <a:rPr lang="en-US" altLang="ko-KR" sz="1300" b="1" i="0" u="none" strike="noStrike" kern="1200" dirty="0" smtClean="0">
+                        <a:rPr lang="en-US" altLang="ko-KR" sz="1300" b="1" i="0" u="none" strike="noStrike" kern="1200" dirty="0">
                           <a:ln>
                             <a:solidFill>
                               <a:schemeClr val="tx1">
@@ -16328,7 +15999,7 @@
                         <a:buNone/>
                       </a:pPr>
                       <a:r>
-                        <a:rPr lang="en-US" altLang="ko-KR" sz="1300" b="1" i="0" u="none" strike="noStrike" kern="1200" dirty="0" smtClean="0">
+                        <a:rPr lang="en-US" altLang="ko-KR" sz="1300" b="1" i="0" u="none" strike="noStrike" kern="1200" dirty="0">
                           <a:ln>
                             <a:solidFill>
                               <a:schemeClr val="tx1">
@@ -16416,7 +16087,7 @@
                         <a:buNone/>
                       </a:pPr>
                       <a:r>
-                        <a:rPr lang="en-US" altLang="ko-KR" sz="1300" b="1" i="0" u="none" strike="noStrike" kern="1200" dirty="0" smtClean="0">
+                        <a:rPr lang="en-US" altLang="ko-KR" sz="1300" b="1" i="0" u="none" strike="noStrike" kern="1200" dirty="0">
                           <a:ln>
                             <a:solidFill>
                               <a:schemeClr val="tx1">
@@ -16496,7 +16167,7 @@
                 </a:tc>
                 <a:extLst>
                   <a:ext uri="{0D108BD9-81ED-4DB2-BD59-A6C34878D82A}">
-                    <a16:rowId xmlns:a16="http://schemas.microsoft.com/office/drawing/2014/main" xmlns="" val="10003"/>
+                    <a16:rowId xmlns:a16="http://schemas.microsoft.com/office/drawing/2014/main" val="10003"/>
                   </a:ext>
                 </a:extLst>
               </a:tr>
@@ -16613,7 +16284,7 @@
                     <a:p>
                       <a:pPr marL="0" algn="ctr" defTabSz="914400" rtl="0" eaLnBrk="1" fontAlgn="ctr" latinLnBrk="1" hangingPunct="1"/>
                       <a:r>
-                        <a:rPr lang="en-US" altLang="ko-KR" sz="1400" b="1" i="0" u="none" strike="noStrike" kern="1200" dirty="0" smtClean="0">
+                        <a:rPr lang="en-US" altLang="ko-KR" sz="1400" b="1" i="0" u="none" strike="noStrike" kern="1200" dirty="0">
                           <a:ln>
                             <a:solidFill>
                               <a:schemeClr val="tx1">
@@ -16705,189 +16376,6 @@
                     <a:p>
                       <a:pPr marL="0" algn="ctr" defTabSz="914400" rtl="0" eaLnBrk="1" fontAlgn="ctr" latinLnBrk="1" hangingPunct="1"/>
                       <a:r>
-                        <a:rPr lang="ko-KR" altLang="en-US" sz="1400" b="1" i="0" u="none" strike="noStrike" kern="1200" dirty="0" smtClean="0">
-                          <a:ln>
-                            <a:solidFill>
-                              <a:schemeClr val="tx1">
-                                <a:alpha val="0"/>
-                              </a:schemeClr>
-                            </a:solidFill>
-                          </a:ln>
-                          <a:solidFill>
-                            <a:srgbClr val="000000"/>
-                          </a:solidFill>
-                          <a:latin typeface="+mn-ea"/>
-                          <a:ea typeface="+mn-ea"/>
-                          <a:cs typeface="+mn-cs"/>
-                        </a:rPr>
-                        <a:t>목표 달성도 </a:t>
-                      </a:r>
-                      <a:r>
-                        <a:rPr lang="en-US" altLang="ko-KR" sz="1400" b="1" i="0" u="none" strike="noStrike" kern="1200" dirty="0" smtClean="0">
-                          <a:ln>
-                            <a:solidFill>
-                              <a:schemeClr val="tx1">
-                                <a:alpha val="0"/>
-                              </a:schemeClr>
-                            </a:solidFill>
-                          </a:ln>
-                          <a:solidFill>
-                            <a:srgbClr val="000000"/>
-                          </a:solidFill>
-                          <a:latin typeface="+mn-ea"/>
-                          <a:ea typeface="+mn-ea"/>
-                          <a:cs typeface="+mn-cs"/>
-                        </a:rPr>
-                        <a:t>/ </a:t>
-                      </a:r>
-                      <a:r>
-                        <a:rPr lang="ko-KR" altLang="en-US" sz="1400" b="1" i="0" u="none" strike="noStrike" kern="1200" dirty="0" smtClean="0">
-                          <a:ln>
-                            <a:solidFill>
-                              <a:schemeClr val="tx1">
-                                <a:alpha val="0"/>
-                              </a:schemeClr>
-                            </a:solidFill>
-                          </a:ln>
-                          <a:solidFill>
-                            <a:srgbClr val="000000"/>
-                          </a:solidFill>
-                          <a:latin typeface="+mn-ea"/>
-                          <a:ea typeface="+mn-ea"/>
-                          <a:cs typeface="+mn-cs"/>
-                        </a:rPr>
-                        <a:t>품질 </a:t>
-                      </a:r>
-                      <a:r>
-                        <a:rPr lang="en-US" altLang="ko-KR" sz="1400" b="1" i="0" u="none" strike="noStrike" kern="1200" dirty="0" smtClean="0">
-                          <a:ln>
-                            <a:solidFill>
-                              <a:schemeClr val="tx1">
-                                <a:alpha val="0"/>
-                              </a:schemeClr>
-                            </a:solidFill>
-                          </a:ln>
-                          <a:solidFill>
-                            <a:srgbClr val="000000"/>
-                          </a:solidFill>
-                          <a:latin typeface="+mn-ea"/>
-                          <a:ea typeface="+mn-ea"/>
-                          <a:cs typeface="+mn-cs"/>
-                        </a:rPr>
-                        <a:t>/ </a:t>
-                      </a:r>
-                      <a:r>
-                        <a:rPr lang="ko-KR" altLang="en-US" sz="1400" b="1" i="0" u="none" strike="noStrike" kern="1200" dirty="0" smtClean="0">
-                          <a:ln>
-                            <a:solidFill>
-                              <a:schemeClr val="tx1">
-                                <a:alpha val="0"/>
-                              </a:schemeClr>
-                            </a:solidFill>
-                          </a:ln>
-                          <a:solidFill>
-                            <a:srgbClr val="000000"/>
-                          </a:solidFill>
-                          <a:latin typeface="+mn-ea"/>
-                          <a:ea typeface="+mn-ea"/>
-                          <a:cs typeface="+mn-cs"/>
-                        </a:rPr>
-                        <a:t>완성도 </a:t>
-                      </a:r>
-                      <a:r>
-                        <a:rPr lang="en-US" altLang="ko-KR" sz="1400" b="1" i="0" u="none" strike="noStrike" kern="1200" dirty="0" smtClean="0">
-                          <a:ln>
-                            <a:solidFill>
-                              <a:schemeClr val="tx1">
-                                <a:alpha val="0"/>
-                              </a:schemeClr>
-                            </a:solidFill>
-                          </a:ln>
-                          <a:solidFill>
-                            <a:srgbClr val="000000"/>
-                          </a:solidFill>
-                          <a:latin typeface="+mn-ea"/>
-                          <a:ea typeface="+mn-ea"/>
-                          <a:cs typeface="+mn-cs"/>
-                        </a:rPr>
-                        <a:t>/</a:t>
-                      </a:r>
-                    </a:p>
-                    <a:p>
-                      <a:pPr marL="0" algn="ctr" defTabSz="914400" rtl="0" eaLnBrk="1" fontAlgn="ctr" latinLnBrk="1" hangingPunct="1"/>
-                      <a:r>
-                        <a:rPr lang="ko-KR" altLang="en-US" sz="1400" b="1" i="0" u="none" strike="noStrike" kern="1200" dirty="0" smtClean="0">
-                          <a:ln>
-                            <a:solidFill>
-                              <a:schemeClr val="tx1">
-                                <a:alpha val="0"/>
-                              </a:schemeClr>
-                            </a:solidFill>
-                          </a:ln>
-                          <a:solidFill>
-                            <a:srgbClr val="000000"/>
-                          </a:solidFill>
-                          <a:latin typeface="+mn-ea"/>
-                          <a:ea typeface="+mn-ea"/>
-                          <a:cs typeface="+mn-cs"/>
-                        </a:rPr>
-                        <a:t>문제해결능력</a:t>
-                      </a:r>
-                      <a:r>
-                        <a:rPr lang="en-US" altLang="ko-KR" sz="1400" b="1" i="0" u="none" strike="noStrike" kern="1200" baseline="0" dirty="0" smtClean="0">
-                          <a:ln>
-                            <a:solidFill>
-                              <a:schemeClr val="tx1">
-                                <a:alpha val="0"/>
-                              </a:schemeClr>
-                            </a:solidFill>
-                          </a:ln>
-                          <a:solidFill>
-                            <a:srgbClr val="000000"/>
-                          </a:solidFill>
-                          <a:latin typeface="+mn-ea"/>
-                          <a:ea typeface="+mn-ea"/>
-                          <a:cs typeface="+mn-cs"/>
-                        </a:rPr>
-                        <a:t> </a:t>
-                      </a:r>
-                      <a:r>
-                        <a:rPr lang="en-US" altLang="ko-KR" sz="1400" b="1" i="0" u="none" strike="noStrike" kern="1200" dirty="0" smtClean="0">
-                          <a:ln>
-                            <a:solidFill>
-                              <a:schemeClr val="tx1">
-                                <a:alpha val="0"/>
-                              </a:schemeClr>
-                            </a:solidFill>
-                          </a:ln>
-                          <a:solidFill>
-                            <a:srgbClr val="000000"/>
-                          </a:solidFill>
-                          <a:latin typeface="+mn-ea"/>
-                          <a:ea typeface="+mn-ea"/>
-                          <a:cs typeface="+mn-cs"/>
-                        </a:rPr>
-                        <a:t>/ </a:t>
-                      </a:r>
-                      <a:r>
-                        <a:rPr lang="ko-KR" altLang="en-US" sz="1400" b="1" i="0" u="none" strike="noStrike" kern="1200" dirty="0" smtClean="0">
-                          <a:ln>
-                            <a:solidFill>
-                              <a:schemeClr val="tx1">
-                                <a:alpha val="0"/>
-                              </a:schemeClr>
-                            </a:solidFill>
-                          </a:ln>
-                          <a:solidFill>
-                            <a:srgbClr val="000000"/>
-                          </a:solidFill>
-                          <a:latin typeface="+mn-ea"/>
-                          <a:ea typeface="+mn-ea"/>
-                          <a:cs typeface="+mn-cs"/>
-                        </a:rPr>
-                        <a:t>협업능력 </a:t>
-                      </a:r>
-                      <a:r>
                         <a:rPr lang="ko-KR" altLang="en-US" sz="1400" b="1" i="0" u="none" strike="noStrike" kern="1200" dirty="0">
                           <a:ln>
                             <a:solidFill>
@@ -16903,7 +16391,172 @@
                           <a:ea typeface="+mn-ea"/>
                           <a:cs typeface="+mn-cs"/>
                         </a:rPr>
-                        <a:t>등</a:t>
+                        <a:t>목표 달성도 </a:t>
+                      </a:r>
+                      <a:r>
+                        <a:rPr lang="en-US" altLang="ko-KR" sz="1400" b="1" i="0" u="none" strike="noStrike" kern="1200" dirty="0">
+                          <a:ln>
+                            <a:solidFill>
+                              <a:schemeClr val="tx1">
+                                <a:alpha val="0"/>
+                              </a:schemeClr>
+                            </a:solidFill>
+                          </a:ln>
+                          <a:solidFill>
+                            <a:srgbClr val="000000"/>
+                          </a:solidFill>
+                          <a:latin typeface="+mn-ea"/>
+                          <a:ea typeface="+mn-ea"/>
+                          <a:cs typeface="+mn-cs"/>
+                        </a:rPr>
+                        <a:t>/ </a:t>
+                      </a:r>
+                      <a:r>
+                        <a:rPr lang="ko-KR" altLang="en-US" sz="1400" b="1" i="0" u="none" strike="noStrike" kern="1200" dirty="0">
+                          <a:ln>
+                            <a:solidFill>
+                              <a:schemeClr val="tx1">
+                                <a:alpha val="0"/>
+                              </a:schemeClr>
+                            </a:solidFill>
+                          </a:ln>
+                          <a:solidFill>
+                            <a:srgbClr val="000000"/>
+                          </a:solidFill>
+                          <a:latin typeface="+mn-ea"/>
+                          <a:ea typeface="+mn-ea"/>
+                          <a:cs typeface="+mn-cs"/>
+                        </a:rPr>
+                        <a:t>품질 </a:t>
+                      </a:r>
+                      <a:r>
+                        <a:rPr lang="en-US" altLang="ko-KR" sz="1400" b="1" i="0" u="none" strike="noStrike" kern="1200" dirty="0">
+                          <a:ln>
+                            <a:solidFill>
+                              <a:schemeClr val="tx1">
+                                <a:alpha val="0"/>
+                              </a:schemeClr>
+                            </a:solidFill>
+                          </a:ln>
+                          <a:solidFill>
+                            <a:srgbClr val="000000"/>
+                          </a:solidFill>
+                          <a:latin typeface="+mn-ea"/>
+                          <a:ea typeface="+mn-ea"/>
+                          <a:cs typeface="+mn-cs"/>
+                        </a:rPr>
+                        <a:t>/ </a:t>
+                      </a:r>
+                      <a:r>
+                        <a:rPr lang="ko-KR" altLang="en-US" sz="1400" b="1" i="0" u="none" strike="noStrike" kern="1200" dirty="0">
+                          <a:ln>
+                            <a:solidFill>
+                              <a:schemeClr val="tx1">
+                                <a:alpha val="0"/>
+                              </a:schemeClr>
+                            </a:solidFill>
+                          </a:ln>
+                          <a:solidFill>
+                            <a:srgbClr val="000000"/>
+                          </a:solidFill>
+                          <a:latin typeface="+mn-ea"/>
+                          <a:ea typeface="+mn-ea"/>
+                          <a:cs typeface="+mn-cs"/>
+                        </a:rPr>
+                        <a:t>완성도 </a:t>
+                      </a:r>
+                      <a:r>
+                        <a:rPr lang="en-US" altLang="ko-KR" sz="1400" b="1" i="0" u="none" strike="noStrike" kern="1200" dirty="0">
+                          <a:ln>
+                            <a:solidFill>
+                              <a:schemeClr val="tx1">
+                                <a:alpha val="0"/>
+                              </a:schemeClr>
+                            </a:solidFill>
+                          </a:ln>
+                          <a:solidFill>
+                            <a:srgbClr val="000000"/>
+                          </a:solidFill>
+                          <a:latin typeface="+mn-ea"/>
+                          <a:ea typeface="+mn-ea"/>
+                          <a:cs typeface="+mn-cs"/>
+                        </a:rPr>
+                        <a:t>/</a:t>
+                      </a:r>
+                    </a:p>
+                    <a:p>
+                      <a:pPr marL="0" algn="ctr" defTabSz="914400" rtl="0" eaLnBrk="1" fontAlgn="ctr" latinLnBrk="1" hangingPunct="1"/>
+                      <a:r>
+                        <a:rPr lang="ko-KR" altLang="en-US" sz="1400" b="1" i="0" u="none" strike="noStrike" kern="1200" dirty="0">
+                          <a:ln>
+                            <a:solidFill>
+                              <a:schemeClr val="tx1">
+                                <a:alpha val="0"/>
+                              </a:schemeClr>
+                            </a:solidFill>
+                          </a:ln>
+                          <a:solidFill>
+                            <a:srgbClr val="000000"/>
+                          </a:solidFill>
+                          <a:latin typeface="+mn-ea"/>
+                          <a:ea typeface="+mn-ea"/>
+                          <a:cs typeface="+mn-cs"/>
+                        </a:rPr>
+                        <a:t>문제해결능력</a:t>
+                      </a:r>
+                      <a:r>
+                        <a:rPr lang="en-US" altLang="ko-KR" sz="1400" b="1" i="0" u="none" strike="noStrike" kern="1200" baseline="0" dirty="0">
+                          <a:ln>
+                            <a:solidFill>
+                              <a:schemeClr val="tx1">
+                                <a:alpha val="0"/>
+                              </a:schemeClr>
+                            </a:solidFill>
+                          </a:ln>
+                          <a:solidFill>
+                            <a:srgbClr val="000000"/>
+                          </a:solidFill>
+                          <a:latin typeface="+mn-ea"/>
+                          <a:ea typeface="+mn-ea"/>
+                          <a:cs typeface="+mn-cs"/>
+                        </a:rPr>
+                        <a:t> </a:t>
+                      </a:r>
+                      <a:r>
+                        <a:rPr lang="en-US" altLang="ko-KR" sz="1400" b="1" i="0" u="none" strike="noStrike" kern="1200" dirty="0">
+                          <a:ln>
+                            <a:solidFill>
+                              <a:schemeClr val="tx1">
+                                <a:alpha val="0"/>
+                              </a:schemeClr>
+                            </a:solidFill>
+                          </a:ln>
+                          <a:solidFill>
+                            <a:srgbClr val="000000"/>
+                          </a:solidFill>
+                          <a:latin typeface="+mn-ea"/>
+                          <a:ea typeface="+mn-ea"/>
+                          <a:cs typeface="+mn-cs"/>
+                        </a:rPr>
+                        <a:t>/ </a:t>
+                      </a:r>
+                      <a:r>
+                        <a:rPr lang="ko-KR" altLang="en-US" sz="1400" b="1" i="0" u="none" strike="noStrike" kern="1200" dirty="0">
+                          <a:ln>
+                            <a:solidFill>
+                              <a:schemeClr val="tx1">
+                                <a:alpha val="0"/>
+                              </a:schemeClr>
+                            </a:solidFill>
+                          </a:ln>
+                          <a:solidFill>
+                            <a:srgbClr val="000000"/>
+                          </a:solidFill>
+                          <a:latin typeface="+mn-ea"/>
+                          <a:ea typeface="+mn-ea"/>
+                          <a:cs typeface="+mn-cs"/>
+                        </a:rPr>
+                        <a:t>협업능력 등</a:t>
                       </a:r>
                     </a:p>
                   </a:txBody>
@@ -16965,7 +16618,7 @@
                         <a:buNone/>
                       </a:pPr>
                       <a:r>
-                        <a:rPr lang="en-US" altLang="ko-KR" sz="1300" b="1" i="0" u="none" strike="noStrike" kern="1200" dirty="0" smtClean="0">
+                        <a:rPr lang="en-US" altLang="ko-KR" sz="1300" b="1" i="0" u="none" strike="noStrike" kern="1200" dirty="0">
                           <a:ln>
                             <a:solidFill>
                               <a:schemeClr val="tx1">
@@ -17068,7 +16721,7 @@
                         <a:defRPr/>
                       </a:pPr>
                       <a:r>
-                        <a:rPr lang="en-US" altLang="ko-KR" sz="1300" b="1" i="0" u="none" strike="noStrike" kern="1200" dirty="0" smtClean="0">
+                        <a:rPr lang="en-US" altLang="ko-KR" sz="1300" b="1" i="0" u="none" strike="noStrike" kern="1200" dirty="0">
                           <a:ln>
                             <a:solidFill>
                               <a:schemeClr val="tx1">
@@ -17169,7 +16822,7 @@
                         <a:defRPr/>
                       </a:pPr>
                       <a:r>
-                        <a:rPr lang="en-US" altLang="ko-KR" sz="1300" b="1" i="0" u="none" strike="noStrike" kern="1200" dirty="0" smtClean="0">
+                        <a:rPr lang="en-US" altLang="ko-KR" sz="1300" b="1" i="0" u="none" strike="noStrike" kern="1200" dirty="0">
                           <a:ln>
                             <a:solidFill>
                               <a:schemeClr val="tx1">
@@ -17247,6 +16900,11 @@
                     <a:noFill/>
                   </a:tcPr>
                 </a:tc>
+                <a:extLst>
+                  <a:ext uri="{0D108BD9-81ED-4DB2-BD59-A6C34878D82A}">
+                    <a16:rowId xmlns:a16="http://schemas.microsoft.com/office/drawing/2014/main" val="10005"/>
+                  </a:ext>
+                </a:extLst>
               </a:tr>
               <a:tr h="1152000">
                 <a:tc>
@@ -17343,7 +17001,7 @@
                     <a:p>
                       <a:pPr marL="0" algn="ctr" defTabSz="914400" rtl="0" eaLnBrk="1" fontAlgn="ctr" latinLnBrk="1" hangingPunct="1"/>
                       <a:r>
-                        <a:rPr lang="en-US" altLang="ko-KR" sz="1400" b="1" i="0" u="none" strike="noStrike" kern="1200" dirty="0" smtClean="0">
+                        <a:rPr lang="en-US" altLang="ko-KR" sz="1400" b="1" i="0" u="none" strike="noStrike" kern="1200" dirty="0">
                           <a:ln>
                             <a:solidFill>
                               <a:schemeClr val="tx1">
@@ -17435,7 +17093,7 @@
                     <a:p>
                       <a:pPr marL="0" algn="ctr" defTabSz="914400" rtl="0" eaLnBrk="1" fontAlgn="ctr" latinLnBrk="1" hangingPunct="1"/>
                       <a:r>
-                        <a:rPr lang="ko-KR" altLang="en-US" sz="1400" b="1" i="0" u="none" strike="noStrike" kern="1200" dirty="0" smtClean="0">
+                        <a:rPr lang="ko-KR" altLang="en-US" sz="1400" b="1" i="0" u="none" strike="noStrike" kern="1200" dirty="0">
                           <a:ln>
                             <a:solidFill>
                               <a:schemeClr val="tx1">
@@ -17453,7 +17111,7 @@
                         <a:t>발표 내용 구성 </a:t>
                       </a:r>
                       <a:r>
-                        <a:rPr lang="en-US" altLang="ko-KR" sz="1400" b="1" i="0" u="none" strike="noStrike" kern="1200" dirty="0" smtClean="0">
+                        <a:rPr lang="en-US" altLang="ko-KR" sz="1400" b="1" i="0" u="none" strike="noStrike" kern="1200" dirty="0">
                           <a:ln>
                             <a:solidFill>
                               <a:schemeClr val="tx1">
@@ -17471,7 +17129,7 @@
                         <a:t>/ </a:t>
                       </a:r>
                       <a:r>
-                        <a:rPr lang="ko-KR" altLang="en-US" sz="1400" b="1" i="0" u="none" strike="noStrike" kern="1200" dirty="0" err="1" smtClean="0">
+                        <a:rPr lang="ko-KR" altLang="en-US" sz="1400" b="1" i="0" u="none" strike="noStrike" kern="1200" dirty="0" err="1">
                           <a:ln>
                             <a:solidFill>
                               <a:schemeClr val="tx1">
@@ -17489,7 +17147,7 @@
                         <a:t>전달력</a:t>
                       </a:r>
                       <a:r>
-                        <a:rPr lang="ko-KR" altLang="en-US" sz="1400" b="1" i="0" u="none" strike="noStrike" kern="1200" dirty="0" smtClean="0">
+                        <a:rPr lang="ko-KR" altLang="en-US" sz="1400" b="1" i="0" u="none" strike="noStrike" kern="1200" dirty="0">
                           <a:ln>
                             <a:solidFill>
                               <a:schemeClr val="tx1">
@@ -17507,7 +17165,7 @@
                         <a:t> </a:t>
                       </a:r>
                       <a:r>
-                        <a:rPr lang="en-US" altLang="ko-KR" sz="1400" b="1" i="0" u="none" strike="noStrike" kern="1200" dirty="0" smtClean="0">
+                        <a:rPr lang="en-US" altLang="ko-KR" sz="1400" b="1" i="0" u="none" strike="noStrike" kern="1200" dirty="0">
                           <a:ln>
                             <a:solidFill>
                               <a:schemeClr val="tx1">
@@ -17528,7 +17186,7 @@
                     <a:p>
                       <a:pPr marL="0" algn="ctr" defTabSz="914400" rtl="0" eaLnBrk="1" fontAlgn="ctr" latinLnBrk="1" hangingPunct="1"/>
                       <a:r>
-                        <a:rPr lang="ko-KR" altLang="en-US" sz="1400" b="1" i="0" u="none" strike="noStrike" kern="1200" dirty="0" smtClean="0">
+                        <a:rPr lang="ko-KR" altLang="en-US" sz="1400" b="1" i="0" u="none" strike="noStrike" kern="1200" dirty="0">
                           <a:ln>
                             <a:solidFill>
                               <a:schemeClr val="tx1">
@@ -17545,21 +17203,6 @@
                         </a:rPr>
                         <a:t>발표 시간 준수 등</a:t>
                       </a:r>
-                      <a:endParaRPr lang="ko-KR" altLang="en-US" sz="1400" b="1" i="0" u="none" strike="noStrike" kern="1200" dirty="0">
-                        <a:ln>
-                          <a:solidFill>
-                            <a:schemeClr val="tx1">
-                              <a:alpha val="0"/>
-                            </a:schemeClr>
-                          </a:solidFill>
-                        </a:ln>
-                        <a:solidFill>
-                          <a:srgbClr val="000000"/>
-                        </a:solidFill>
-                        <a:latin typeface="+mn-ea"/>
-                        <a:ea typeface="+mn-ea"/>
-                        <a:cs typeface="+mn-cs"/>
-                      </a:endParaRPr>
                     </a:p>
                   </a:txBody>
                   <a:tcPr marL="7178" marR="7178" marT="7178" marB="0" anchor="ctr">
@@ -17620,7 +17263,7 @@
                         <a:buNone/>
                       </a:pPr>
                       <a:r>
-                        <a:rPr lang="en-US" altLang="ko-KR" sz="1300" b="1" i="0" u="none" strike="noStrike" kern="1200" dirty="0" smtClean="0">
+                        <a:rPr lang="en-US" altLang="ko-KR" sz="1300" b="1" i="0" u="none" strike="noStrike" kern="1200" dirty="0">
                           <a:ln>
                             <a:solidFill>
                               <a:schemeClr val="tx1">
@@ -17637,21 +17280,6 @@
                         </a:rPr>
                         <a:t>20%</a:t>
                       </a:r>
-                      <a:endParaRPr lang="en-US" altLang="ko-KR" sz="1300" b="1" i="0" u="none" strike="noStrike" kern="1200" dirty="0">
-                        <a:ln>
-                          <a:solidFill>
-                            <a:schemeClr val="tx1">
-                              <a:alpha val="0"/>
-                            </a:schemeClr>
-                          </a:solidFill>
-                        </a:ln>
-                        <a:solidFill>
-                          <a:srgbClr val="000000"/>
-                        </a:solidFill>
-                        <a:latin typeface="+mn-ea"/>
-                        <a:ea typeface="+mn-ea"/>
-                        <a:cs typeface="+mn-cs"/>
-                      </a:endParaRPr>
                     </a:p>
                   </a:txBody>
                   <a:tcPr marL="7178" marR="7178" marT="7178" marB="0" anchor="ctr">
@@ -17710,7 +17338,7 @@
                         <a:buNone/>
                       </a:pPr>
                       <a:r>
-                        <a:rPr lang="en-US" altLang="ko-KR" sz="1300" b="1" i="0" u="none" strike="noStrike" kern="1200" dirty="0" smtClean="0">
+                        <a:rPr lang="en-US" altLang="ko-KR" sz="1300" b="1" i="0" u="none" strike="noStrike" kern="1200" dirty="0">
                           <a:ln>
                             <a:solidFill>
                               <a:schemeClr val="tx1">
@@ -17727,21 +17355,6 @@
                         </a:rPr>
                         <a:t>40%</a:t>
                       </a:r>
-                      <a:endParaRPr lang="en-US" altLang="ko-KR" sz="1300" b="1" i="0" u="none" strike="noStrike" kern="1200" dirty="0">
-                        <a:ln>
-                          <a:solidFill>
-                            <a:schemeClr val="tx1">
-                              <a:alpha val="0"/>
-                            </a:schemeClr>
-                          </a:solidFill>
-                        </a:ln>
-                        <a:solidFill>
-                          <a:srgbClr val="000000"/>
-                        </a:solidFill>
-                        <a:latin typeface="+mn-ea"/>
-                        <a:ea typeface="+mn-ea"/>
-                        <a:cs typeface="+mn-cs"/>
-                      </a:endParaRPr>
                     </a:p>
                   </a:txBody>
                   <a:tcPr marL="7178" marR="7178" marT="7178" marB="0" anchor="ctr">
@@ -17798,7 +17411,7 @@
                         <a:buNone/>
                       </a:pPr>
                       <a:r>
-                        <a:rPr lang="en-US" altLang="ko-KR" sz="1300" b="1" i="0" u="none" strike="noStrike" kern="1200" dirty="0" smtClean="0">
+                        <a:rPr lang="en-US" altLang="ko-KR" sz="1300" b="1" i="0" u="none" strike="noStrike" kern="1200" dirty="0">
                           <a:ln>
                             <a:solidFill>
                               <a:schemeClr val="tx1">
@@ -17815,21 +17428,6 @@
                         </a:rPr>
                         <a:t>40%</a:t>
                       </a:r>
-                      <a:endParaRPr lang="en-US" altLang="ko-KR" sz="1300" b="1" i="0" u="none" strike="noStrike" kern="1200" dirty="0">
-                        <a:ln>
-                          <a:solidFill>
-                            <a:schemeClr val="tx1">
-                              <a:alpha val="0"/>
-                            </a:schemeClr>
-                          </a:solidFill>
-                        </a:ln>
-                        <a:solidFill>
-                          <a:srgbClr val="000000"/>
-                        </a:solidFill>
-                        <a:latin typeface="+mn-ea"/>
-                        <a:ea typeface="+mn-ea"/>
-                        <a:cs typeface="+mn-cs"/>
-                      </a:endParaRPr>
                     </a:p>
                   </a:txBody>
                   <a:tcPr marL="7178" marR="7178" marT="7178" marB="0" anchor="ctr">
@@ -17878,7 +17476,7 @@
                 </a:tc>
                 <a:extLst>
                   <a:ext uri="{0D108BD9-81ED-4DB2-BD59-A6C34878D82A}">
-                    <a16:rowId xmlns:a16="http://schemas.microsoft.com/office/drawing/2014/main" xmlns="" val="10004"/>
+                    <a16:rowId xmlns:a16="http://schemas.microsoft.com/office/drawing/2014/main" val="10004"/>
                   </a:ext>
                 </a:extLst>
               </a:tr>
@@ -17896,13 +17494,6 @@
   <p:clrMapOvr>
     <a:masterClrMapping/>
   </p:clrMapOvr>
-  <p:timing>
-    <p:tnLst>
-      <p:par>
-        <p:cTn id="1" dur="indefinite" restart="never" nodeType="tmRoot"/>
-      </p:par>
-    </p:tnLst>
-  </p:timing>
 </p:sld>
 </file>
 
@@ -18015,7 +17606,7 @@
               <a:buChar char="-"/>
             </a:pPr>
             <a:r>
-              <a:rPr lang="ko-KR" altLang="en-US" b="1" dirty="0" smtClean="0">
+              <a:rPr lang="ko-KR" altLang="en-US" b="1" dirty="0">
                 <a:ln>
                   <a:solidFill>
                     <a:schemeClr val="tx1">
@@ -18032,7 +17623,7 @@
               <a:t>주제 선정의 참신성</a:t>
             </a:r>
             <a:r>
-              <a:rPr lang="en-US" altLang="ko-KR" b="1" dirty="0" smtClean="0">
+              <a:rPr lang="en-US" altLang="ko-KR" b="1" dirty="0">
                 <a:ln>
                   <a:solidFill>
                     <a:schemeClr val="tx1">
@@ -18049,7 +17640,7 @@
               <a:t>/</a:t>
             </a:r>
             <a:r>
-              <a:rPr lang="ko-KR" altLang="en-US" b="1" dirty="0" err="1" smtClean="0">
+              <a:rPr lang="ko-KR" altLang="en-US" b="1" dirty="0" err="1">
                 <a:ln>
                   <a:solidFill>
                     <a:schemeClr val="tx1">
@@ -18065,7 +17656,7 @@
               </a:rPr>
               <a:t>상용성</a:t>
             </a:r>
-            <a:endParaRPr lang="en-US" altLang="ko-KR" b="1" dirty="0" smtClean="0">
+            <a:endParaRPr lang="en-US" altLang="ko-KR" b="1" dirty="0">
               <a:ln>
                 <a:solidFill>
                   <a:schemeClr val="tx1">
@@ -18089,7 +17680,7 @@
               <a:buChar char="-"/>
             </a:pPr>
             <a:r>
-              <a:rPr lang="ko-KR" altLang="en-US" b="1" dirty="0" smtClean="0">
+              <a:rPr lang="ko-KR" altLang="en-US" b="1" dirty="0">
                 <a:ln>
                   <a:solidFill>
                     <a:schemeClr val="tx1">
@@ -18105,7 +17696,7 @@
               </a:rPr>
               <a:t>데이터 수집의 타당성</a:t>
             </a:r>
-            <a:endParaRPr lang="en-US" altLang="ko-KR" b="1" dirty="0" smtClean="0">
+            <a:endParaRPr lang="en-US" altLang="ko-KR" b="1" dirty="0">
               <a:ln>
                 <a:solidFill>
                   <a:schemeClr val="tx1">
@@ -18129,7 +17720,7 @@
               <a:buChar char="-"/>
             </a:pPr>
             <a:r>
-              <a:rPr lang="ko-KR" altLang="en-US" b="1" dirty="0" smtClean="0">
+              <a:rPr lang="ko-KR" altLang="en-US" b="1" dirty="0">
                 <a:ln>
                   <a:solidFill>
                     <a:schemeClr val="tx1">
@@ -18145,7 +17736,7 @@
               </a:rPr>
               <a:t>적용 기술의 적절성</a:t>
             </a:r>
-            <a:endParaRPr lang="en-US" altLang="ko-KR" b="1" dirty="0" smtClean="0">
+            <a:endParaRPr lang="en-US" altLang="ko-KR" b="1" dirty="0">
               <a:ln>
                 <a:solidFill>
                   <a:schemeClr val="tx1">
@@ -18169,7 +17760,7 @@
               <a:buChar char="-"/>
             </a:pPr>
             <a:r>
-              <a:rPr lang="ko-KR" altLang="en-US" b="1" dirty="0" smtClean="0">
+              <a:rPr lang="ko-KR" altLang="en-US" b="1" dirty="0">
                 <a:ln>
                   <a:solidFill>
                     <a:schemeClr val="tx1">
@@ -18185,7 +17776,7 @@
               </a:rPr>
               <a:t>기술 적용의 체계성</a:t>
             </a:r>
-            <a:endParaRPr lang="en-US" altLang="ko-KR" b="1" dirty="0" smtClean="0">
+            <a:endParaRPr lang="en-US" altLang="ko-KR" b="1" dirty="0">
               <a:ln>
                 <a:solidFill>
                   <a:schemeClr val="tx1">
@@ -18209,7 +17800,7 @@
               <a:buChar char="-"/>
             </a:pPr>
             <a:r>
-              <a:rPr lang="ko-KR" altLang="en-US" b="1" dirty="0" smtClean="0">
+              <a:rPr lang="ko-KR" altLang="en-US" b="1" dirty="0">
                 <a:ln>
                   <a:solidFill>
                     <a:schemeClr val="tx1">
@@ -18225,7 +17816,7 @@
               </a:rPr>
               <a:t>분석 기술의 정확성 </a:t>
             </a:r>
-            <a:endParaRPr lang="en-US" altLang="ko-KR" b="1" dirty="0" smtClean="0">
+            <a:endParaRPr lang="en-US" altLang="ko-KR" b="1" dirty="0">
               <a:ln>
                 <a:solidFill>
                   <a:schemeClr val="tx1">
@@ -18249,7 +17840,7 @@
               <a:buChar char="-"/>
             </a:pPr>
             <a:r>
-              <a:rPr lang="ko-KR" altLang="en-US" b="1" dirty="0" smtClean="0">
+              <a:rPr lang="ko-KR" altLang="en-US" b="1" dirty="0">
                 <a:ln>
                   <a:solidFill>
                     <a:schemeClr val="tx1">
@@ -18265,7 +17856,7 @@
               </a:rPr>
               <a:t>기술 적용도</a:t>
             </a:r>
-            <a:endParaRPr lang="en-US" altLang="ko-KR" b="1" dirty="0" smtClean="0">
+            <a:endParaRPr lang="en-US" altLang="ko-KR" b="1" dirty="0">
               <a:ln>
                 <a:solidFill>
                   <a:schemeClr val="tx1">
@@ -18289,7 +17880,7 @@
               <a:buChar char="-"/>
             </a:pPr>
             <a:r>
-              <a:rPr lang="ko-KR" altLang="en-US" b="1" dirty="0" smtClean="0">
+              <a:rPr lang="ko-KR" altLang="en-US" b="1" dirty="0">
                 <a:ln>
                   <a:solidFill>
                     <a:schemeClr val="tx1">
@@ -18306,7 +17897,7 @@
               <a:t>프로젝트 </a:t>
             </a:r>
             <a:r>
-              <a:rPr lang="ko-KR" altLang="en-US" b="1" dirty="0" err="1" smtClean="0">
+              <a:rPr lang="ko-KR" altLang="en-US" b="1" dirty="0" err="1">
                 <a:ln>
                   <a:solidFill>
                     <a:schemeClr val="tx1">
@@ -18323,7 +17914,7 @@
               <a:t>수행력</a:t>
             </a:r>
             <a:r>
-              <a:rPr lang="en-US" altLang="ko-KR" b="1" dirty="0" smtClean="0">
+              <a:rPr lang="en-US" altLang="ko-KR" b="1" dirty="0">
                 <a:ln>
                   <a:solidFill>
                     <a:schemeClr val="tx1">
@@ -18340,7 +17931,7 @@
               <a:t>(</a:t>
             </a:r>
             <a:r>
-              <a:rPr lang="ko-KR" altLang="en-US" b="1" dirty="0" smtClean="0">
+              <a:rPr lang="ko-KR" altLang="en-US" b="1" dirty="0">
                 <a:ln>
                   <a:solidFill>
                     <a:schemeClr val="tx1">
@@ -18357,7 +17948,7 @@
               <a:t>목표 달성</a:t>
             </a:r>
             <a:r>
-              <a:rPr lang="en-US" altLang="ko-KR" b="1" dirty="0" smtClean="0">
+              <a:rPr lang="en-US" altLang="ko-KR" b="1" dirty="0">
                 <a:ln>
                   <a:solidFill>
                     <a:schemeClr val="tx1">
@@ -18374,7 +17965,7 @@
               <a:t>, </a:t>
             </a:r>
             <a:r>
-              <a:rPr lang="ko-KR" altLang="en-US" b="1" dirty="0" smtClean="0">
+              <a:rPr lang="ko-KR" altLang="en-US" b="1" dirty="0">
                 <a:ln>
                   <a:solidFill>
                     <a:schemeClr val="tx1">
@@ -18391,7 +17982,7 @@
               <a:t>품질 관리</a:t>
             </a:r>
             <a:r>
-              <a:rPr lang="en-US" altLang="ko-KR" b="1" dirty="0" smtClean="0">
+              <a:rPr lang="en-US" altLang="ko-KR" b="1" dirty="0">
                 <a:ln>
                   <a:solidFill>
                     <a:schemeClr val="tx1">
@@ -18408,7 +17999,7 @@
               <a:t>, </a:t>
             </a:r>
             <a:r>
-              <a:rPr lang="ko-KR" altLang="en-US" b="1" dirty="0" smtClean="0">
+              <a:rPr lang="ko-KR" altLang="en-US" b="1" dirty="0">
                 <a:ln>
                   <a:solidFill>
                     <a:schemeClr val="tx1">
@@ -18425,7 +18016,7 @@
               <a:t>문제해결 능력</a:t>
             </a:r>
             <a:r>
-              <a:rPr lang="en-US" altLang="ko-KR" b="1" dirty="0" smtClean="0">
+              <a:rPr lang="en-US" altLang="ko-KR" b="1" dirty="0">
                 <a:ln>
                   <a:solidFill>
                     <a:schemeClr val="tx1">
@@ -18442,7 +18033,7 @@
               <a:t>, </a:t>
             </a:r>
             <a:r>
-              <a:rPr lang="ko-KR" altLang="en-US" b="1" dirty="0" smtClean="0">
+              <a:rPr lang="ko-KR" altLang="en-US" b="1" dirty="0">
                 <a:ln>
                   <a:solidFill>
                     <a:schemeClr val="tx1">
@@ -18459,7 +18050,7 @@
               <a:t>협업 및 의사소통 능력</a:t>
             </a:r>
             <a:r>
-              <a:rPr lang="en-US" altLang="ko-KR" b="1" dirty="0" smtClean="0">
+              <a:rPr lang="en-US" altLang="ko-KR" b="1" dirty="0">
                 <a:ln>
                   <a:solidFill>
                     <a:schemeClr val="tx1">
@@ -18485,7 +18076,7 @@
               <a:buChar char="-"/>
             </a:pPr>
             <a:r>
-              <a:rPr lang="ko-KR" altLang="en-US" b="1" dirty="0" smtClean="0">
+              <a:rPr lang="ko-KR" altLang="en-US" b="1" dirty="0">
                 <a:ln>
                   <a:solidFill>
                     <a:schemeClr val="tx1">
@@ -18502,7 +18093,7 @@
               <a:t>프레젠테이션</a:t>
             </a:r>
             <a:r>
-              <a:rPr lang="en-US" altLang="ko-KR" b="1" dirty="0" smtClean="0">
+              <a:rPr lang="en-US" altLang="ko-KR" b="1" dirty="0">
                 <a:ln>
                   <a:solidFill>
                     <a:schemeClr val="tx1">
@@ -18519,7 +18110,7 @@
               <a:t>(</a:t>
             </a:r>
             <a:r>
-              <a:rPr lang="ko-KR" altLang="en-US" b="1" dirty="0" smtClean="0">
+              <a:rPr lang="ko-KR" altLang="en-US" b="1" dirty="0">
                 <a:ln>
                   <a:solidFill>
                     <a:schemeClr val="tx1">
@@ -18536,7 +18127,7 @@
               <a:t>발표 내용 구성</a:t>
             </a:r>
             <a:r>
-              <a:rPr lang="en-US" altLang="ko-KR" b="1" dirty="0" smtClean="0">
+              <a:rPr lang="en-US" altLang="ko-KR" b="1" dirty="0">
                 <a:ln>
                   <a:solidFill>
                     <a:schemeClr val="tx1">
@@ -18553,7 +18144,7 @@
               <a:t>, </a:t>
             </a:r>
             <a:r>
-              <a:rPr lang="ko-KR" altLang="en-US" b="1" dirty="0" smtClean="0">
+              <a:rPr lang="ko-KR" altLang="en-US" b="1" dirty="0">
                 <a:ln>
                   <a:solidFill>
                     <a:schemeClr val="tx1">
@@ -18570,7 +18161,7 @@
               <a:t>발표 태도</a:t>
             </a:r>
             <a:r>
-              <a:rPr lang="en-US" altLang="ko-KR" b="1" dirty="0" smtClean="0">
+              <a:rPr lang="en-US" altLang="ko-KR" b="1" dirty="0">
                 <a:ln>
                   <a:solidFill>
                     <a:schemeClr val="tx1">
@@ -18587,7 +18178,7 @@
               <a:t>, </a:t>
             </a:r>
             <a:r>
-              <a:rPr lang="ko-KR" altLang="en-US" b="1" dirty="0" err="1" smtClean="0">
+              <a:rPr lang="ko-KR" altLang="en-US" b="1" dirty="0" err="1">
                 <a:ln>
                   <a:solidFill>
                     <a:schemeClr val="tx1">
@@ -18604,7 +18195,7 @@
               <a:t>전달력</a:t>
             </a:r>
             <a:r>
-              <a:rPr lang="en-US" altLang="ko-KR" b="1" dirty="0" smtClean="0">
+              <a:rPr lang="en-US" altLang="ko-KR" b="1" dirty="0">
                 <a:ln>
                   <a:solidFill>
                     <a:schemeClr val="tx1">
@@ -18621,7 +18212,7 @@
               <a:t>, </a:t>
             </a:r>
             <a:r>
-              <a:rPr lang="ko-KR" altLang="en-US" b="1" dirty="0" smtClean="0">
+              <a:rPr lang="ko-KR" altLang="en-US" b="1" dirty="0">
                 <a:ln>
                   <a:solidFill>
                     <a:schemeClr val="tx1">
@@ -18655,7 +18246,7 @@
               <a:t> </a:t>
             </a:r>
             <a:r>
-              <a:rPr lang="ko-KR" altLang="en-US" b="1" dirty="0" smtClean="0">
+              <a:rPr lang="ko-KR" altLang="en-US" b="1" dirty="0">
                 <a:ln>
                   <a:solidFill>
                     <a:schemeClr val="tx1">
@@ -18672,7 +18263,7 @@
               <a:t>준수</a:t>
             </a:r>
             <a:r>
-              <a:rPr lang="en-US" altLang="ko-KR" b="1" dirty="0" smtClean="0">
+              <a:rPr lang="en-US" altLang="ko-KR" b="1" dirty="0">
                 <a:ln>
                   <a:solidFill>
                     <a:schemeClr val="tx1">
@@ -18689,7 +18280,7 @@
               <a:t>, </a:t>
             </a:r>
             <a:r>
-              <a:rPr lang="ko-KR" altLang="en-US" b="1" dirty="0" smtClean="0">
+              <a:rPr lang="ko-KR" altLang="en-US" b="1" dirty="0">
                 <a:ln>
                   <a:solidFill>
                     <a:schemeClr val="tx1">
@@ -18706,7 +18297,7 @@
               <a:t>순발력</a:t>
             </a:r>
             <a:r>
-              <a:rPr lang="en-US" altLang="ko-KR" b="1" dirty="0" smtClean="0">
+              <a:rPr lang="en-US" altLang="ko-KR" b="1" dirty="0">
                 <a:ln>
                   <a:solidFill>
                     <a:schemeClr val="tx1">
@@ -18723,7 +18314,7 @@
               <a:t>) </a:t>
             </a:r>
             <a:r>
-              <a:rPr lang="ko-KR" altLang="en-US" b="1" dirty="0" smtClean="0">
+              <a:rPr lang="ko-KR" altLang="en-US" b="1" dirty="0">
                 <a:ln>
                   <a:solidFill>
                     <a:schemeClr val="tx1">
@@ -18739,7 +18330,7 @@
               </a:rPr>
               <a:t> </a:t>
             </a:r>
-            <a:endParaRPr lang="en-US" altLang="ko-KR" b="1" dirty="0" smtClean="0">
+            <a:endParaRPr lang="en-US" altLang="ko-KR" b="1" dirty="0">
               <a:ln>
                 <a:solidFill>
                   <a:schemeClr val="tx1">
@@ -18853,7 +18444,7 @@
           </a:lstStyle>
           <a:p>
             <a:r>
-              <a:rPr lang="ko-KR" altLang="en-US" sz="3600" dirty="0" err="1" smtClean="0">
+              <a:rPr lang="ko-KR" altLang="en-US" sz="3600" dirty="0" err="1">
                 <a:solidFill>
                   <a:schemeClr val="tx1">
                     <a:lumMod val="75000"/>
@@ -18866,7 +18457,7 @@
               <a:t>파이널</a:t>
             </a:r>
             <a:r>
-              <a:rPr lang="ko-KR" altLang="en-US" sz="3600" dirty="0" smtClean="0">
+              <a:rPr lang="ko-KR" altLang="en-US" sz="3600" dirty="0">
                 <a:solidFill>
                   <a:schemeClr val="tx1">
                     <a:lumMod val="75000"/>
@@ -18878,16 +18469,6 @@
               </a:rPr>
               <a:t> 프로젝트 평가 상세 내용</a:t>
             </a:r>
-            <a:endParaRPr lang="ko-KR" altLang="en-US" sz="3600" dirty="0">
-              <a:solidFill>
-                <a:schemeClr val="tx1">
-                  <a:lumMod val="75000"/>
-                  <a:lumOff val="25000"/>
-                </a:schemeClr>
-              </a:solidFill>
-              <a:latin typeface="맑은 고딕" panose="020B0503020000020004" pitchFamily="50" charset="-127"/>
-              <a:ea typeface="맑은 고딕" panose="020B0503020000020004" pitchFamily="50" charset="-127"/>
-            </a:endParaRPr>
           </a:p>
         </p:txBody>
       </p:sp>
@@ -18923,13 +18504,6 @@
   <p:clrMapOvr>
     <a:masterClrMapping/>
   </p:clrMapOvr>
-  <p:timing>
-    <p:tnLst>
-      <p:par>
-        <p:cTn id="1" dur="indefinite" restart="never" nodeType="tmRoot"/>
-      </p:par>
-    </p:tnLst>
-  </p:timing>
 </p:sld>
 </file>
 
